--- a/2023_기업솔루션_프로젝트_보고서.pptx
+++ b/2023_기업솔루션_프로젝트_보고서.pptx
@@ -1,21 +1,22 @@
 
 <file path=ppt/presentation.xml><?xml version="1.0" encoding="utf-8"?>
-<p:presentation xmlns:r="http://schemas.openxmlformats.org/officeDocument/2006/relationships" xmlns:c="http://schemas.openxmlformats.org/drawingml/2006/chart" xmlns:a="http://schemas.openxmlformats.org/drawingml/2006/main" xmlns:dgm="http://schemas.openxmlformats.org/drawingml/2006/diagram" xmlns:dsp="http://schemas.microsoft.com/office/drawing/2008/diagram" xmlns:p="http://schemas.openxmlformats.org/presentationml/2006/main" firstSlideNum="0" showSpecialPlsOnTitleSld="0" saveSubsetFonts="1">
+<p:presentation xmlns:a="http://schemas.openxmlformats.org/drawingml/2006/main" xmlns:r="http://schemas.openxmlformats.org/officeDocument/2006/relationships" xmlns:p="http://schemas.openxmlformats.org/presentationml/2006/main" firstSlideNum="0" showSpecialPlsOnTitleSld="0" saveSubsetFonts="1">
   <p:sldMasterIdLst>
     <p:sldMasterId id="2147483660" r:id="rId1"/>
   </p:sldMasterIdLst>
   <p:notesMasterIdLst>
-    <p:notesMasterId r:id="rId2"/>
+    <p:notesMasterId r:id="rId17"/>
   </p:notesMasterIdLst>
   <p:sldIdLst>
-    <p:sldId id="256" r:id="rId3"/>
-    <p:sldId id="257" r:id="rId4"/>
-    <p:sldId id="258" r:id="rId5"/>
-    <p:sldId id="259" r:id="rId6"/>
-    <p:sldId id="260" r:id="rId7"/>
-    <p:sldId id="261" r:id="rId8"/>
-    <p:sldId id="262" r:id="rId9"/>
-    <p:sldId id="263" r:id="rId10"/>
+    <p:sldId id="256" r:id="rId2"/>
+    <p:sldId id="257" r:id="rId3"/>
+    <p:sldId id="258" r:id="rId4"/>
+    <p:sldId id="259" r:id="rId5"/>
+    <p:sldId id="260" r:id="rId6"/>
+    <p:sldId id="261" r:id="rId7"/>
+    <p:sldId id="262" r:id="rId8"/>
+    <p:sldId id="270" r:id="rId9"/>
+    <p:sldId id="271" r:id="rId10"/>
     <p:sldId id="264" r:id="rId11"/>
     <p:sldId id="265" r:id="rId12"/>
     <p:sldId id="266" r:id="rId13"/>
@@ -150,17 +151,34 @@
       </a:defRPr>
     </a:lvl9pPr>
   </p:defaultTextStyle>
+  <p:extLst>
+    <p:ext uri="{EFAFB233-063F-42B5-8137-9DF3F51BA10A}">
+      <p15:sldGuideLst xmlns:p15="http://schemas.microsoft.com/office/powerpoint/2012/main">
+        <p15:guide id="1" orient="horz" pos="2159">
+          <p15:clr>
+            <a:srgbClr val="A4A3A4"/>
+          </p15:clr>
+        </p15:guide>
+        <p15:guide id="2" pos="3840">
+          <p15:clr>
+            <a:srgbClr val="A4A3A4"/>
+          </p15:clr>
+        </p15:guide>
+      </p15:sldGuideLst>
+    </p:ext>
+  </p:extLst>
 </p:presentation>
 </file>
 
 <file path=ppt/notesMasters/notesMaster1.xml><?xml version="1.0" encoding="utf-8"?>
-<p:notesMaster xmlns:r="http://schemas.openxmlformats.org/officeDocument/2006/relationships" xmlns:c="http://schemas.openxmlformats.org/drawingml/2006/chart" xmlns:a="http://schemas.openxmlformats.org/drawingml/2006/main" xmlns:dgm="http://schemas.openxmlformats.org/drawingml/2006/diagram" xmlns:dsp="http://schemas.microsoft.com/office/drawing/2008/diagram" xmlns:p="http://schemas.openxmlformats.org/presentationml/2006/main">
+<p:notesMaster xmlns:a="http://schemas.openxmlformats.org/drawingml/2006/main" xmlns:r="http://schemas.openxmlformats.org/officeDocument/2006/relationships" xmlns:p="http://schemas.openxmlformats.org/presentationml/2006/main">
   <p:cSld>
     <p:bg>
-      <p:bgPr shadeToTitle="0">
+      <p:bgPr>
         <a:solidFill>
           <a:schemeClr val="bg1"/>
         </a:solidFill>
+        <a:effectLst/>
       </p:bgPr>
     </p:bg>
     <p:spTree>
@@ -184,7 +202,7 @@
             <a:spLocks noGrp="1" noChangeArrowheads="1"/>
           </p:cNvSpPr>
           <p:nvPr>
-            <p:ph type="hdr" sz="quarter" idx="0"/>
+            <p:ph type="hdr" sz="quarter"/>
           </p:nvPr>
         </p:nvSpPr>
         <p:spPr>
@@ -220,10 +238,6 @@
             <a:pPr>
               <a:defRPr/>
             </a:pPr>
-            <a:r>
-              <a:rPr lang="ko-KR" altLang="en-US"/>
-              <a:t/>
-            </a:r>
             <a:endParaRPr lang="ko-KR" altLang="en-US"/>
           </a:p>
         </p:txBody>
@@ -271,10 +285,6 @@
             <a:pPr>
               <a:defRPr/>
             </a:pPr>
-            <a:r>
-              <a:rPr lang="ko-KR" altLang="en-US"/>
-              <a:t/>
-            </a:r>
             <a:endParaRPr lang="ko-KR" altLang="en-US"/>
           </a:p>
         </p:txBody>
@@ -350,7 +360,6 @@
               <a:rPr lang="en-US" altLang="ko-KR"/>
               <a:t>.</a:t>
             </a:r>
-            <a:endParaRPr lang="en-US" altLang="ko-KR"/>
           </a:p>
           <a:p>
             <a:pPr lvl="1">
@@ -360,7 +369,6 @@
               <a:rPr lang="ko-KR" altLang="en-US"/>
               <a:t>둘째 수준</a:t>
             </a:r>
-            <a:endParaRPr lang="ko-KR" altLang="en-US"/>
           </a:p>
           <a:p>
             <a:pPr lvl="2">
@@ -370,7 +378,6 @@
               <a:rPr lang="ko-KR" altLang="en-US"/>
               <a:t>세째 수준</a:t>
             </a:r>
-            <a:endParaRPr lang="ko-KR" altLang="en-US"/>
           </a:p>
           <a:p>
             <a:pPr lvl="3">
@@ -380,7 +387,6 @@
               <a:rPr lang="ko-KR" altLang="en-US"/>
               <a:t>네째 수준</a:t>
             </a:r>
-            <a:endParaRPr lang="ko-KR" altLang="en-US"/>
           </a:p>
           <a:p>
             <a:pPr lvl="4">
@@ -390,7 +396,6 @@
               <a:rPr lang="ko-KR" altLang="en-US"/>
               <a:t>다섯째 수준</a:t>
             </a:r>
-            <a:endParaRPr lang="ko-KR" altLang="en-US"/>
           </a:p>
         </p:txBody>
       </p:sp>
@@ -437,10 +442,6 @@
             <a:pPr>
               <a:defRPr/>
             </a:pPr>
-            <a:r>
-              <a:rPr lang="ko-KR" altLang="en-US"/>
-              <a:t/>
-            </a:r>
             <a:endParaRPr lang="ko-KR" altLang="en-US"/>
           </a:p>
         </p:txBody>
@@ -626,7 +627,7 @@
 </file>
 
 <file path=ppt/notesSlides/notesSlide1.xml><?xml version="1.0" encoding="utf-8"?>
-<p:notes xmlns:r="http://schemas.openxmlformats.org/officeDocument/2006/relationships" xmlns:c="http://schemas.openxmlformats.org/drawingml/2006/chart" xmlns:a="http://schemas.openxmlformats.org/drawingml/2006/main" xmlns:dgm="http://schemas.openxmlformats.org/drawingml/2006/diagram" xmlns:dsp="http://schemas.microsoft.com/office/drawing/2008/diagram" xmlns:p="http://schemas.openxmlformats.org/presentationml/2006/main">
+<p:notes xmlns:a="http://schemas.openxmlformats.org/drawingml/2006/main" xmlns:r="http://schemas.openxmlformats.org/officeDocument/2006/relationships" xmlns:p="http://schemas.openxmlformats.org/presentationml/2006/main">
   <p:cSld>
     <p:spTree>
       <p:nvGrpSpPr>
@@ -649,7 +650,7 @@
             <a:spLocks noGrp="1" noRot="1" noChangeAspect="1" noTextEdit="1"/>
           </p:cNvSpPr>
           <p:nvPr>
-            <p:ph type="sldImg" idx="0"/>
+            <p:ph type="sldImg"/>
           </p:nvPr>
         </p:nvSpPr>
         <p:spPr>
@@ -681,13 +682,6 @@
             <a:pPr lvl="0">
               <a:defRPr/>
             </a:pPr>
-            <a:r>
-              <a:rPr lang="ko-KR" altLang="en-US">
-                <a:latin typeface="Times New Roman"/>
-                <a:ea typeface="굴림"/>
-              </a:rPr>
-              <a:t/>
-            </a:r>
             <a:endParaRPr lang="ko-KR" altLang="en-US">
               <a:latin typeface="Times New Roman"/>
               <a:ea typeface="굴림"/>
@@ -856,6 +850,9 @@
       </p:sp>
     </p:spTree>
   </p:cSld>
+  <p:clrMapOvr>
+    <a:masterClrMapping/>
+  </p:clrMapOvr>
 </p:notes>
 </file>
 
@@ -1657,7 +1654,7 @@
                 <a:ea typeface="돋움" panose="020B0600000101010101" pitchFamily="50" charset="-127"/>
               </a:rPr>
               <a:pPr algn="r" eaLnBrk="1" hangingPunct="1"/>
-              <a:t>2023-12-06</a:t>
+              <a:t>2023-12-12</a:t>
             </a:fld>
             <a:r>
               <a:rPr lang="en-US" altLang="ko-KR" sz="1200" b="1" i="1" dirty="0">
@@ -2955,7 +2952,7 @@
                 <a:ea typeface="돋움" panose="020B0600000101010101" pitchFamily="50" charset="-127"/>
               </a:rPr>
               <a:pPr algn="r" eaLnBrk="1" hangingPunct="1"/>
-              <a:t>2023-12-06</a:t>
+              <a:t>2023-12-12</a:t>
             </a:fld>
             <a:r>
               <a:rPr lang="en-US" altLang="ko-KR" sz="1200" b="1" i="1" dirty="0">
@@ -5094,6 +5091,1452 @@
 </file>
 
 <file path=ppt/slides/slide10.xml><?xml version="1.0" encoding="utf-8"?>
+<p:sld xmlns:a="http://schemas.openxmlformats.org/drawingml/2006/main" xmlns:r="http://schemas.openxmlformats.org/officeDocument/2006/relationships" xmlns:p="http://schemas.openxmlformats.org/presentationml/2006/main">
+  <p:cSld>
+    <p:spTree>
+      <p:nvGrpSpPr>
+        <p:cNvPr id="1" name=""/>
+        <p:cNvGrpSpPr/>
+        <p:nvPr/>
+      </p:nvGrpSpPr>
+      <p:grpSpPr>
+        <a:xfrm>
+          <a:off x="0" y="0"/>
+          <a:ext cx="0" cy="0"/>
+          <a:chOff x="0" y="0"/>
+          <a:chExt cx="0" cy="0"/>
+        </a:xfrm>
+      </p:grpSpPr>
+      <p:sp>
+        <p:nvSpPr>
+          <p:cNvPr id="11266" name="Rectangle 2">
+            <a:extLst>
+              <a:ext uri="{FF2B5EF4-FFF2-40B4-BE49-F238E27FC236}">
+                <a16:creationId xmlns:a16="http://schemas.microsoft.com/office/drawing/2014/main" id="{FD8712B6-5BFA-462B-996D-0B983C90DC84}"/>
+              </a:ext>
+            </a:extLst>
+          </p:cNvPr>
+          <p:cNvSpPr>
+            <a:spLocks noGrp="1" noChangeArrowheads="1"/>
+          </p:cNvSpPr>
+          <p:nvPr>
+            <p:ph type="title"/>
+          </p:nvPr>
+        </p:nvSpPr>
+        <p:spPr/>
+        <p:txBody>
+          <a:bodyPr/>
+          <a:lstStyle/>
+          <a:p>
+            <a:pPr eaLnBrk="1" hangingPunct="1"/>
+            <a:r>
+              <a:rPr lang="en-US" altLang="ko-KR" b="1" dirty="0">
+                <a:solidFill>
+                  <a:schemeClr val="accent2"/>
+                </a:solidFill>
+              </a:rPr>
+              <a:t>4. </a:t>
+            </a:r>
+            <a:r>
+              <a:rPr lang="ko-KR" altLang="en-US" b="1" dirty="0">
+                <a:solidFill>
+                  <a:schemeClr val="accent2"/>
+                </a:solidFill>
+              </a:rPr>
+              <a:t>개발 내용</a:t>
+            </a:r>
+          </a:p>
+        </p:txBody>
+      </p:sp>
+      <p:sp>
+        <p:nvSpPr>
+          <p:cNvPr id="11267" name="Rectangle 3">
+            <a:extLst>
+              <a:ext uri="{FF2B5EF4-FFF2-40B4-BE49-F238E27FC236}">
+                <a16:creationId xmlns:a16="http://schemas.microsoft.com/office/drawing/2014/main" id="{AE112B06-2B86-4692-B9E6-28A5BFDCA2BB}"/>
+              </a:ext>
+            </a:extLst>
+          </p:cNvPr>
+          <p:cNvSpPr>
+            <a:spLocks noGrp="1" noChangeArrowheads="1"/>
+          </p:cNvSpPr>
+          <p:nvPr>
+            <p:ph type="body" idx="1"/>
+          </p:nvPr>
+        </p:nvSpPr>
+        <p:spPr>
+          <a:xfrm>
+            <a:off x="904874" y="1181100"/>
+            <a:ext cx="9280489" cy="374651"/>
+          </a:xfrm>
+        </p:spPr>
+        <p:txBody>
+          <a:bodyPr/>
+          <a:lstStyle/>
+          <a:p>
+            <a:pPr marL="381000" indent="-381000" eaLnBrk="1" hangingPunct="1">
+              <a:buNone/>
+            </a:pPr>
+            <a:r>
+              <a:rPr lang="en-US" altLang="ko-KR" b="1" dirty="0"/>
+              <a:t> 4. </a:t>
+            </a:r>
+            <a:r>
+              <a:rPr lang="ko-KR" altLang="en-US" b="1" dirty="0"/>
+              <a:t>프로젝트 산출물   </a:t>
+            </a:r>
+          </a:p>
+          <a:p>
+            <a:pPr marL="1219200" lvl="2" indent="-304800" eaLnBrk="1" hangingPunct="1"/>
+            <a:endParaRPr lang="ko-KR" altLang="en-US" sz="1800" dirty="0"/>
+          </a:p>
+          <a:p>
+            <a:pPr marL="1219200" lvl="2" indent="-304800" eaLnBrk="1" hangingPunct="1"/>
+            <a:endParaRPr lang="en-US" altLang="ko-KR" sz="1800" dirty="0"/>
+          </a:p>
+        </p:txBody>
+      </p:sp>
+      <p:graphicFrame>
+        <p:nvGraphicFramePr>
+          <p:cNvPr id="2" name="표 1">
+            <a:extLst>
+              <a:ext uri="{FF2B5EF4-FFF2-40B4-BE49-F238E27FC236}">
+                <a16:creationId xmlns:a16="http://schemas.microsoft.com/office/drawing/2014/main" id="{9DF78867-F421-43A4-B96B-BDD5D5FDA526}"/>
+              </a:ext>
+            </a:extLst>
+          </p:cNvPr>
+          <p:cNvGraphicFramePr>
+            <a:graphicFrameLocks noGrp="1"/>
+          </p:cNvGraphicFramePr>
+          <p:nvPr>
+            <p:extLst>
+              <p:ext uri="{D42A27DB-BD31-4B8C-83A1-F6EECF244321}">
+                <p14:modId xmlns:p14="http://schemas.microsoft.com/office/powerpoint/2010/main" val="910092727"/>
+              </p:ext>
+            </p:extLst>
+          </p:nvPr>
+        </p:nvGraphicFramePr>
+        <p:xfrm>
+          <a:off x="1085850" y="1767416"/>
+          <a:ext cx="9648824" cy="2560320"/>
+        </p:xfrm>
+        <a:graphic>
+          <a:graphicData uri="http://schemas.openxmlformats.org/drawingml/2006/table">
+            <a:tbl>
+              <a:tblPr firstRow="1" bandRow="1">
+                <a:tableStyleId>{5940675A-B579-460E-94D1-54222C63F5DA}</a:tableStyleId>
+              </a:tblPr>
+              <a:tblGrid>
+                <a:gridCol w="1819275">
+                  <a:extLst>
+                    <a:ext uri="{9D8B030D-6E8A-4147-A177-3AD203B41FA5}">
+                      <a16:colId xmlns:a16="http://schemas.microsoft.com/office/drawing/2014/main" val="3834586937"/>
+                    </a:ext>
+                  </a:extLst>
+                </a:gridCol>
+                <a:gridCol w="2286000">
+                  <a:extLst>
+                    <a:ext uri="{9D8B030D-6E8A-4147-A177-3AD203B41FA5}">
+                      <a16:colId xmlns:a16="http://schemas.microsoft.com/office/drawing/2014/main" val="306707297"/>
+                    </a:ext>
+                  </a:extLst>
+                </a:gridCol>
+                <a:gridCol w="2943225">
+                  <a:extLst>
+                    <a:ext uri="{9D8B030D-6E8A-4147-A177-3AD203B41FA5}">
+                      <a16:colId xmlns:a16="http://schemas.microsoft.com/office/drawing/2014/main" val="1751416419"/>
+                    </a:ext>
+                  </a:extLst>
+                </a:gridCol>
+                <a:gridCol w="1276350">
+                  <a:extLst>
+                    <a:ext uri="{9D8B030D-6E8A-4147-A177-3AD203B41FA5}">
+                      <a16:colId xmlns:a16="http://schemas.microsoft.com/office/drawing/2014/main" val="3676813065"/>
+                    </a:ext>
+                  </a:extLst>
+                </a:gridCol>
+                <a:gridCol w="1323974">
+                  <a:extLst>
+                    <a:ext uri="{9D8B030D-6E8A-4147-A177-3AD203B41FA5}">
+                      <a16:colId xmlns:a16="http://schemas.microsoft.com/office/drawing/2014/main" val="2168060699"/>
+                    </a:ext>
+                  </a:extLst>
+                </a:gridCol>
+              </a:tblGrid>
+              <a:tr h="640080">
+                <a:tc>
+                  <a:txBody>
+                    <a:bodyPr/>
+                    <a:lstStyle/>
+                    <a:p>
+                      <a:pPr algn="ctr" latinLnBrk="1"/>
+                      <a:r>
+                        <a:rPr lang="ko-KR" altLang="en-US" sz="1600" b="1" dirty="0">
+                          <a:latin typeface="맑은 고딕" panose="020B0503020000020004" pitchFamily="50" charset="-127"/>
+                          <a:ea typeface="맑은 고딕" panose="020B0503020000020004" pitchFamily="50" charset="-127"/>
+                        </a:rPr>
+                        <a:t>구분</a:t>
+                      </a:r>
+                    </a:p>
+                  </a:txBody>
+                  <a:tcPr anchor="ctr">
+                    <a:lnL w="12700" cap="flat" cmpd="sng" algn="ctr">
+                      <a:solidFill>
+                        <a:schemeClr val="tx1"/>
+                      </a:solidFill>
+                      <a:prstDash val="solid"/>
+                      <a:round/>
+                      <a:headEnd type="none" w="med" len="med"/>
+                      <a:tailEnd type="none" w="med" len="med"/>
+                    </a:lnL>
+                    <a:lnR w="12700" cap="flat" cmpd="sng" algn="ctr">
+                      <a:solidFill>
+                        <a:schemeClr val="tx1"/>
+                      </a:solidFill>
+                      <a:prstDash val="solid"/>
+                      <a:round/>
+                      <a:headEnd type="none" w="med" len="med"/>
+                      <a:tailEnd type="none" w="med" len="med"/>
+                    </a:lnR>
+                    <a:lnT w="12700" cap="flat" cmpd="sng" algn="ctr">
+                      <a:solidFill>
+                        <a:schemeClr val="tx1"/>
+                      </a:solidFill>
+                      <a:prstDash val="solid"/>
+                      <a:round/>
+                      <a:headEnd type="none" w="med" len="med"/>
+                      <a:tailEnd type="none" w="med" len="med"/>
+                    </a:lnT>
+                    <a:lnB w="12700" cap="flat" cmpd="sng" algn="ctr">
+                      <a:solidFill>
+                        <a:schemeClr val="tx1"/>
+                      </a:solidFill>
+                      <a:prstDash val="solid"/>
+                      <a:round/>
+                      <a:headEnd type="none" w="med" len="med"/>
+                      <a:tailEnd type="none" w="med" len="med"/>
+                    </a:lnB>
+                    <a:solidFill>
+                      <a:schemeClr val="bg1">
+                        <a:lumMod val="95000"/>
+                      </a:schemeClr>
+                    </a:solidFill>
+                  </a:tcPr>
+                </a:tc>
+                <a:tc>
+                  <a:txBody>
+                    <a:bodyPr/>
+                    <a:lstStyle/>
+                    <a:p>
+                      <a:pPr algn="ctr" latinLnBrk="1"/>
+                      <a:r>
+                        <a:rPr lang="ko-KR" altLang="en-US" sz="1600" b="1" dirty="0">
+                          <a:latin typeface="맑은 고딕" panose="020B0503020000020004" pitchFamily="50" charset="-127"/>
+                          <a:ea typeface="맑은 고딕" panose="020B0503020000020004" pitchFamily="50" charset="-127"/>
+                        </a:rPr>
+                        <a:t>산출물명</a:t>
+                      </a:r>
+                    </a:p>
+                  </a:txBody>
+                  <a:tcPr anchor="ctr">
+                    <a:lnL w="12700" cap="flat" cmpd="sng" algn="ctr">
+                      <a:solidFill>
+                        <a:schemeClr val="tx1"/>
+                      </a:solidFill>
+                      <a:prstDash val="solid"/>
+                      <a:round/>
+                      <a:headEnd type="none" w="med" len="med"/>
+                      <a:tailEnd type="none" w="med" len="med"/>
+                    </a:lnL>
+                    <a:lnR w="12700" cap="flat" cmpd="sng" algn="ctr">
+                      <a:solidFill>
+                        <a:schemeClr val="tx1"/>
+                      </a:solidFill>
+                      <a:prstDash val="solid"/>
+                      <a:round/>
+                      <a:headEnd type="none" w="med" len="med"/>
+                      <a:tailEnd type="none" w="med" len="med"/>
+                    </a:lnR>
+                    <a:lnT w="12700" cap="flat" cmpd="sng" algn="ctr">
+                      <a:solidFill>
+                        <a:schemeClr val="tx1"/>
+                      </a:solidFill>
+                      <a:prstDash val="solid"/>
+                      <a:round/>
+                      <a:headEnd type="none" w="med" len="med"/>
+                      <a:tailEnd type="none" w="med" len="med"/>
+                    </a:lnT>
+                    <a:lnB w="12700" cap="flat" cmpd="sng" algn="ctr">
+                      <a:solidFill>
+                        <a:schemeClr val="tx1"/>
+                      </a:solidFill>
+                      <a:prstDash val="solid"/>
+                      <a:round/>
+                      <a:headEnd type="none" w="med" len="med"/>
+                      <a:tailEnd type="none" w="med" len="med"/>
+                    </a:lnB>
+                    <a:solidFill>
+                      <a:schemeClr val="bg1">
+                        <a:lumMod val="95000"/>
+                      </a:schemeClr>
+                    </a:solidFill>
+                  </a:tcPr>
+                </a:tc>
+                <a:tc>
+                  <a:txBody>
+                    <a:bodyPr/>
+                    <a:lstStyle/>
+                    <a:p>
+                      <a:pPr algn="ctr" latinLnBrk="1"/>
+                      <a:r>
+                        <a:rPr lang="ko-KR" altLang="en-US" sz="1600" b="1" dirty="0">
+                          <a:latin typeface="맑은 고딕" panose="020B0503020000020004" pitchFamily="50" charset="-127"/>
+                          <a:ea typeface="맑은 고딕" panose="020B0503020000020004" pitchFamily="50" charset="-127"/>
+                        </a:rPr>
+                        <a:t>주요 내용</a:t>
+                      </a:r>
+                    </a:p>
+                  </a:txBody>
+                  <a:tcPr anchor="ctr">
+                    <a:lnL w="12700" cap="flat" cmpd="sng" algn="ctr">
+                      <a:solidFill>
+                        <a:schemeClr val="tx1"/>
+                      </a:solidFill>
+                      <a:prstDash val="solid"/>
+                      <a:round/>
+                      <a:headEnd type="none" w="med" len="med"/>
+                      <a:tailEnd type="none" w="med" len="med"/>
+                    </a:lnL>
+                    <a:lnR w="12700" cap="flat" cmpd="sng" algn="ctr">
+                      <a:solidFill>
+                        <a:schemeClr val="tx1"/>
+                      </a:solidFill>
+                      <a:prstDash val="solid"/>
+                      <a:round/>
+                      <a:headEnd type="none" w="med" len="med"/>
+                      <a:tailEnd type="none" w="med" len="med"/>
+                    </a:lnR>
+                    <a:lnT w="12700" cap="flat" cmpd="sng" algn="ctr">
+                      <a:solidFill>
+                        <a:schemeClr val="tx1"/>
+                      </a:solidFill>
+                      <a:prstDash val="solid"/>
+                      <a:round/>
+                      <a:headEnd type="none" w="med" len="med"/>
+                      <a:tailEnd type="none" w="med" len="med"/>
+                    </a:lnT>
+                    <a:lnB w="12700" cap="flat" cmpd="sng" algn="ctr">
+                      <a:solidFill>
+                        <a:schemeClr val="tx1"/>
+                      </a:solidFill>
+                      <a:prstDash val="solid"/>
+                      <a:round/>
+                      <a:headEnd type="none" w="med" len="med"/>
+                      <a:tailEnd type="none" w="med" len="med"/>
+                    </a:lnB>
+                    <a:solidFill>
+                      <a:schemeClr val="bg1">
+                        <a:lumMod val="95000"/>
+                      </a:schemeClr>
+                    </a:solidFill>
+                  </a:tcPr>
+                </a:tc>
+                <a:tc>
+                  <a:txBody>
+                    <a:bodyPr/>
+                    <a:lstStyle/>
+                    <a:p>
+                      <a:pPr algn="ctr" latinLnBrk="1"/>
+                      <a:r>
+                        <a:rPr lang="ko-KR" altLang="en-US" sz="1600" b="1" dirty="0">
+                          <a:latin typeface="맑은 고딕" panose="020B0503020000020004" pitchFamily="50" charset="-127"/>
+                          <a:ea typeface="맑은 고딕" panose="020B0503020000020004" pitchFamily="50" charset="-127"/>
+                        </a:rPr>
+                        <a:t>제출시기</a:t>
+                      </a:r>
+                    </a:p>
+                  </a:txBody>
+                  <a:tcPr anchor="ctr">
+                    <a:lnL w="12700" cap="flat" cmpd="sng" algn="ctr">
+                      <a:solidFill>
+                        <a:schemeClr val="tx1"/>
+                      </a:solidFill>
+                      <a:prstDash val="solid"/>
+                      <a:round/>
+                      <a:headEnd type="none" w="med" len="med"/>
+                      <a:tailEnd type="none" w="med" len="med"/>
+                    </a:lnL>
+                    <a:lnR w="12700" cap="flat" cmpd="sng" algn="ctr">
+                      <a:solidFill>
+                        <a:schemeClr val="tx1"/>
+                      </a:solidFill>
+                      <a:prstDash val="solid"/>
+                      <a:round/>
+                      <a:headEnd type="none" w="med" len="med"/>
+                      <a:tailEnd type="none" w="med" len="med"/>
+                    </a:lnR>
+                    <a:lnT w="12700" cap="flat" cmpd="sng" algn="ctr">
+                      <a:solidFill>
+                        <a:schemeClr val="tx1"/>
+                      </a:solidFill>
+                      <a:prstDash val="solid"/>
+                      <a:round/>
+                      <a:headEnd type="none" w="med" len="med"/>
+                      <a:tailEnd type="none" w="med" len="med"/>
+                    </a:lnT>
+                    <a:lnB w="12700" cap="flat" cmpd="sng" algn="ctr">
+                      <a:solidFill>
+                        <a:schemeClr val="tx1"/>
+                      </a:solidFill>
+                      <a:prstDash val="solid"/>
+                      <a:round/>
+                      <a:headEnd type="none" w="med" len="med"/>
+                      <a:tailEnd type="none" w="med" len="med"/>
+                    </a:lnB>
+                    <a:solidFill>
+                      <a:schemeClr val="bg1">
+                        <a:lumMod val="95000"/>
+                      </a:schemeClr>
+                    </a:solidFill>
+                  </a:tcPr>
+                </a:tc>
+                <a:tc>
+                  <a:txBody>
+                    <a:bodyPr/>
+                    <a:lstStyle/>
+                    <a:p>
+                      <a:pPr algn="ctr" latinLnBrk="1"/>
+                      <a:r>
+                        <a:rPr lang="ko-KR" altLang="en-US" sz="1600" b="1" dirty="0">
+                          <a:latin typeface="맑은 고딕" panose="020B0503020000020004" pitchFamily="50" charset="-127"/>
+                          <a:ea typeface="맑은 고딕" panose="020B0503020000020004" pitchFamily="50" charset="-127"/>
+                        </a:rPr>
+                        <a:t>제물문서</a:t>
+                      </a:r>
+                    </a:p>
+                  </a:txBody>
+                  <a:tcPr anchor="ctr">
+                    <a:lnL w="12700" cap="flat" cmpd="sng" algn="ctr">
+                      <a:solidFill>
+                        <a:schemeClr val="tx1"/>
+                      </a:solidFill>
+                      <a:prstDash val="solid"/>
+                      <a:round/>
+                      <a:headEnd type="none" w="med" len="med"/>
+                      <a:tailEnd type="none" w="med" len="med"/>
+                    </a:lnL>
+                    <a:lnR w="12700" cap="flat" cmpd="sng" algn="ctr">
+                      <a:solidFill>
+                        <a:schemeClr val="tx1"/>
+                      </a:solidFill>
+                      <a:prstDash val="solid"/>
+                      <a:round/>
+                      <a:headEnd type="none" w="med" len="med"/>
+                      <a:tailEnd type="none" w="med" len="med"/>
+                    </a:lnR>
+                    <a:lnT w="12700" cap="flat" cmpd="sng" algn="ctr">
+                      <a:solidFill>
+                        <a:schemeClr val="tx1"/>
+                      </a:solidFill>
+                      <a:prstDash val="solid"/>
+                      <a:round/>
+                      <a:headEnd type="none" w="med" len="med"/>
+                      <a:tailEnd type="none" w="med" len="med"/>
+                    </a:lnT>
+                    <a:lnB w="12700" cap="flat" cmpd="sng" algn="ctr">
+                      <a:solidFill>
+                        <a:schemeClr val="tx1"/>
+                      </a:solidFill>
+                      <a:prstDash val="solid"/>
+                      <a:round/>
+                      <a:headEnd type="none" w="med" len="med"/>
+                      <a:tailEnd type="none" w="med" len="med"/>
+                    </a:lnB>
+                    <a:solidFill>
+                      <a:schemeClr val="bg1">
+                        <a:lumMod val="95000"/>
+                      </a:schemeClr>
+                    </a:solidFill>
+                  </a:tcPr>
+                </a:tc>
+                <a:extLst>
+                  <a:ext uri="{0D108BD9-81ED-4DB2-BD59-A6C34878D82A}">
+                    <a16:rowId xmlns:a16="http://schemas.microsoft.com/office/drawing/2014/main" val="641415161"/>
+                  </a:ext>
+                </a:extLst>
+              </a:tr>
+              <a:tr h="640080">
+                <a:tc>
+                  <a:txBody>
+                    <a:bodyPr/>
+                    <a:lstStyle/>
+                    <a:p>
+                      <a:pPr algn="ctr" latinLnBrk="1"/>
+                      <a:r>
+                        <a:rPr lang="ko-KR" altLang="en-US" sz="1600" dirty="0">
+                          <a:latin typeface="맑은 고딕" panose="020B0503020000020004" pitchFamily="50" charset="-127"/>
+                          <a:ea typeface="맑은 고딕" panose="020B0503020000020004" pitchFamily="50" charset="-127"/>
+                        </a:rPr>
+                        <a:t>분석</a:t>
+                      </a:r>
+                    </a:p>
+                  </a:txBody>
+                  <a:tcPr anchor="ctr">
+                    <a:lnL w="12700" cap="flat" cmpd="sng" algn="ctr">
+                      <a:solidFill>
+                        <a:schemeClr val="tx1"/>
+                      </a:solidFill>
+                      <a:prstDash val="solid"/>
+                      <a:round/>
+                      <a:headEnd type="none" w="med" len="med"/>
+                      <a:tailEnd type="none" w="med" len="med"/>
+                    </a:lnL>
+                    <a:lnR w="12700" cap="flat" cmpd="sng" algn="ctr">
+                      <a:solidFill>
+                        <a:schemeClr val="tx1"/>
+                      </a:solidFill>
+                      <a:prstDash val="solid"/>
+                      <a:round/>
+                      <a:headEnd type="none" w="med" len="med"/>
+                      <a:tailEnd type="none" w="med" len="med"/>
+                    </a:lnR>
+                    <a:lnT w="12700" cap="flat" cmpd="sng" algn="ctr">
+                      <a:solidFill>
+                        <a:schemeClr val="tx1"/>
+                      </a:solidFill>
+                      <a:prstDash val="solid"/>
+                      <a:round/>
+                      <a:headEnd type="none" w="med" len="med"/>
+                      <a:tailEnd type="none" w="med" len="med"/>
+                    </a:lnT>
+                    <a:lnB w="12700" cap="flat" cmpd="sng" algn="ctr">
+                      <a:solidFill>
+                        <a:schemeClr val="tx1"/>
+                      </a:solidFill>
+                      <a:prstDash val="solid"/>
+                      <a:round/>
+                      <a:headEnd type="none" w="med" len="med"/>
+                      <a:tailEnd type="none" w="med" len="med"/>
+                    </a:lnB>
+                  </a:tcPr>
+                </a:tc>
+                <a:tc>
+                  <a:txBody>
+                    <a:bodyPr/>
+                    <a:lstStyle/>
+                    <a:p>
+                      <a:pPr algn="ctr" latinLnBrk="1"/>
+                      <a:r>
+                        <a:rPr lang="ko-KR" altLang="en-US" sz="1600" dirty="0">
+                          <a:latin typeface="맑은 고딕" panose="020B0503020000020004" pitchFamily="50" charset="-127"/>
+                          <a:ea typeface="맑은 고딕" panose="020B0503020000020004" pitchFamily="50" charset="-127"/>
+                        </a:rPr>
+                        <a:t>시스템 기능 분석서</a:t>
+                      </a:r>
+                    </a:p>
+                  </a:txBody>
+                  <a:tcPr anchor="ctr">
+                    <a:lnL w="12700" cap="flat" cmpd="sng" algn="ctr">
+                      <a:solidFill>
+                        <a:schemeClr val="tx1"/>
+                      </a:solidFill>
+                      <a:prstDash val="solid"/>
+                      <a:round/>
+                      <a:headEnd type="none" w="med" len="med"/>
+                      <a:tailEnd type="none" w="med" len="med"/>
+                    </a:lnL>
+                    <a:lnR w="12700" cap="flat" cmpd="sng" algn="ctr">
+                      <a:solidFill>
+                        <a:schemeClr val="tx1"/>
+                      </a:solidFill>
+                      <a:prstDash val="solid"/>
+                      <a:round/>
+                      <a:headEnd type="none" w="med" len="med"/>
+                      <a:tailEnd type="none" w="med" len="med"/>
+                    </a:lnR>
+                    <a:lnT w="12700" cap="flat" cmpd="sng" algn="ctr">
+                      <a:solidFill>
+                        <a:schemeClr val="tx1"/>
+                      </a:solidFill>
+                      <a:prstDash val="solid"/>
+                      <a:round/>
+                      <a:headEnd type="none" w="med" len="med"/>
+                      <a:tailEnd type="none" w="med" len="med"/>
+                    </a:lnT>
+                    <a:lnB w="12700" cap="flat" cmpd="sng" algn="ctr">
+                      <a:solidFill>
+                        <a:schemeClr val="tx1"/>
+                      </a:solidFill>
+                      <a:prstDash val="solid"/>
+                      <a:round/>
+                      <a:headEnd type="none" w="med" len="med"/>
+                      <a:tailEnd type="none" w="med" len="med"/>
+                    </a:lnB>
+                  </a:tcPr>
+                </a:tc>
+                <a:tc>
+                  <a:txBody>
+                    <a:bodyPr/>
+                    <a:lstStyle/>
+                    <a:p>
+                      <a:pPr algn="ctr" latinLnBrk="1"/>
+                      <a:r>
+                        <a:rPr lang="ko-KR" altLang="en-US" sz="1600" dirty="0">
+                          <a:latin typeface="맑은 고딕" panose="020B0503020000020004" pitchFamily="50" charset="-127"/>
+                          <a:ea typeface="맑은 고딕" panose="020B0503020000020004" pitchFamily="50" charset="-127"/>
+                        </a:rPr>
+                        <a:t>각각의 상세한 </a:t>
+                      </a:r>
+                      <a:endParaRPr lang="en-US" altLang="ko-KR" sz="1600" dirty="0">
+                        <a:latin typeface="맑은 고딕" panose="020B0503020000020004" pitchFamily="50" charset="-127"/>
+                        <a:ea typeface="맑은 고딕" panose="020B0503020000020004" pitchFamily="50" charset="-127"/>
+                      </a:endParaRPr>
+                    </a:p>
+                    <a:p>
+                      <a:pPr algn="ctr" latinLnBrk="1"/>
+                      <a:r>
+                        <a:rPr lang="ko-KR" altLang="en-US" sz="1600" dirty="0">
+                          <a:latin typeface="맑은 고딕" panose="020B0503020000020004" pitchFamily="50" charset="-127"/>
+                          <a:ea typeface="맑은 고딕" panose="020B0503020000020004" pitchFamily="50" charset="-127"/>
+                        </a:rPr>
+                        <a:t>기능 설명</a:t>
+                      </a:r>
+                    </a:p>
+                  </a:txBody>
+                  <a:tcPr anchor="ctr">
+                    <a:lnL w="12700" cap="flat" cmpd="sng" algn="ctr">
+                      <a:solidFill>
+                        <a:schemeClr val="tx1"/>
+                      </a:solidFill>
+                      <a:prstDash val="solid"/>
+                      <a:round/>
+                      <a:headEnd type="none" w="med" len="med"/>
+                      <a:tailEnd type="none" w="med" len="med"/>
+                    </a:lnL>
+                    <a:lnR w="12700" cap="flat" cmpd="sng" algn="ctr">
+                      <a:solidFill>
+                        <a:schemeClr val="tx1"/>
+                      </a:solidFill>
+                      <a:prstDash val="solid"/>
+                      <a:round/>
+                      <a:headEnd type="none" w="med" len="med"/>
+                      <a:tailEnd type="none" w="med" len="med"/>
+                    </a:lnR>
+                    <a:lnT w="12700" cap="flat" cmpd="sng" algn="ctr">
+                      <a:solidFill>
+                        <a:schemeClr val="tx1"/>
+                      </a:solidFill>
+                      <a:prstDash val="solid"/>
+                      <a:round/>
+                      <a:headEnd type="none" w="med" len="med"/>
+                      <a:tailEnd type="none" w="med" len="med"/>
+                    </a:lnT>
+                    <a:lnB w="12700" cap="flat" cmpd="sng" algn="ctr">
+                      <a:solidFill>
+                        <a:schemeClr val="tx1"/>
+                      </a:solidFill>
+                      <a:prstDash val="solid"/>
+                      <a:round/>
+                      <a:headEnd type="none" w="med" len="med"/>
+                      <a:tailEnd type="none" w="med" len="med"/>
+                    </a:lnB>
+                  </a:tcPr>
+                </a:tc>
+                <a:tc>
+                  <a:txBody>
+                    <a:bodyPr/>
+                    <a:lstStyle/>
+                    <a:p>
+                      <a:pPr marL="0" marR="0" lvl="0" indent="0" algn="ctr" defTabSz="914400" rtl="0" eaLnBrk="1" fontAlgn="auto" latinLnBrk="1" hangingPunct="1">
+                        <a:lnSpc>
+                          <a:spcPct val="100000"/>
+                        </a:lnSpc>
+                        <a:spcBef>
+                          <a:spcPts val="0"/>
+                        </a:spcBef>
+                        <a:spcAft>
+                          <a:spcPts val="0"/>
+                        </a:spcAft>
+                        <a:buClrTx/>
+                        <a:buSzTx/>
+                        <a:buFontTx/>
+                        <a:buNone/>
+                        <a:tabLst/>
+                        <a:defRPr/>
+                      </a:pPr>
+                      <a:r>
+                        <a:rPr lang="ko-KR" altLang="en-US" sz="1600" dirty="0">
+                          <a:latin typeface="맑은 고딕" panose="020B0503020000020004" pitchFamily="50" charset="-127"/>
+                          <a:ea typeface="맑은 고딕" panose="020B0503020000020004" pitchFamily="50" charset="-127"/>
+                        </a:rPr>
+                        <a:t>월 일</a:t>
+                      </a:r>
+                    </a:p>
+                  </a:txBody>
+                  <a:tcPr anchor="ctr">
+                    <a:lnL w="12700" cap="flat" cmpd="sng" algn="ctr">
+                      <a:solidFill>
+                        <a:schemeClr val="tx1"/>
+                      </a:solidFill>
+                      <a:prstDash val="solid"/>
+                      <a:round/>
+                      <a:headEnd type="none" w="med" len="med"/>
+                      <a:tailEnd type="none" w="med" len="med"/>
+                    </a:lnL>
+                    <a:lnR w="12700" cap="flat" cmpd="sng" algn="ctr">
+                      <a:solidFill>
+                        <a:schemeClr val="tx1"/>
+                      </a:solidFill>
+                      <a:prstDash val="solid"/>
+                      <a:round/>
+                      <a:headEnd type="none" w="med" len="med"/>
+                      <a:tailEnd type="none" w="med" len="med"/>
+                    </a:lnR>
+                    <a:lnT w="12700" cap="flat" cmpd="sng" algn="ctr">
+                      <a:solidFill>
+                        <a:schemeClr val="tx1"/>
+                      </a:solidFill>
+                      <a:prstDash val="solid"/>
+                      <a:round/>
+                      <a:headEnd type="none" w="med" len="med"/>
+                      <a:tailEnd type="none" w="med" len="med"/>
+                    </a:lnT>
+                    <a:lnB w="12700" cap="flat" cmpd="sng" algn="ctr">
+                      <a:solidFill>
+                        <a:schemeClr val="tx1"/>
+                      </a:solidFill>
+                      <a:prstDash val="solid"/>
+                      <a:round/>
+                      <a:headEnd type="none" w="med" len="med"/>
+                      <a:tailEnd type="none" w="med" len="med"/>
+                    </a:lnB>
+                  </a:tcPr>
+                </a:tc>
+                <a:tc>
+                  <a:txBody>
+                    <a:bodyPr/>
+                    <a:lstStyle/>
+                    <a:p>
+                      <a:pPr algn="ctr" latinLnBrk="1"/>
+                      <a:r>
+                        <a:rPr lang="ko-KR" altLang="en-US" sz="1600" dirty="0">
+                          <a:latin typeface="맑은 고딕" panose="020B0503020000020004" pitchFamily="50" charset="-127"/>
+                          <a:ea typeface="맑은 고딕" panose="020B0503020000020004" pitchFamily="50" charset="-127"/>
+                        </a:rPr>
+                        <a:t>보고서</a:t>
+                      </a:r>
+                    </a:p>
+                  </a:txBody>
+                  <a:tcPr anchor="ctr">
+                    <a:lnL w="12700" cap="flat" cmpd="sng" algn="ctr">
+                      <a:solidFill>
+                        <a:schemeClr val="tx1"/>
+                      </a:solidFill>
+                      <a:prstDash val="solid"/>
+                      <a:round/>
+                      <a:headEnd type="none" w="med" len="med"/>
+                      <a:tailEnd type="none" w="med" len="med"/>
+                    </a:lnL>
+                    <a:lnR w="12700" cap="flat" cmpd="sng" algn="ctr">
+                      <a:solidFill>
+                        <a:schemeClr val="tx1"/>
+                      </a:solidFill>
+                      <a:prstDash val="solid"/>
+                      <a:round/>
+                      <a:headEnd type="none" w="med" len="med"/>
+                      <a:tailEnd type="none" w="med" len="med"/>
+                    </a:lnR>
+                    <a:lnT w="12700" cap="flat" cmpd="sng" algn="ctr">
+                      <a:solidFill>
+                        <a:schemeClr val="tx1"/>
+                      </a:solidFill>
+                      <a:prstDash val="solid"/>
+                      <a:round/>
+                      <a:headEnd type="none" w="med" len="med"/>
+                      <a:tailEnd type="none" w="med" len="med"/>
+                    </a:lnT>
+                    <a:lnB w="12700" cap="flat" cmpd="sng" algn="ctr">
+                      <a:solidFill>
+                        <a:schemeClr val="tx1"/>
+                      </a:solidFill>
+                      <a:prstDash val="solid"/>
+                      <a:round/>
+                      <a:headEnd type="none" w="med" len="med"/>
+                      <a:tailEnd type="none" w="med" len="med"/>
+                    </a:lnB>
+                  </a:tcPr>
+                </a:tc>
+                <a:extLst>
+                  <a:ext uri="{0D108BD9-81ED-4DB2-BD59-A6C34878D82A}">
+                    <a16:rowId xmlns:a16="http://schemas.microsoft.com/office/drawing/2014/main" val="3117095734"/>
+                  </a:ext>
+                </a:extLst>
+              </a:tr>
+              <a:tr h="640080">
+                <a:tc>
+                  <a:txBody>
+                    <a:bodyPr/>
+                    <a:lstStyle/>
+                    <a:p>
+                      <a:pPr algn="ctr" latinLnBrk="1"/>
+                      <a:r>
+                        <a:rPr lang="ko-KR" altLang="en-US" sz="1600" dirty="0">
+                          <a:latin typeface="맑은 고딕" panose="020B0503020000020004" pitchFamily="50" charset="-127"/>
+                          <a:ea typeface="맑은 고딕" panose="020B0503020000020004" pitchFamily="50" charset="-127"/>
+                        </a:rPr>
+                        <a:t>최종보고 및 </a:t>
+                      </a:r>
+                      <a:endParaRPr lang="en-US" altLang="ko-KR" sz="1600" dirty="0">
+                        <a:latin typeface="맑은 고딕" panose="020B0503020000020004" pitchFamily="50" charset="-127"/>
+                        <a:ea typeface="맑은 고딕" panose="020B0503020000020004" pitchFamily="50" charset="-127"/>
+                      </a:endParaRPr>
+                    </a:p>
+                    <a:p>
+                      <a:pPr algn="ctr" latinLnBrk="1"/>
+                      <a:r>
+                        <a:rPr lang="ko-KR" altLang="en-US" sz="1600" dirty="0">
+                          <a:latin typeface="맑은 고딕" panose="020B0503020000020004" pitchFamily="50" charset="-127"/>
+                          <a:ea typeface="맑은 고딕" panose="020B0503020000020004" pitchFamily="50" charset="-127"/>
+                        </a:rPr>
+                        <a:t>발표회</a:t>
+                      </a:r>
+                    </a:p>
+                  </a:txBody>
+                  <a:tcPr anchor="ctr">
+                    <a:lnL w="12700" cap="flat" cmpd="sng" algn="ctr">
+                      <a:solidFill>
+                        <a:schemeClr val="tx1"/>
+                      </a:solidFill>
+                      <a:prstDash val="solid"/>
+                      <a:round/>
+                      <a:headEnd type="none" w="med" len="med"/>
+                      <a:tailEnd type="none" w="med" len="med"/>
+                    </a:lnL>
+                    <a:lnR w="12700" cap="flat" cmpd="sng" algn="ctr">
+                      <a:solidFill>
+                        <a:schemeClr val="tx1"/>
+                      </a:solidFill>
+                      <a:prstDash val="solid"/>
+                      <a:round/>
+                      <a:headEnd type="none" w="med" len="med"/>
+                      <a:tailEnd type="none" w="med" len="med"/>
+                    </a:lnR>
+                    <a:lnT w="12700" cap="flat" cmpd="sng" algn="ctr">
+                      <a:solidFill>
+                        <a:schemeClr val="tx1"/>
+                      </a:solidFill>
+                      <a:prstDash val="solid"/>
+                      <a:round/>
+                      <a:headEnd type="none" w="med" len="med"/>
+                      <a:tailEnd type="none" w="med" len="med"/>
+                    </a:lnT>
+                    <a:lnB w="12700" cap="flat" cmpd="sng" algn="ctr">
+                      <a:solidFill>
+                        <a:schemeClr val="tx1"/>
+                      </a:solidFill>
+                      <a:prstDash val="solid"/>
+                      <a:round/>
+                      <a:headEnd type="none" w="med" len="med"/>
+                      <a:tailEnd type="none" w="med" len="med"/>
+                    </a:lnB>
+                  </a:tcPr>
+                </a:tc>
+                <a:tc>
+                  <a:txBody>
+                    <a:bodyPr/>
+                    <a:lstStyle/>
+                    <a:p>
+                      <a:pPr algn="ctr" latinLnBrk="1"/>
+                      <a:r>
+                        <a:rPr lang="ko-KR" altLang="en-US" sz="1600" dirty="0">
+                          <a:latin typeface="맑은 고딕" panose="020B0503020000020004" pitchFamily="50" charset="-127"/>
+                          <a:ea typeface="맑은 고딕" panose="020B0503020000020004" pitchFamily="50" charset="-127"/>
+                        </a:rPr>
+                        <a:t>최종보고서</a:t>
+                      </a:r>
+                    </a:p>
+                  </a:txBody>
+                  <a:tcPr anchor="ctr">
+                    <a:lnL w="12700" cap="flat" cmpd="sng" algn="ctr">
+                      <a:solidFill>
+                        <a:schemeClr val="tx1"/>
+                      </a:solidFill>
+                      <a:prstDash val="solid"/>
+                      <a:round/>
+                      <a:headEnd type="none" w="med" len="med"/>
+                      <a:tailEnd type="none" w="med" len="med"/>
+                    </a:lnL>
+                    <a:lnR w="12700" cap="flat" cmpd="sng" algn="ctr">
+                      <a:solidFill>
+                        <a:schemeClr val="tx1"/>
+                      </a:solidFill>
+                      <a:prstDash val="solid"/>
+                      <a:round/>
+                      <a:headEnd type="none" w="med" len="med"/>
+                      <a:tailEnd type="none" w="med" len="med"/>
+                    </a:lnR>
+                    <a:lnT w="12700" cap="flat" cmpd="sng" algn="ctr">
+                      <a:solidFill>
+                        <a:schemeClr val="tx1"/>
+                      </a:solidFill>
+                      <a:prstDash val="solid"/>
+                      <a:round/>
+                      <a:headEnd type="none" w="med" len="med"/>
+                      <a:tailEnd type="none" w="med" len="med"/>
+                    </a:lnT>
+                    <a:lnB w="12700" cap="flat" cmpd="sng" algn="ctr">
+                      <a:solidFill>
+                        <a:schemeClr val="tx1"/>
+                      </a:solidFill>
+                      <a:prstDash val="solid"/>
+                      <a:round/>
+                      <a:headEnd type="none" w="med" len="med"/>
+                      <a:tailEnd type="none" w="med" len="med"/>
+                    </a:lnB>
+                  </a:tcPr>
+                </a:tc>
+                <a:tc>
+                  <a:txBody>
+                    <a:bodyPr/>
+                    <a:lstStyle/>
+                    <a:p>
+                      <a:pPr algn="ctr" latinLnBrk="1"/>
+                      <a:r>
+                        <a:rPr lang="ko-KR" altLang="en-US" sz="1600" dirty="0">
+                          <a:latin typeface="맑은 고딕" panose="020B0503020000020004" pitchFamily="50" charset="-127"/>
+                          <a:ea typeface="맑은 고딕" panose="020B0503020000020004" pitchFamily="50" charset="-127"/>
+                        </a:rPr>
+                        <a:t>최종발표</a:t>
+                      </a:r>
+                    </a:p>
+                  </a:txBody>
+                  <a:tcPr anchor="ctr">
+                    <a:lnL w="12700" cap="flat" cmpd="sng" algn="ctr">
+                      <a:solidFill>
+                        <a:schemeClr val="tx1"/>
+                      </a:solidFill>
+                      <a:prstDash val="solid"/>
+                      <a:round/>
+                      <a:headEnd type="none" w="med" len="med"/>
+                      <a:tailEnd type="none" w="med" len="med"/>
+                    </a:lnL>
+                    <a:lnR w="12700" cap="flat" cmpd="sng" algn="ctr">
+                      <a:solidFill>
+                        <a:schemeClr val="tx1"/>
+                      </a:solidFill>
+                      <a:prstDash val="solid"/>
+                      <a:round/>
+                      <a:headEnd type="none" w="med" len="med"/>
+                      <a:tailEnd type="none" w="med" len="med"/>
+                    </a:lnR>
+                    <a:lnT w="12700" cap="flat" cmpd="sng" algn="ctr">
+                      <a:solidFill>
+                        <a:schemeClr val="tx1"/>
+                      </a:solidFill>
+                      <a:prstDash val="solid"/>
+                      <a:round/>
+                      <a:headEnd type="none" w="med" len="med"/>
+                      <a:tailEnd type="none" w="med" len="med"/>
+                    </a:lnT>
+                    <a:lnB w="12700" cap="flat" cmpd="sng" algn="ctr">
+                      <a:solidFill>
+                        <a:schemeClr val="tx1"/>
+                      </a:solidFill>
+                      <a:prstDash val="solid"/>
+                      <a:round/>
+                      <a:headEnd type="none" w="med" len="med"/>
+                      <a:tailEnd type="none" w="med" len="med"/>
+                    </a:lnB>
+                  </a:tcPr>
+                </a:tc>
+                <a:tc>
+                  <a:txBody>
+                    <a:bodyPr/>
+                    <a:lstStyle/>
+                    <a:p>
+                      <a:pPr marL="0" marR="0" lvl="0" indent="0" algn="ctr" defTabSz="914400" rtl="0" eaLnBrk="1" fontAlgn="auto" latinLnBrk="1" hangingPunct="1">
+                        <a:lnSpc>
+                          <a:spcPct val="100000"/>
+                        </a:lnSpc>
+                        <a:spcBef>
+                          <a:spcPts val="0"/>
+                        </a:spcBef>
+                        <a:spcAft>
+                          <a:spcPts val="0"/>
+                        </a:spcAft>
+                        <a:buClrTx/>
+                        <a:buSzTx/>
+                        <a:buFontTx/>
+                        <a:buNone/>
+                        <a:tabLst/>
+                        <a:defRPr/>
+                      </a:pPr>
+                      <a:r>
+                        <a:rPr lang="ko-KR" altLang="en-US" sz="1600" dirty="0">
+                          <a:latin typeface="맑은 고딕" panose="020B0503020000020004" pitchFamily="50" charset="-127"/>
+                          <a:ea typeface="맑은 고딕" panose="020B0503020000020004" pitchFamily="50" charset="-127"/>
+                        </a:rPr>
+                        <a:t>월 일</a:t>
+                      </a:r>
+                    </a:p>
+                  </a:txBody>
+                  <a:tcPr anchor="ctr">
+                    <a:lnL w="12700" cap="flat" cmpd="sng" algn="ctr">
+                      <a:solidFill>
+                        <a:schemeClr val="tx1"/>
+                      </a:solidFill>
+                      <a:prstDash val="solid"/>
+                      <a:round/>
+                      <a:headEnd type="none" w="med" len="med"/>
+                      <a:tailEnd type="none" w="med" len="med"/>
+                    </a:lnL>
+                    <a:lnR w="12700" cap="flat" cmpd="sng" algn="ctr">
+                      <a:solidFill>
+                        <a:schemeClr val="tx1"/>
+                      </a:solidFill>
+                      <a:prstDash val="solid"/>
+                      <a:round/>
+                      <a:headEnd type="none" w="med" len="med"/>
+                      <a:tailEnd type="none" w="med" len="med"/>
+                    </a:lnR>
+                    <a:lnT w="12700" cap="flat" cmpd="sng" algn="ctr">
+                      <a:solidFill>
+                        <a:schemeClr val="tx1"/>
+                      </a:solidFill>
+                      <a:prstDash val="solid"/>
+                      <a:round/>
+                      <a:headEnd type="none" w="med" len="med"/>
+                      <a:tailEnd type="none" w="med" len="med"/>
+                    </a:lnT>
+                    <a:lnB w="12700" cap="flat" cmpd="sng" algn="ctr">
+                      <a:solidFill>
+                        <a:schemeClr val="tx1"/>
+                      </a:solidFill>
+                      <a:prstDash val="solid"/>
+                      <a:round/>
+                      <a:headEnd type="none" w="med" len="med"/>
+                      <a:tailEnd type="none" w="med" len="med"/>
+                    </a:lnB>
+                  </a:tcPr>
+                </a:tc>
+                <a:tc>
+                  <a:txBody>
+                    <a:bodyPr/>
+                    <a:lstStyle/>
+                    <a:p>
+                      <a:pPr algn="ctr" latinLnBrk="1"/>
+                      <a:r>
+                        <a:rPr lang="ko-KR" altLang="en-US" sz="1600" dirty="0">
+                          <a:latin typeface="맑은 고딕" panose="020B0503020000020004" pitchFamily="50" charset="-127"/>
+                          <a:ea typeface="맑은 고딕" panose="020B0503020000020004" pitchFamily="50" charset="-127"/>
+                        </a:rPr>
+                        <a:t>발표 및 </a:t>
+                      </a:r>
+                      <a:endParaRPr lang="en-US" altLang="ko-KR" sz="1600" dirty="0">
+                        <a:latin typeface="맑은 고딕" panose="020B0503020000020004" pitchFamily="50" charset="-127"/>
+                        <a:ea typeface="맑은 고딕" panose="020B0503020000020004" pitchFamily="50" charset="-127"/>
+                      </a:endParaRPr>
+                    </a:p>
+                    <a:p>
+                      <a:pPr algn="ctr" latinLnBrk="1"/>
+                      <a:r>
+                        <a:rPr lang="ko-KR" altLang="en-US" sz="1600" dirty="0">
+                          <a:latin typeface="맑은 고딕" panose="020B0503020000020004" pitchFamily="50" charset="-127"/>
+                          <a:ea typeface="맑은 고딕" panose="020B0503020000020004" pitchFamily="50" charset="-127"/>
+                        </a:rPr>
+                        <a:t>보고서</a:t>
+                      </a:r>
+                    </a:p>
+                  </a:txBody>
+                  <a:tcPr anchor="ctr">
+                    <a:lnL w="12700" cap="flat" cmpd="sng" algn="ctr">
+                      <a:solidFill>
+                        <a:schemeClr val="tx1"/>
+                      </a:solidFill>
+                      <a:prstDash val="solid"/>
+                      <a:round/>
+                      <a:headEnd type="none" w="med" len="med"/>
+                      <a:tailEnd type="none" w="med" len="med"/>
+                    </a:lnL>
+                    <a:lnR w="12700" cap="flat" cmpd="sng" algn="ctr">
+                      <a:solidFill>
+                        <a:schemeClr val="tx1"/>
+                      </a:solidFill>
+                      <a:prstDash val="solid"/>
+                      <a:round/>
+                      <a:headEnd type="none" w="med" len="med"/>
+                      <a:tailEnd type="none" w="med" len="med"/>
+                    </a:lnR>
+                    <a:lnT w="12700" cap="flat" cmpd="sng" algn="ctr">
+                      <a:solidFill>
+                        <a:schemeClr val="tx1"/>
+                      </a:solidFill>
+                      <a:prstDash val="solid"/>
+                      <a:round/>
+                      <a:headEnd type="none" w="med" len="med"/>
+                      <a:tailEnd type="none" w="med" len="med"/>
+                    </a:lnT>
+                    <a:lnB w="12700" cap="flat" cmpd="sng" algn="ctr">
+                      <a:solidFill>
+                        <a:schemeClr val="tx1"/>
+                      </a:solidFill>
+                      <a:prstDash val="solid"/>
+                      <a:round/>
+                      <a:headEnd type="none" w="med" len="med"/>
+                      <a:tailEnd type="none" w="med" len="med"/>
+                    </a:lnB>
+                  </a:tcPr>
+                </a:tc>
+                <a:extLst>
+                  <a:ext uri="{0D108BD9-81ED-4DB2-BD59-A6C34878D82A}">
+                    <a16:rowId xmlns:a16="http://schemas.microsoft.com/office/drawing/2014/main" val="646058002"/>
+                  </a:ext>
+                </a:extLst>
+              </a:tr>
+              <a:tr h="640080">
+                <a:tc>
+                  <a:txBody>
+                    <a:bodyPr/>
+                    <a:lstStyle/>
+                    <a:p>
+                      <a:pPr algn="ctr" latinLnBrk="1"/>
+                      <a:r>
+                        <a:rPr lang="ko-KR" altLang="en-US" sz="1600" dirty="0">
+                          <a:latin typeface="맑은 고딕" panose="020B0503020000020004" pitchFamily="50" charset="-127"/>
+                          <a:ea typeface="맑은 고딕" panose="020B0503020000020004" pitchFamily="50" charset="-127"/>
+                        </a:rPr>
+                        <a:t>매뉴얼 및 작품</a:t>
+                      </a:r>
+                    </a:p>
+                  </a:txBody>
+                  <a:tcPr anchor="ctr">
+                    <a:lnL w="12700" cap="flat" cmpd="sng" algn="ctr">
+                      <a:solidFill>
+                        <a:schemeClr val="tx1"/>
+                      </a:solidFill>
+                      <a:prstDash val="solid"/>
+                      <a:round/>
+                      <a:headEnd type="none" w="med" len="med"/>
+                      <a:tailEnd type="none" w="med" len="med"/>
+                    </a:lnL>
+                    <a:lnR w="12700" cap="flat" cmpd="sng" algn="ctr">
+                      <a:solidFill>
+                        <a:schemeClr val="tx1"/>
+                      </a:solidFill>
+                      <a:prstDash val="solid"/>
+                      <a:round/>
+                      <a:headEnd type="none" w="med" len="med"/>
+                      <a:tailEnd type="none" w="med" len="med"/>
+                    </a:lnR>
+                    <a:lnT w="12700" cap="flat" cmpd="sng" algn="ctr">
+                      <a:solidFill>
+                        <a:schemeClr val="tx1"/>
+                      </a:solidFill>
+                      <a:prstDash val="solid"/>
+                      <a:round/>
+                      <a:headEnd type="none" w="med" len="med"/>
+                      <a:tailEnd type="none" w="med" len="med"/>
+                    </a:lnT>
+                    <a:lnB w="12700" cap="flat" cmpd="sng" algn="ctr">
+                      <a:solidFill>
+                        <a:schemeClr val="tx1"/>
+                      </a:solidFill>
+                      <a:prstDash val="solid"/>
+                      <a:round/>
+                      <a:headEnd type="none" w="med" len="med"/>
+                      <a:tailEnd type="none" w="med" len="med"/>
+                    </a:lnB>
+                  </a:tcPr>
+                </a:tc>
+                <a:tc>
+                  <a:txBody>
+                    <a:bodyPr/>
+                    <a:lstStyle/>
+                    <a:p>
+                      <a:pPr algn="ctr" latinLnBrk="1"/>
+                      <a:r>
+                        <a:rPr lang="ko-KR" altLang="en-US" sz="1600" dirty="0">
+                          <a:latin typeface="맑은 고딕" panose="020B0503020000020004" pitchFamily="50" charset="-127"/>
+                          <a:ea typeface="맑은 고딕" panose="020B0503020000020004" pitchFamily="50" charset="-127"/>
+                        </a:rPr>
+                        <a:t>사용자 매뉴얼 및</a:t>
+                      </a:r>
+                      <a:endParaRPr lang="en-US" altLang="ko-KR" sz="1600" dirty="0">
+                        <a:latin typeface="맑은 고딕" panose="020B0503020000020004" pitchFamily="50" charset="-127"/>
+                        <a:ea typeface="맑은 고딕" panose="020B0503020000020004" pitchFamily="50" charset="-127"/>
+                      </a:endParaRPr>
+                    </a:p>
+                    <a:p>
+                      <a:pPr algn="ctr" latinLnBrk="1"/>
+                      <a:r>
+                        <a:rPr lang="ko-KR" altLang="en-US" sz="1600" dirty="0">
+                          <a:latin typeface="맑은 고딕" panose="020B0503020000020004" pitchFamily="50" charset="-127"/>
+                          <a:ea typeface="맑은 고딕" panose="020B0503020000020004" pitchFamily="50" charset="-127"/>
+                        </a:rPr>
+                        <a:t>문서자료</a:t>
+                      </a:r>
+                    </a:p>
+                  </a:txBody>
+                  <a:tcPr anchor="ctr">
+                    <a:lnL w="12700" cap="flat" cmpd="sng" algn="ctr">
+                      <a:solidFill>
+                        <a:schemeClr val="tx1"/>
+                      </a:solidFill>
+                      <a:prstDash val="solid"/>
+                      <a:round/>
+                      <a:headEnd type="none" w="med" len="med"/>
+                      <a:tailEnd type="none" w="med" len="med"/>
+                    </a:lnL>
+                    <a:lnR w="12700" cap="flat" cmpd="sng" algn="ctr">
+                      <a:solidFill>
+                        <a:schemeClr val="tx1"/>
+                      </a:solidFill>
+                      <a:prstDash val="solid"/>
+                      <a:round/>
+                      <a:headEnd type="none" w="med" len="med"/>
+                      <a:tailEnd type="none" w="med" len="med"/>
+                    </a:lnR>
+                    <a:lnT w="12700" cap="flat" cmpd="sng" algn="ctr">
+                      <a:solidFill>
+                        <a:schemeClr val="tx1"/>
+                      </a:solidFill>
+                      <a:prstDash val="solid"/>
+                      <a:round/>
+                      <a:headEnd type="none" w="med" len="med"/>
+                      <a:tailEnd type="none" w="med" len="med"/>
+                    </a:lnT>
+                    <a:lnB w="12700" cap="flat" cmpd="sng" algn="ctr">
+                      <a:solidFill>
+                        <a:schemeClr val="tx1"/>
+                      </a:solidFill>
+                      <a:prstDash val="solid"/>
+                      <a:round/>
+                      <a:headEnd type="none" w="med" len="med"/>
+                      <a:tailEnd type="none" w="med" len="med"/>
+                    </a:lnB>
+                  </a:tcPr>
+                </a:tc>
+                <a:tc>
+                  <a:txBody>
+                    <a:bodyPr/>
+                    <a:lstStyle/>
+                    <a:p>
+                      <a:pPr algn="ctr" latinLnBrk="1"/>
+                      <a:r>
+                        <a:rPr lang="ko-KR" altLang="en-US" sz="1600" dirty="0">
+                          <a:latin typeface="맑은 고딕" panose="020B0503020000020004" pitchFamily="50" charset="-127"/>
+                          <a:ea typeface="맑은 고딕" panose="020B0503020000020004" pitchFamily="50" charset="-127"/>
+                        </a:rPr>
+                        <a:t>프로젝트 문서</a:t>
+                      </a:r>
+                      <a:r>
+                        <a:rPr lang="en-US" altLang="ko-KR" sz="1600" dirty="0">
+                          <a:latin typeface="맑은 고딕" panose="020B0503020000020004" pitchFamily="50" charset="-127"/>
+                          <a:ea typeface="맑은 고딕" panose="020B0503020000020004" pitchFamily="50" charset="-127"/>
+                        </a:rPr>
+                        <a:t>, </a:t>
+                      </a:r>
+                    </a:p>
+                    <a:p>
+                      <a:pPr algn="ctr" latinLnBrk="1"/>
+                      <a:r>
+                        <a:rPr lang="ko-KR" altLang="en-US" sz="1600" dirty="0">
+                          <a:latin typeface="맑은 고딕" panose="020B0503020000020004" pitchFamily="50" charset="-127"/>
+                          <a:ea typeface="맑은 고딕" panose="020B0503020000020004" pitchFamily="50" charset="-127"/>
+                        </a:rPr>
+                        <a:t>사용자 숙지 기능 설명서</a:t>
+                      </a:r>
+                    </a:p>
+                  </a:txBody>
+                  <a:tcPr anchor="ctr">
+                    <a:lnL w="12700" cap="flat" cmpd="sng" algn="ctr">
+                      <a:solidFill>
+                        <a:schemeClr val="tx1"/>
+                      </a:solidFill>
+                      <a:prstDash val="solid"/>
+                      <a:round/>
+                      <a:headEnd type="none" w="med" len="med"/>
+                      <a:tailEnd type="none" w="med" len="med"/>
+                    </a:lnL>
+                    <a:lnR w="12700" cap="flat" cmpd="sng" algn="ctr">
+                      <a:solidFill>
+                        <a:schemeClr val="tx1"/>
+                      </a:solidFill>
+                      <a:prstDash val="solid"/>
+                      <a:round/>
+                      <a:headEnd type="none" w="med" len="med"/>
+                      <a:tailEnd type="none" w="med" len="med"/>
+                    </a:lnR>
+                    <a:lnT w="12700" cap="flat" cmpd="sng" algn="ctr">
+                      <a:solidFill>
+                        <a:schemeClr val="tx1"/>
+                      </a:solidFill>
+                      <a:prstDash val="solid"/>
+                      <a:round/>
+                      <a:headEnd type="none" w="med" len="med"/>
+                      <a:tailEnd type="none" w="med" len="med"/>
+                    </a:lnT>
+                    <a:lnB w="12700" cap="flat" cmpd="sng" algn="ctr">
+                      <a:solidFill>
+                        <a:schemeClr val="tx1"/>
+                      </a:solidFill>
+                      <a:prstDash val="solid"/>
+                      <a:round/>
+                      <a:headEnd type="none" w="med" len="med"/>
+                      <a:tailEnd type="none" w="med" len="med"/>
+                    </a:lnB>
+                  </a:tcPr>
+                </a:tc>
+                <a:tc>
+                  <a:txBody>
+                    <a:bodyPr/>
+                    <a:lstStyle/>
+                    <a:p>
+                      <a:pPr marL="0" marR="0" lvl="0" indent="0" algn="ctr" defTabSz="914400" rtl="0" eaLnBrk="1" fontAlgn="auto" latinLnBrk="1" hangingPunct="1">
+                        <a:lnSpc>
+                          <a:spcPct val="100000"/>
+                        </a:lnSpc>
+                        <a:spcBef>
+                          <a:spcPts val="0"/>
+                        </a:spcBef>
+                        <a:spcAft>
+                          <a:spcPts val="0"/>
+                        </a:spcAft>
+                        <a:buClrTx/>
+                        <a:buSzTx/>
+                        <a:buFontTx/>
+                        <a:buNone/>
+                        <a:tabLst/>
+                        <a:defRPr/>
+                      </a:pPr>
+                      <a:r>
+                        <a:rPr lang="ko-KR" altLang="en-US" sz="1600" dirty="0">
+                          <a:latin typeface="맑은 고딕" panose="020B0503020000020004" pitchFamily="50" charset="-127"/>
+                          <a:ea typeface="맑은 고딕" panose="020B0503020000020004" pitchFamily="50" charset="-127"/>
+                        </a:rPr>
+                        <a:t>월 일</a:t>
+                      </a:r>
+                    </a:p>
+                  </a:txBody>
+                  <a:tcPr anchor="ctr">
+                    <a:lnL w="12700" cap="flat" cmpd="sng" algn="ctr">
+                      <a:solidFill>
+                        <a:schemeClr val="tx1"/>
+                      </a:solidFill>
+                      <a:prstDash val="solid"/>
+                      <a:round/>
+                      <a:headEnd type="none" w="med" len="med"/>
+                      <a:tailEnd type="none" w="med" len="med"/>
+                    </a:lnL>
+                    <a:lnR w="12700" cap="flat" cmpd="sng" algn="ctr">
+                      <a:solidFill>
+                        <a:schemeClr val="tx1"/>
+                      </a:solidFill>
+                      <a:prstDash val="solid"/>
+                      <a:round/>
+                      <a:headEnd type="none" w="med" len="med"/>
+                      <a:tailEnd type="none" w="med" len="med"/>
+                    </a:lnR>
+                    <a:lnT w="12700" cap="flat" cmpd="sng" algn="ctr">
+                      <a:solidFill>
+                        <a:schemeClr val="tx1"/>
+                      </a:solidFill>
+                      <a:prstDash val="solid"/>
+                      <a:round/>
+                      <a:headEnd type="none" w="med" len="med"/>
+                      <a:tailEnd type="none" w="med" len="med"/>
+                    </a:lnT>
+                    <a:lnB w="12700" cap="flat" cmpd="sng" algn="ctr">
+                      <a:solidFill>
+                        <a:schemeClr val="tx1"/>
+                      </a:solidFill>
+                      <a:prstDash val="solid"/>
+                      <a:round/>
+                      <a:headEnd type="none" w="med" len="med"/>
+                      <a:tailEnd type="none" w="med" len="med"/>
+                    </a:lnB>
+                  </a:tcPr>
+                </a:tc>
+                <a:tc>
+                  <a:txBody>
+                    <a:bodyPr/>
+                    <a:lstStyle/>
+                    <a:p>
+                      <a:pPr algn="ctr" latinLnBrk="1"/>
+                      <a:r>
+                        <a:rPr lang="ko-KR" altLang="en-US" sz="1600" dirty="0">
+                          <a:latin typeface="맑은 고딕" panose="020B0503020000020004" pitchFamily="50" charset="-127"/>
+                          <a:ea typeface="맑은 고딕" panose="020B0503020000020004" pitchFamily="50" charset="-127"/>
+                        </a:rPr>
+                        <a:t>파일</a:t>
+                      </a:r>
+                    </a:p>
+                  </a:txBody>
+                  <a:tcPr anchor="ctr">
+                    <a:lnL w="12700" cap="flat" cmpd="sng" algn="ctr">
+                      <a:solidFill>
+                        <a:schemeClr val="tx1"/>
+                      </a:solidFill>
+                      <a:prstDash val="solid"/>
+                      <a:round/>
+                      <a:headEnd type="none" w="med" len="med"/>
+                      <a:tailEnd type="none" w="med" len="med"/>
+                    </a:lnL>
+                    <a:lnR w="12700" cap="flat" cmpd="sng" algn="ctr">
+                      <a:solidFill>
+                        <a:schemeClr val="tx1"/>
+                      </a:solidFill>
+                      <a:prstDash val="solid"/>
+                      <a:round/>
+                      <a:headEnd type="none" w="med" len="med"/>
+                      <a:tailEnd type="none" w="med" len="med"/>
+                    </a:lnR>
+                    <a:lnT w="12700" cap="flat" cmpd="sng" algn="ctr">
+                      <a:solidFill>
+                        <a:schemeClr val="tx1"/>
+                      </a:solidFill>
+                      <a:prstDash val="solid"/>
+                      <a:round/>
+                      <a:headEnd type="none" w="med" len="med"/>
+                      <a:tailEnd type="none" w="med" len="med"/>
+                    </a:lnT>
+                    <a:lnB w="12700" cap="flat" cmpd="sng" algn="ctr">
+                      <a:solidFill>
+                        <a:schemeClr val="tx1"/>
+                      </a:solidFill>
+                      <a:prstDash val="solid"/>
+                      <a:round/>
+                      <a:headEnd type="none" w="med" len="med"/>
+                      <a:tailEnd type="none" w="med" len="med"/>
+                    </a:lnB>
+                  </a:tcPr>
+                </a:tc>
+                <a:extLst>
+                  <a:ext uri="{0D108BD9-81ED-4DB2-BD59-A6C34878D82A}">
+                    <a16:rowId xmlns:a16="http://schemas.microsoft.com/office/drawing/2014/main" val="2773443944"/>
+                  </a:ext>
+                </a:extLst>
+              </a:tr>
+            </a:tbl>
+          </a:graphicData>
+        </a:graphic>
+      </p:graphicFrame>
+    </p:spTree>
+  </p:cSld>
+  <p:clrMapOvr>
+    <a:masterClrMapping/>
+  </p:clrMapOvr>
+  <p:timing>
+    <p:tnLst>
+      <p:par>
+        <p:cTn id="1" dur="indefinite" restart="never" nodeType="tmRoot"/>
+      </p:par>
+    </p:tnLst>
+  </p:timing>
+</p:sld>
+</file>
+
+<file path=ppt/slides/slide11.xml><?xml version="1.0" encoding="utf-8"?>
 <p:sld xmlns:a="http://schemas.openxmlformats.org/drawingml/2006/main" xmlns:r="http://schemas.openxmlformats.org/officeDocument/2006/relationships" xmlns:p="http://schemas.openxmlformats.org/presentationml/2006/main">
   <p:cSld>
     <p:spTree>
@@ -8806,7 +10249,7 @@
 </p:sld>
 </file>
 
-<file path=ppt/slides/slide11.xml><?xml version="1.0" encoding="utf-8"?>
+<file path=ppt/slides/slide12.xml><?xml version="1.0" encoding="utf-8"?>
 <p:sld xmlns:a="http://schemas.openxmlformats.org/drawingml/2006/main" xmlns:r="http://schemas.openxmlformats.org/officeDocument/2006/relationships" xmlns:p="http://schemas.openxmlformats.org/presentationml/2006/main">
   <p:cSld>
     <p:spTree>
@@ -9635,7 +11078,7 @@
 </p:sld>
 </file>
 
-<file path=ppt/slides/slide12.xml><?xml version="1.0" encoding="utf-8"?>
+<file path=ppt/slides/slide13.xml><?xml version="1.0" encoding="utf-8"?>
 <p:sld xmlns:a="http://schemas.openxmlformats.org/drawingml/2006/main" xmlns:r="http://schemas.openxmlformats.org/officeDocument/2006/relationships" xmlns:p="http://schemas.openxmlformats.org/presentationml/2006/main">
   <p:cSld>
     <p:spTree>
@@ -10026,7 +11469,7 @@
 </p:sld>
 </file>
 
-<file path=ppt/slides/slide13.xml><?xml version="1.0" encoding="utf-8"?>
+<file path=ppt/slides/slide14.xml><?xml version="1.0" encoding="utf-8"?>
 <p:sld xmlns:a="http://schemas.openxmlformats.org/drawingml/2006/main" xmlns:r="http://schemas.openxmlformats.org/officeDocument/2006/relationships" xmlns:p="http://schemas.openxmlformats.org/presentationml/2006/main">
   <p:cSld>
     <p:spTree>
@@ -10271,7 +11714,7 @@
 </p:sld>
 </file>
 
-<file path=ppt/slides/slide14.xml><?xml version="1.0" encoding="utf-8"?>
+<file path=ppt/slides/slide15.xml><?xml version="1.0" encoding="utf-8"?>
 <p:sld xmlns:a="http://schemas.openxmlformats.org/drawingml/2006/main" xmlns:r="http://schemas.openxmlformats.org/officeDocument/2006/relationships" xmlns:p="http://schemas.openxmlformats.org/presentationml/2006/main">
   <p:cSld>
     <p:spTree>
@@ -11986,7 +13429,7 @@
 </file>
 
 <file path=ppt/slides/slide7.xml><?xml version="1.0" encoding="utf-8"?>
-<p:sld xmlns:r="http://schemas.openxmlformats.org/officeDocument/2006/relationships" xmlns:c="http://schemas.openxmlformats.org/drawingml/2006/chart" xmlns:a="http://schemas.openxmlformats.org/drawingml/2006/main" xmlns:dgm="http://schemas.openxmlformats.org/drawingml/2006/diagram" xmlns:dsp="http://schemas.microsoft.com/office/drawing/2008/diagram" xmlns:p="http://schemas.openxmlformats.org/presentationml/2006/main">
+<p:sld xmlns:a="http://schemas.openxmlformats.org/drawingml/2006/main" xmlns:r="http://schemas.openxmlformats.org/officeDocument/2006/relationships" xmlns:p="http://schemas.openxmlformats.org/presentationml/2006/main">
   <p:cSld>
     <p:spTree>
       <p:nvGrpSpPr>
@@ -12009,7 +13452,7 @@
             <a:spLocks noGrp="1" noChangeArrowheads="1"/>
           </p:cNvSpPr>
           <p:nvPr>
-            <p:ph type="title" idx="0"/>
+            <p:ph type="title"/>
           </p:nvPr>
         </p:nvSpPr>
         <p:spPr/>
@@ -12036,11 +13479,6 @@
               </a:rPr>
               <a:t>개발 내용</a:t>
             </a:r>
-            <a:endParaRPr lang="ko-KR" altLang="en-US" b="1">
-              <a:solidFill>
-                <a:schemeClr val="accent2"/>
-              </a:solidFill>
-            </a:endParaRPr>
           </a:p>
         </p:txBody>
       </p:sp>
@@ -12072,34 +13510,33 @@
               <a:defRPr/>
             </a:pPr>
             <a:r>
-              <a:rPr lang="en-US" altLang="ko-KR"/>
+              <a:rPr lang="en-US" altLang="ko-KR" dirty="0"/>
               <a:t> </a:t>
             </a:r>
             <a:r>
-              <a:rPr lang="en-US" altLang="ko-KR" b="1"/>
+              <a:rPr lang="en-US" altLang="ko-KR" b="1" dirty="0"/>
               <a:t>2. </a:t>
             </a:r>
             <a:r>
-              <a:rPr lang="ko-KR" altLang="en-US" b="1"/>
+              <a:rPr lang="ko-KR" altLang="en-US" b="1" dirty="0"/>
               <a:t>구성 모듈 및 프로세스 </a:t>
             </a:r>
             <a:r>
-              <a:rPr lang="ko-KR" altLang="en-US"/>
+              <a:rPr lang="ko-KR" altLang="en-US" dirty="0"/>
               <a:t> </a:t>
             </a:r>
-            <a:endParaRPr lang="ko-KR" altLang="en-US"/>
           </a:p>
           <a:p>
             <a:pPr marL="1219200" lvl="2" indent="-304800" eaLnBrk="1" hangingPunct="1">
               <a:defRPr/>
             </a:pPr>
-            <a:endParaRPr lang="en-US" altLang="ko-KR" sz="1800"/>
+            <a:endParaRPr lang="en-US" altLang="ko-KR" sz="1800" dirty="0"/>
           </a:p>
           <a:p>
             <a:pPr marL="1219200" lvl="2" indent="-304800" eaLnBrk="1" hangingPunct="1">
               <a:defRPr/>
             </a:pPr>
-            <a:endParaRPr lang="en-US" altLang="ko-KR" sz="1800"/>
+            <a:endParaRPr lang="en-US" altLang="ko-KR" sz="1800" dirty="0"/>
           </a:p>
         </p:txBody>
       </p:sp>
@@ -12127,64 +13564,428 @@
           </a:prstGeom>
         </p:spPr>
       </p:pic>
-      <p:pic>
-        <p:nvPicPr>
-          <p:cNvPr id="3" name="그림 2"/>
-          <p:cNvPicPr>
-            <a:picLocks noChangeAspect="1"/>
-          </p:cNvPicPr>
+      <p:sp>
+        <p:nvSpPr>
+          <p:cNvPr id="4" name="직사각형 3"/>
+          <p:cNvSpPr/>
           <p:nvPr/>
-        </p:nvPicPr>
-        <p:blipFill rotWithShape="1">
-          <a:blip r:embed="rId3"/>
-          <a:stretch>
-            <a:fillRect/>
-          </a:stretch>
-        </p:blipFill>
+        </p:nvSpPr>
         <p:spPr>
           <a:xfrm>
-            <a:off x="4185308" y="1769706"/>
-            <a:ext cx="2934393" cy="3633470"/>
+            <a:off x="1762298" y="3042457"/>
+            <a:ext cx="1404851" cy="922713"/>
           </a:xfrm>
           <a:prstGeom prst="rect">
             <a:avLst/>
           </a:prstGeom>
+          <a:noFill/>
+          <a:ln w="38100">
+            <a:solidFill>
+              <a:srgbClr val="FF0000"/>
+            </a:solidFill>
+          </a:ln>
         </p:spPr>
-      </p:pic>
-      <p:pic>
-        <p:nvPicPr>
-          <p:cNvPr id="10244" name=""/>
-          <p:cNvPicPr>
-            <a:picLocks noChangeAspect="1"/>
-          </p:cNvPicPr>
+        <p:style>
+          <a:lnRef idx="2">
+            <a:schemeClr val="accent1">
+              <a:shade val="50000"/>
+            </a:schemeClr>
+          </a:lnRef>
+          <a:fillRef idx="1">
+            <a:schemeClr val="accent1"/>
+          </a:fillRef>
+          <a:effectRef idx="0">
+            <a:schemeClr val="accent1"/>
+          </a:effectRef>
+          <a:fontRef idx="minor">
+            <a:schemeClr val="lt1"/>
+          </a:fontRef>
+        </p:style>
+        <p:txBody>
+          <a:bodyPr rtlCol="0" anchor="ctr"/>
+          <a:lstStyle/>
+          <a:p>
+            <a:pPr algn="ctr"/>
+            <a:endParaRPr lang="ko-KR" altLang="en-US"/>
+          </a:p>
+        </p:txBody>
+      </p:sp>
+      <p:cxnSp>
+        <p:nvCxnSpPr>
+          <p:cNvPr id="6" name="직선 화살표 연결선 5"/>
+          <p:cNvCxnSpPr>
+            <a:endCxn id="7" idx="1"/>
+          </p:cNvCxnSpPr>
           <p:nvPr/>
-        </p:nvPicPr>
-        <p:blipFill rotWithShape="1">
-          <a:blip r:embed="rId4"/>
-          <a:stretch>
-            <a:fillRect/>
-          </a:stretch>
-        </p:blipFill>
+        </p:nvCxnSpPr>
+        <p:spPr>
+          <a:xfrm flipV="1">
+            <a:off x="3167149" y="3449782"/>
+            <a:ext cx="1903615" cy="41564"/>
+          </a:xfrm>
+          <a:prstGeom prst="straightConnector1">
+            <a:avLst/>
+          </a:prstGeom>
+          <a:ln>
+            <a:solidFill>
+              <a:srgbClr val="FF0000"/>
+            </a:solidFill>
+            <a:tailEnd type="triangle"/>
+          </a:ln>
+        </p:spPr>
+        <p:style>
+          <a:lnRef idx="1">
+            <a:schemeClr val="accent1"/>
+          </a:lnRef>
+          <a:fillRef idx="0">
+            <a:schemeClr val="accent1"/>
+          </a:fillRef>
+          <a:effectRef idx="0">
+            <a:schemeClr val="accent1"/>
+          </a:effectRef>
+          <a:fontRef idx="minor">
+            <a:schemeClr val="tx1"/>
+          </a:fontRef>
+        </p:style>
+      </p:cxnSp>
+      <p:sp>
+        <p:nvSpPr>
+          <p:cNvPr id="7" name="직사각형 6"/>
+          <p:cNvSpPr/>
+          <p:nvPr/>
+        </p:nvSpPr>
         <p:spPr>
           <a:xfrm>
-            <a:off x="8070728" y="1815325"/>
-            <a:ext cx="2965956" cy="3581306"/>
+            <a:off x="5070764" y="2818014"/>
+            <a:ext cx="2003368" cy="1263535"/>
           </a:xfrm>
           <a:prstGeom prst="rect">
             <a:avLst/>
           </a:prstGeom>
+          <a:noFill/>
+          <a:ln>
+            <a:solidFill>
+              <a:srgbClr val="FF0000"/>
+            </a:solidFill>
+          </a:ln>
         </p:spPr>
-      </p:pic>
+        <p:style>
+          <a:lnRef idx="2">
+            <a:schemeClr val="accent1">
+              <a:shade val="50000"/>
+            </a:schemeClr>
+          </a:lnRef>
+          <a:fillRef idx="1">
+            <a:schemeClr val="accent1"/>
+          </a:fillRef>
+          <a:effectRef idx="0">
+            <a:schemeClr val="accent1"/>
+          </a:effectRef>
+          <a:fontRef idx="minor">
+            <a:schemeClr val="lt1"/>
+          </a:fontRef>
+        </p:style>
+        <p:txBody>
+          <a:bodyPr rtlCol="0" anchor="ctr"/>
+          <a:lstStyle/>
+          <a:p>
+            <a:pPr algn="ctr"/>
+            <a:r>
+              <a:rPr lang="ko-KR" altLang="en-US" sz="1300" b="1" dirty="0" smtClean="0">
+                <a:solidFill>
+                  <a:schemeClr val="tx1"/>
+                </a:solidFill>
+              </a:rPr>
+              <a:t>게임 시작 모듈</a:t>
+            </a:r>
+            <a:endParaRPr lang="en-US" altLang="ko-KR" sz="1300" b="1" dirty="0" smtClean="0">
+              <a:solidFill>
+                <a:schemeClr val="tx1"/>
+              </a:solidFill>
+            </a:endParaRPr>
+          </a:p>
+          <a:p>
+            <a:pPr marL="171450" indent="-171450" algn="ctr">
+              <a:buFont typeface="Wingdings" panose="05000000000000000000" pitchFamily="2" charset="2"/>
+              <a:buChar char="Ø"/>
+            </a:pPr>
+            <a:r>
+              <a:rPr lang="ko-KR" altLang="en-US" sz="1200" dirty="0" err="1" smtClean="0">
+                <a:solidFill>
+                  <a:schemeClr val="tx1"/>
+                </a:solidFill>
+              </a:rPr>
+              <a:t>클릭시</a:t>
+            </a:r>
+            <a:r>
+              <a:rPr lang="ko-KR" altLang="en-US" sz="1200" dirty="0" smtClean="0">
+                <a:solidFill>
+                  <a:schemeClr val="tx1"/>
+                </a:solidFill>
+              </a:rPr>
+              <a:t> 게임 타이머 시작</a:t>
+            </a:r>
+            <a:r>
+              <a:rPr lang="en-US" altLang="ko-KR" sz="1200" dirty="0" smtClean="0">
+                <a:solidFill>
+                  <a:schemeClr val="tx1"/>
+                </a:solidFill>
+              </a:rPr>
+              <a:t>, </a:t>
+            </a:r>
+            <a:r>
+              <a:rPr lang="ko-KR" altLang="en-US" sz="1200" dirty="0" smtClean="0">
+                <a:solidFill>
+                  <a:schemeClr val="tx1"/>
+                </a:solidFill>
+              </a:rPr>
+              <a:t>및 나무와 캐릭터 보이게 설정</a:t>
+            </a:r>
+            <a:endParaRPr lang="en-US" altLang="ko-KR" sz="1200" dirty="0">
+              <a:solidFill>
+                <a:schemeClr val="tx1"/>
+              </a:solidFill>
+            </a:endParaRPr>
+          </a:p>
+          <a:p>
+            <a:pPr marL="171450" indent="-171450" algn="ctr">
+              <a:buFont typeface="Wingdings" panose="05000000000000000000" pitchFamily="2" charset="2"/>
+              <a:buChar char="Ø"/>
+            </a:pPr>
+            <a:r>
+              <a:rPr lang="ko-KR" altLang="en-US" sz="1200" dirty="0" smtClean="0">
+                <a:solidFill>
+                  <a:schemeClr val="tx1"/>
+                </a:solidFill>
+              </a:rPr>
+              <a:t>게임 시작 버튼은 숨김</a:t>
+            </a:r>
+            <a:endParaRPr lang="en-US" altLang="ko-KR" sz="1200" dirty="0" smtClean="0">
+              <a:solidFill>
+                <a:schemeClr val="tx1"/>
+              </a:solidFill>
+            </a:endParaRPr>
+          </a:p>
+          <a:p>
+            <a:pPr marL="171450" indent="-171450" algn="ctr">
+              <a:buFont typeface="Wingdings" panose="05000000000000000000" pitchFamily="2" charset="2"/>
+              <a:buChar char="Ø"/>
+            </a:pPr>
+            <a:endParaRPr lang="ko-KR" altLang="en-US" sz="1200" dirty="0">
+              <a:solidFill>
+                <a:schemeClr val="tx1"/>
+              </a:solidFill>
+            </a:endParaRPr>
+          </a:p>
+        </p:txBody>
+      </p:sp>
+      <p:sp>
+        <p:nvSpPr>
+          <p:cNvPr id="14" name="직사각형 13"/>
+          <p:cNvSpPr/>
+          <p:nvPr/>
+        </p:nvSpPr>
+        <p:spPr>
+          <a:xfrm>
+            <a:off x="904874" y="4551216"/>
+            <a:ext cx="3151737" cy="922713"/>
+          </a:xfrm>
+          <a:prstGeom prst="rect">
+            <a:avLst/>
+          </a:prstGeom>
+          <a:noFill/>
+          <a:ln w="38100">
+            <a:solidFill>
+              <a:srgbClr val="FF0000"/>
+            </a:solidFill>
+          </a:ln>
+        </p:spPr>
+        <p:style>
+          <a:lnRef idx="2">
+            <a:schemeClr val="accent1">
+              <a:shade val="50000"/>
+            </a:schemeClr>
+          </a:lnRef>
+          <a:fillRef idx="1">
+            <a:schemeClr val="accent1"/>
+          </a:fillRef>
+          <a:effectRef idx="0">
+            <a:schemeClr val="accent1"/>
+          </a:effectRef>
+          <a:fontRef idx="minor">
+            <a:schemeClr val="lt1"/>
+          </a:fontRef>
+        </p:style>
+        <p:txBody>
+          <a:bodyPr rtlCol="0" anchor="ctr"/>
+          <a:lstStyle/>
+          <a:p>
+            <a:pPr algn="ctr"/>
+            <a:endParaRPr lang="ko-KR" altLang="en-US"/>
+          </a:p>
+        </p:txBody>
+      </p:sp>
+      <p:cxnSp>
+        <p:nvCxnSpPr>
+          <p:cNvPr id="15" name="직선 화살표 연결선 14"/>
+          <p:cNvCxnSpPr>
+            <a:stCxn id="14" idx="3"/>
+            <a:endCxn id="16" idx="1"/>
+          </p:cNvCxnSpPr>
+          <p:nvPr/>
+        </p:nvCxnSpPr>
+        <p:spPr>
+          <a:xfrm>
+            <a:off x="4056611" y="5012573"/>
+            <a:ext cx="1014153" cy="133352"/>
+          </a:xfrm>
+          <a:prstGeom prst="straightConnector1">
+            <a:avLst/>
+          </a:prstGeom>
+          <a:ln>
+            <a:solidFill>
+              <a:srgbClr val="FF0000"/>
+            </a:solidFill>
+            <a:tailEnd type="triangle"/>
+          </a:ln>
+        </p:spPr>
+        <p:style>
+          <a:lnRef idx="1">
+            <a:schemeClr val="accent1"/>
+          </a:lnRef>
+          <a:fillRef idx="0">
+            <a:schemeClr val="accent1"/>
+          </a:fillRef>
+          <a:effectRef idx="0">
+            <a:schemeClr val="accent1"/>
+          </a:effectRef>
+          <a:fontRef idx="minor">
+            <a:schemeClr val="tx1"/>
+          </a:fontRef>
+        </p:style>
+      </p:cxnSp>
+      <p:sp>
+        <p:nvSpPr>
+          <p:cNvPr id="16" name="직사각형 15"/>
+          <p:cNvSpPr/>
+          <p:nvPr/>
+        </p:nvSpPr>
+        <p:spPr>
+          <a:xfrm>
+            <a:off x="5070764" y="4719898"/>
+            <a:ext cx="2685011" cy="852053"/>
+          </a:xfrm>
+          <a:prstGeom prst="rect">
+            <a:avLst/>
+          </a:prstGeom>
+          <a:noFill/>
+          <a:ln>
+            <a:solidFill>
+              <a:srgbClr val="FF0000"/>
+            </a:solidFill>
+          </a:ln>
+        </p:spPr>
+        <p:style>
+          <a:lnRef idx="2">
+            <a:schemeClr val="accent1">
+              <a:shade val="50000"/>
+            </a:schemeClr>
+          </a:lnRef>
+          <a:fillRef idx="1">
+            <a:schemeClr val="accent1"/>
+          </a:fillRef>
+          <a:effectRef idx="0">
+            <a:schemeClr val="accent1"/>
+          </a:effectRef>
+          <a:fontRef idx="minor">
+            <a:schemeClr val="lt1"/>
+          </a:fontRef>
+        </p:style>
+        <p:txBody>
+          <a:bodyPr rtlCol="0" anchor="ctr"/>
+          <a:lstStyle/>
+          <a:p>
+            <a:pPr algn="ctr"/>
+            <a:r>
+              <a:rPr lang="ko-KR" altLang="en-US" sz="1300" b="1" dirty="0" smtClean="0">
+                <a:solidFill>
+                  <a:schemeClr val="tx1"/>
+                </a:solidFill>
+              </a:rPr>
+              <a:t>배경 설정 모듈</a:t>
+            </a:r>
+            <a:endParaRPr lang="en-US" altLang="ko-KR" sz="1300" b="1" dirty="0" smtClean="0">
+              <a:solidFill>
+                <a:schemeClr val="tx1"/>
+              </a:solidFill>
+            </a:endParaRPr>
+          </a:p>
+          <a:p>
+            <a:pPr marL="171450" indent="-171450" algn="ctr">
+              <a:buFont typeface="Wingdings" panose="05000000000000000000" pitchFamily="2" charset="2"/>
+              <a:buChar char="Ø"/>
+            </a:pPr>
+            <a:r>
+              <a:rPr lang="ko-KR" altLang="en-US" sz="1200" dirty="0" smtClean="0">
+                <a:solidFill>
+                  <a:schemeClr val="tx1"/>
+                </a:solidFill>
+              </a:rPr>
+              <a:t>프로그램 </a:t>
+            </a:r>
+            <a:r>
+              <a:rPr lang="ko-KR" altLang="en-US" sz="1200" dirty="0" err="1" smtClean="0">
+                <a:solidFill>
+                  <a:schemeClr val="tx1"/>
+                </a:solidFill>
+              </a:rPr>
+              <a:t>실행시</a:t>
+            </a:r>
+            <a:r>
+              <a:rPr lang="ko-KR" altLang="en-US" sz="1200" dirty="0" smtClean="0">
+                <a:solidFill>
+                  <a:schemeClr val="tx1"/>
+                </a:solidFill>
+              </a:rPr>
+              <a:t> 자동으로 생성</a:t>
+            </a:r>
+            <a:endParaRPr lang="en-US" altLang="ko-KR" sz="1200" dirty="0">
+              <a:solidFill>
+                <a:schemeClr val="tx1"/>
+              </a:solidFill>
+            </a:endParaRPr>
+          </a:p>
+          <a:p>
+            <a:pPr marL="171450" indent="-171450" algn="ctr">
+              <a:buFont typeface="Wingdings" panose="05000000000000000000" pitchFamily="2" charset="2"/>
+              <a:buChar char="Ø"/>
+            </a:pPr>
+            <a:r>
+              <a:rPr lang="ko-KR" altLang="en-US" sz="1200" dirty="0" smtClean="0">
+                <a:solidFill>
+                  <a:schemeClr val="tx1"/>
+                </a:solidFill>
+              </a:rPr>
+              <a:t>이후 프로그램 종료시점 까지 유지</a:t>
+            </a:r>
+            <a:endParaRPr lang="ko-KR" altLang="en-US" sz="1200" dirty="0">
+              <a:solidFill>
+                <a:schemeClr val="tx1"/>
+              </a:solidFill>
+            </a:endParaRPr>
+          </a:p>
+        </p:txBody>
+      </p:sp>
     </p:spTree>
   </p:cSld>
   <p:clrMapOvr>
     <a:masterClrMapping/>
   </p:clrMapOvr>
-  <mc:AlternateContent xmlns:mc="http://schemas.openxmlformats.org/markup-compatibility/2006">
-    <mc:Choice xmlns:p14="http://schemas.microsoft.com/office/powerpoint/2010/main" Requires="p14">
-      <p:transition xmlns:mc="http://schemas.openxmlformats.org/markup-compatibility/2006" xmlns:p14="http://schemas.microsoft.com/office/powerpoint/2010/main" mc:Ignorable="p14" p14:dur="500"/>
+  <mc:AlternateContent xmlns:mc="http://schemas.openxmlformats.org/markup-compatibility/2006" xmlns:p14="http://schemas.microsoft.com/office/powerpoint/2010/main">
+    <mc:Choice Requires="p14">
+      <p:transition/>
     </mc:Choice>
-    <mc:Fallback>
+    <mc:Fallback xmlns:dsp="http://schemas.microsoft.com/office/drawing/2008/diagram" xmlns:dgm="http://schemas.openxmlformats.org/drawingml/2006/diagram" xmlns:c="http://schemas.openxmlformats.org/drawingml/2006/chart" xmlns="">
       <p:transition/>
     </mc:Fallback>
   </mc:AlternateContent>
@@ -12199,7 +14000,7 @@
 </file>
 
 <file path=ppt/slides/slide8.xml><?xml version="1.0" encoding="utf-8"?>
-<p:sld xmlns:r="http://schemas.openxmlformats.org/officeDocument/2006/relationships" xmlns:c="http://schemas.openxmlformats.org/drawingml/2006/chart" xmlns:a="http://schemas.openxmlformats.org/drawingml/2006/main" xmlns:dgm="http://schemas.openxmlformats.org/drawingml/2006/diagram" xmlns:dsp="http://schemas.microsoft.com/office/drawing/2008/diagram" xmlns:p="http://schemas.openxmlformats.org/presentationml/2006/main">
+<p:sld xmlns:a="http://schemas.openxmlformats.org/drawingml/2006/main" xmlns:r="http://schemas.openxmlformats.org/officeDocument/2006/relationships" xmlns:p="http://schemas.openxmlformats.org/presentationml/2006/main">
   <p:cSld>
     <p:spTree>
       <p:nvGrpSpPr>
@@ -12222,7 +14023,7 @@
             <a:spLocks noGrp="1" noChangeArrowheads="1"/>
           </p:cNvSpPr>
           <p:nvPr>
-            <p:ph type="title" idx="0"/>
+            <p:ph type="title"/>
           </p:nvPr>
         </p:nvSpPr>
         <p:spPr/>
@@ -12249,11 +14050,6 @@
               </a:rPr>
               <a:t>개발 내용</a:t>
             </a:r>
-            <a:endParaRPr lang="ko-KR" altLang="en-US" b="1">
-              <a:solidFill>
-                <a:schemeClr val="accent2"/>
-              </a:solidFill>
-            </a:endParaRPr>
           </a:p>
         </p:txBody>
       </p:sp>
@@ -12285,40 +14081,39 @@
               <a:defRPr/>
             </a:pPr>
             <a:r>
-              <a:rPr lang="en-US" altLang="ko-KR"/>
+              <a:rPr lang="en-US" altLang="ko-KR" dirty="0"/>
               <a:t> </a:t>
             </a:r>
             <a:r>
-              <a:rPr lang="en-US" altLang="ko-KR" b="1"/>
+              <a:rPr lang="en-US" altLang="ko-KR" b="1" dirty="0"/>
               <a:t>2. </a:t>
             </a:r>
             <a:r>
-              <a:rPr lang="ko-KR" altLang="en-US" b="1"/>
+              <a:rPr lang="ko-KR" altLang="en-US" b="1" dirty="0"/>
               <a:t>구성 모듈 및 프로세스 </a:t>
             </a:r>
             <a:r>
-              <a:rPr lang="ko-KR" altLang="en-US"/>
+              <a:rPr lang="ko-KR" altLang="en-US" dirty="0"/>
               <a:t> </a:t>
             </a:r>
-            <a:endParaRPr lang="ko-KR" altLang="en-US"/>
           </a:p>
           <a:p>
             <a:pPr marL="1219200" lvl="2" indent="-304800" eaLnBrk="1" hangingPunct="1">
               <a:defRPr/>
             </a:pPr>
-            <a:endParaRPr lang="en-US" altLang="ko-KR" sz="1800"/>
+            <a:endParaRPr lang="en-US" altLang="ko-KR" sz="1800" dirty="0"/>
           </a:p>
           <a:p>
             <a:pPr marL="1219200" lvl="2" indent="-304800" eaLnBrk="1" hangingPunct="1">
               <a:defRPr/>
             </a:pPr>
-            <a:endParaRPr lang="en-US" altLang="ko-KR" sz="1800"/>
+            <a:endParaRPr lang="en-US" altLang="ko-KR" sz="1800" dirty="0"/>
           </a:p>
         </p:txBody>
       </p:sp>
       <p:pic>
         <p:nvPicPr>
-          <p:cNvPr id="10244" name=""/>
+          <p:cNvPr id="3" name="그림 2"/>
           <p:cNvPicPr>
             <a:picLocks noChangeAspect="1"/>
           </p:cNvPicPr>
@@ -12332,24 +14127,878 @@
         </p:blipFill>
         <p:spPr>
           <a:xfrm>
-            <a:off x="1463979" y="2163349"/>
-            <a:ext cx="2543984" cy="3428999"/>
+            <a:off x="904874" y="1878965"/>
+            <a:ext cx="2934393" cy="3633470"/>
           </a:xfrm>
           <a:prstGeom prst="rect">
             <a:avLst/>
           </a:prstGeom>
         </p:spPr>
       </p:pic>
+      <p:sp>
+        <p:nvSpPr>
+          <p:cNvPr id="7" name="직사각형 6"/>
+          <p:cNvSpPr/>
+          <p:nvPr/>
+        </p:nvSpPr>
+        <p:spPr>
+          <a:xfrm>
+            <a:off x="2069869" y="2022032"/>
+            <a:ext cx="656706" cy="338783"/>
+          </a:xfrm>
+          <a:prstGeom prst="rect">
+            <a:avLst/>
+          </a:prstGeom>
+          <a:noFill/>
+          <a:ln w="38100">
+            <a:solidFill>
+              <a:srgbClr val="FF0000"/>
+            </a:solidFill>
+          </a:ln>
+        </p:spPr>
+        <p:style>
+          <a:lnRef idx="2">
+            <a:schemeClr val="accent1">
+              <a:shade val="50000"/>
+            </a:schemeClr>
+          </a:lnRef>
+          <a:fillRef idx="1">
+            <a:schemeClr val="accent1"/>
+          </a:fillRef>
+          <a:effectRef idx="0">
+            <a:schemeClr val="accent1"/>
+          </a:effectRef>
+          <a:fontRef idx="minor">
+            <a:schemeClr val="lt1"/>
+          </a:fontRef>
+        </p:style>
+        <p:txBody>
+          <a:bodyPr rtlCol="0" anchor="ctr"/>
+          <a:lstStyle/>
+          <a:p>
+            <a:pPr algn="ctr"/>
+            <a:endParaRPr lang="ko-KR" altLang="en-US"/>
+          </a:p>
+        </p:txBody>
+      </p:sp>
+      <p:cxnSp>
+        <p:nvCxnSpPr>
+          <p:cNvPr id="8" name="직선 화살표 연결선 7"/>
+          <p:cNvCxnSpPr>
+            <a:stCxn id="7" idx="3"/>
+            <a:endCxn id="9" idx="1"/>
+          </p:cNvCxnSpPr>
+          <p:nvPr/>
+        </p:nvCxnSpPr>
+        <p:spPr>
+          <a:xfrm flipV="1">
+            <a:off x="2726575" y="2079202"/>
+            <a:ext cx="2319250" cy="112222"/>
+          </a:xfrm>
+          <a:prstGeom prst="straightConnector1">
+            <a:avLst/>
+          </a:prstGeom>
+          <a:ln>
+            <a:solidFill>
+              <a:srgbClr val="FF0000"/>
+            </a:solidFill>
+            <a:tailEnd type="triangle"/>
+          </a:ln>
+        </p:spPr>
+        <p:style>
+          <a:lnRef idx="1">
+            <a:schemeClr val="accent1"/>
+          </a:lnRef>
+          <a:fillRef idx="0">
+            <a:schemeClr val="accent1"/>
+          </a:fillRef>
+          <a:effectRef idx="0">
+            <a:schemeClr val="accent1"/>
+          </a:effectRef>
+          <a:fontRef idx="minor">
+            <a:schemeClr val="tx1"/>
+          </a:fontRef>
+        </p:style>
+      </p:cxnSp>
+      <p:sp>
+        <p:nvSpPr>
+          <p:cNvPr id="9" name="직사각형 8"/>
+          <p:cNvSpPr/>
+          <p:nvPr/>
+        </p:nvSpPr>
+        <p:spPr>
+          <a:xfrm>
+            <a:off x="5045825" y="1390265"/>
+            <a:ext cx="2003368" cy="1377873"/>
+          </a:xfrm>
+          <a:prstGeom prst="rect">
+            <a:avLst/>
+          </a:prstGeom>
+          <a:noFill/>
+          <a:ln>
+            <a:solidFill>
+              <a:srgbClr val="FF0000"/>
+            </a:solidFill>
+          </a:ln>
+        </p:spPr>
+        <p:style>
+          <a:lnRef idx="2">
+            <a:schemeClr val="accent1">
+              <a:shade val="50000"/>
+            </a:schemeClr>
+          </a:lnRef>
+          <a:fillRef idx="1">
+            <a:schemeClr val="accent1"/>
+          </a:fillRef>
+          <a:effectRef idx="0">
+            <a:schemeClr val="accent1"/>
+          </a:effectRef>
+          <a:fontRef idx="minor">
+            <a:schemeClr val="lt1"/>
+          </a:fontRef>
+        </p:style>
+        <p:txBody>
+          <a:bodyPr rtlCol="0" anchor="ctr"/>
+          <a:lstStyle/>
+          <a:p>
+            <a:pPr algn="ctr"/>
+            <a:r>
+              <a:rPr lang="ko-KR" altLang="en-US" sz="1300" b="1" dirty="0" smtClean="0">
+                <a:solidFill>
+                  <a:schemeClr val="tx1"/>
+                </a:solidFill>
+              </a:rPr>
+              <a:t>게임 타이머 모듈</a:t>
+            </a:r>
+            <a:endParaRPr lang="en-US" altLang="ko-KR" sz="1300" b="1" dirty="0" smtClean="0">
+              <a:solidFill>
+                <a:schemeClr val="tx1"/>
+              </a:solidFill>
+            </a:endParaRPr>
+          </a:p>
+          <a:p>
+            <a:pPr marL="171450" indent="-171450" algn="ctr">
+              <a:buFont typeface="Wingdings" panose="05000000000000000000" pitchFamily="2" charset="2"/>
+              <a:buChar char="Ø"/>
+            </a:pPr>
+            <a:r>
+              <a:rPr lang="ko-KR" altLang="en-US" sz="1200" dirty="0" smtClean="0">
+                <a:solidFill>
+                  <a:schemeClr val="tx1"/>
+                </a:solidFill>
+              </a:rPr>
+              <a:t>게임 </a:t>
+            </a:r>
+            <a:r>
+              <a:rPr lang="ko-KR" altLang="en-US" sz="1200" dirty="0" err="1" smtClean="0">
+                <a:solidFill>
+                  <a:schemeClr val="tx1"/>
+                </a:solidFill>
+              </a:rPr>
+              <a:t>시작시</a:t>
+            </a:r>
+            <a:r>
+              <a:rPr lang="ko-KR" altLang="en-US" sz="1200" dirty="0" smtClean="0">
+                <a:solidFill>
+                  <a:schemeClr val="tx1"/>
+                </a:solidFill>
+              </a:rPr>
+              <a:t> 타이머가 시작</a:t>
+            </a:r>
+            <a:endParaRPr lang="en-US" altLang="ko-KR" sz="1200" dirty="0">
+              <a:solidFill>
+                <a:schemeClr val="tx1"/>
+              </a:solidFill>
+            </a:endParaRPr>
+          </a:p>
+          <a:p>
+            <a:pPr marL="171450" indent="-171450" algn="ctr">
+              <a:buFont typeface="Wingdings" panose="05000000000000000000" pitchFamily="2" charset="2"/>
+              <a:buChar char="Ø"/>
+            </a:pPr>
+            <a:r>
+              <a:rPr lang="ko-KR" altLang="en-US" sz="1200" dirty="0" smtClean="0">
+                <a:solidFill>
+                  <a:schemeClr val="tx1"/>
+                </a:solidFill>
+              </a:rPr>
+              <a:t>나무를 하나 패는데 </a:t>
+            </a:r>
+            <a:r>
+              <a:rPr lang="ko-KR" altLang="en-US" sz="1200" dirty="0" err="1" smtClean="0">
+                <a:solidFill>
+                  <a:schemeClr val="tx1"/>
+                </a:solidFill>
+              </a:rPr>
+              <a:t>성공시</a:t>
+            </a:r>
+            <a:r>
+              <a:rPr lang="ko-KR" altLang="en-US" sz="1200" dirty="0" smtClean="0">
+                <a:solidFill>
+                  <a:schemeClr val="tx1"/>
+                </a:solidFill>
+              </a:rPr>
+              <a:t> 최대 시간이 </a:t>
+            </a:r>
+            <a:r>
+              <a:rPr lang="en-US" altLang="ko-KR" sz="1200" dirty="0" smtClean="0">
+                <a:solidFill>
+                  <a:schemeClr val="tx1"/>
+                </a:solidFill>
+              </a:rPr>
+              <a:t>0.5</a:t>
+            </a:r>
+            <a:r>
+              <a:rPr lang="ko-KR" altLang="en-US" sz="1200" dirty="0" smtClean="0">
+                <a:solidFill>
+                  <a:schemeClr val="tx1"/>
+                </a:solidFill>
+              </a:rPr>
+              <a:t>초 감소하고 타이머 </a:t>
+            </a:r>
+            <a:r>
+              <a:rPr lang="ko-KR" altLang="en-US" sz="1200" dirty="0" err="1" smtClean="0">
+                <a:solidFill>
+                  <a:schemeClr val="tx1"/>
+                </a:solidFill>
+              </a:rPr>
+              <a:t>재시작</a:t>
+            </a:r>
+            <a:endParaRPr lang="en-US" altLang="ko-KR" sz="1200" dirty="0" smtClean="0">
+              <a:solidFill>
+                <a:schemeClr val="tx1"/>
+              </a:solidFill>
+            </a:endParaRPr>
+          </a:p>
+          <a:p>
+            <a:pPr marL="171450" indent="-171450" algn="ctr">
+              <a:buFont typeface="Wingdings" panose="05000000000000000000" pitchFamily="2" charset="2"/>
+              <a:buChar char="Ø"/>
+            </a:pPr>
+            <a:r>
+              <a:rPr lang="en-US" altLang="ko-KR" sz="1200" dirty="0" smtClean="0">
+                <a:solidFill>
+                  <a:schemeClr val="tx1"/>
+                </a:solidFill>
+              </a:rPr>
+              <a:t>0</a:t>
+            </a:r>
+            <a:r>
+              <a:rPr lang="ko-KR" altLang="en-US" sz="1200" dirty="0" smtClean="0">
+                <a:solidFill>
+                  <a:schemeClr val="tx1"/>
+                </a:solidFill>
+              </a:rPr>
+              <a:t>이 되면 게임 오버</a:t>
+            </a:r>
+            <a:endParaRPr lang="en-US" altLang="ko-KR" sz="1200" dirty="0" smtClean="0">
+              <a:solidFill>
+                <a:schemeClr val="tx1"/>
+              </a:solidFill>
+            </a:endParaRPr>
+          </a:p>
+        </p:txBody>
+      </p:sp>
+      <p:sp>
+        <p:nvSpPr>
+          <p:cNvPr id="12" name="직사각형 11"/>
+          <p:cNvSpPr/>
+          <p:nvPr/>
+        </p:nvSpPr>
+        <p:spPr>
+          <a:xfrm>
+            <a:off x="1055716" y="4144607"/>
+            <a:ext cx="498764" cy="792518"/>
+          </a:xfrm>
+          <a:prstGeom prst="rect">
+            <a:avLst/>
+          </a:prstGeom>
+          <a:noFill/>
+          <a:ln w="38100">
+            <a:solidFill>
+              <a:srgbClr val="FF0000"/>
+            </a:solidFill>
+          </a:ln>
+        </p:spPr>
+        <p:style>
+          <a:lnRef idx="2">
+            <a:schemeClr val="accent1">
+              <a:shade val="50000"/>
+            </a:schemeClr>
+          </a:lnRef>
+          <a:fillRef idx="1">
+            <a:schemeClr val="accent1"/>
+          </a:fillRef>
+          <a:effectRef idx="0">
+            <a:schemeClr val="accent1"/>
+          </a:effectRef>
+          <a:fontRef idx="minor">
+            <a:schemeClr val="lt1"/>
+          </a:fontRef>
+        </p:style>
+        <p:txBody>
+          <a:bodyPr rtlCol="0" anchor="ctr"/>
+          <a:lstStyle/>
+          <a:p>
+            <a:pPr algn="ctr"/>
+            <a:endParaRPr lang="ko-KR" altLang="en-US"/>
+          </a:p>
+        </p:txBody>
+      </p:sp>
+      <p:cxnSp>
+        <p:nvCxnSpPr>
+          <p:cNvPr id="13" name="직선 화살표 연결선 12"/>
+          <p:cNvCxnSpPr>
+            <a:stCxn id="12" idx="3"/>
+            <a:endCxn id="14" idx="1"/>
+          </p:cNvCxnSpPr>
+          <p:nvPr/>
+        </p:nvCxnSpPr>
+        <p:spPr>
+          <a:xfrm>
+            <a:off x="1554480" y="4540866"/>
+            <a:ext cx="3643744" cy="1110097"/>
+          </a:xfrm>
+          <a:prstGeom prst="straightConnector1">
+            <a:avLst/>
+          </a:prstGeom>
+          <a:ln>
+            <a:solidFill>
+              <a:srgbClr val="FF0000"/>
+            </a:solidFill>
+            <a:tailEnd type="triangle"/>
+          </a:ln>
+        </p:spPr>
+        <p:style>
+          <a:lnRef idx="1">
+            <a:schemeClr val="accent1"/>
+          </a:lnRef>
+          <a:fillRef idx="0">
+            <a:schemeClr val="accent1"/>
+          </a:fillRef>
+          <a:effectRef idx="0">
+            <a:schemeClr val="accent1"/>
+          </a:effectRef>
+          <a:fontRef idx="minor">
+            <a:schemeClr val="tx1"/>
+          </a:fontRef>
+        </p:style>
+      </p:cxnSp>
+      <p:sp>
+        <p:nvSpPr>
+          <p:cNvPr id="14" name="직사각형 13"/>
+          <p:cNvSpPr/>
+          <p:nvPr/>
+        </p:nvSpPr>
+        <p:spPr>
+          <a:xfrm>
+            <a:off x="5198224" y="4962026"/>
+            <a:ext cx="3471951" cy="1377873"/>
+          </a:xfrm>
+          <a:prstGeom prst="rect">
+            <a:avLst/>
+          </a:prstGeom>
+          <a:noFill/>
+          <a:ln>
+            <a:solidFill>
+              <a:srgbClr val="FF0000"/>
+            </a:solidFill>
+          </a:ln>
+        </p:spPr>
+        <p:style>
+          <a:lnRef idx="2">
+            <a:schemeClr val="accent1">
+              <a:shade val="50000"/>
+            </a:schemeClr>
+          </a:lnRef>
+          <a:fillRef idx="1">
+            <a:schemeClr val="accent1"/>
+          </a:fillRef>
+          <a:effectRef idx="0">
+            <a:schemeClr val="accent1"/>
+          </a:effectRef>
+          <a:fontRef idx="minor">
+            <a:schemeClr val="lt1"/>
+          </a:fontRef>
+        </p:style>
+        <p:txBody>
+          <a:bodyPr rtlCol="0" anchor="ctr"/>
+          <a:lstStyle/>
+          <a:p>
+            <a:pPr algn="ctr"/>
+            <a:r>
+              <a:rPr lang="ko-KR" altLang="en-US" sz="1300" b="1" dirty="0" smtClean="0">
+                <a:solidFill>
+                  <a:schemeClr val="tx1"/>
+                </a:solidFill>
+              </a:rPr>
+              <a:t>플레이어 모듈</a:t>
+            </a:r>
+          </a:p>
+          <a:p>
+            <a:pPr marL="171450" indent="-171450" algn="ctr">
+              <a:buFont typeface="Wingdings" panose="05000000000000000000" pitchFamily="2" charset="2"/>
+              <a:buChar char="Ø"/>
+            </a:pPr>
+            <a:r>
+              <a:rPr lang="ko-KR" altLang="en-US" sz="1200" dirty="0" smtClean="0">
+                <a:solidFill>
+                  <a:schemeClr val="tx1"/>
+                </a:solidFill>
+              </a:rPr>
+              <a:t>게임 </a:t>
+            </a:r>
+            <a:r>
+              <a:rPr lang="ko-KR" altLang="en-US" sz="1200" dirty="0" err="1" smtClean="0">
+                <a:solidFill>
+                  <a:schemeClr val="tx1"/>
+                </a:solidFill>
+              </a:rPr>
+              <a:t>시작시</a:t>
+            </a:r>
+            <a:r>
+              <a:rPr lang="ko-KR" altLang="en-US" sz="1200" dirty="0">
+                <a:solidFill>
+                  <a:schemeClr val="tx1"/>
+                </a:solidFill>
+              </a:rPr>
+              <a:t> </a:t>
+            </a:r>
+            <a:r>
+              <a:rPr lang="ko-KR" altLang="en-US" sz="1200" dirty="0" smtClean="0">
+                <a:solidFill>
+                  <a:schemeClr val="tx1"/>
+                </a:solidFill>
+              </a:rPr>
+              <a:t>플레이어를 생성</a:t>
+            </a:r>
+            <a:endParaRPr lang="en-US" altLang="ko-KR" sz="1200" dirty="0" smtClean="0">
+              <a:solidFill>
+                <a:schemeClr val="tx1"/>
+              </a:solidFill>
+            </a:endParaRPr>
+          </a:p>
+          <a:p>
+            <a:pPr marL="171450" indent="-171450" algn="ctr">
+              <a:buFont typeface="Wingdings" panose="05000000000000000000" pitchFamily="2" charset="2"/>
+              <a:buChar char="Ø"/>
+            </a:pPr>
+            <a:r>
+              <a:rPr lang="ko-KR" altLang="en-US" sz="1200" dirty="0" smtClean="0">
+                <a:solidFill>
+                  <a:schemeClr val="tx1"/>
+                </a:solidFill>
+              </a:rPr>
+              <a:t>초기에는 좌측에 생성</a:t>
+            </a:r>
+            <a:endParaRPr lang="en-US" altLang="ko-KR" sz="1200" dirty="0" smtClean="0">
+              <a:solidFill>
+                <a:schemeClr val="tx1"/>
+              </a:solidFill>
+            </a:endParaRPr>
+          </a:p>
+          <a:p>
+            <a:pPr marL="171450" indent="-171450" algn="ctr">
+              <a:buFont typeface="Wingdings" panose="05000000000000000000" pitchFamily="2" charset="2"/>
+              <a:buChar char="Ø"/>
+            </a:pPr>
+            <a:r>
+              <a:rPr lang="ko-KR" altLang="en-US" sz="1200" dirty="0" smtClean="0">
+                <a:solidFill>
+                  <a:schemeClr val="tx1"/>
+                </a:solidFill>
+              </a:rPr>
+              <a:t>좌우 방향키를 통해 이동할 수 있으며</a:t>
+            </a:r>
+            <a:r>
+              <a:rPr lang="en-US" altLang="ko-KR" sz="1200" dirty="0" smtClean="0">
+                <a:solidFill>
+                  <a:schemeClr val="tx1"/>
+                </a:solidFill>
+              </a:rPr>
+              <a:t>, </a:t>
+            </a:r>
+            <a:r>
+              <a:rPr lang="ko-KR" altLang="en-US" sz="1200" dirty="0" smtClean="0">
+                <a:solidFill>
+                  <a:schemeClr val="tx1"/>
+                </a:solidFill>
+              </a:rPr>
+              <a:t>방향키를 </a:t>
+            </a:r>
+            <a:r>
+              <a:rPr lang="ko-KR" altLang="en-US" sz="1200" dirty="0" err="1" smtClean="0">
+                <a:solidFill>
+                  <a:schemeClr val="tx1"/>
+                </a:solidFill>
+              </a:rPr>
+              <a:t>누를때</a:t>
+            </a:r>
+            <a:r>
+              <a:rPr lang="ko-KR" altLang="en-US" sz="1200" dirty="0" smtClean="0">
+                <a:solidFill>
+                  <a:schemeClr val="tx1"/>
+                </a:solidFill>
+              </a:rPr>
+              <a:t> 마다 나무가 </a:t>
+            </a:r>
+            <a:r>
+              <a:rPr lang="ko-KR" altLang="en-US" sz="1200" dirty="0" err="1" smtClean="0">
+                <a:solidFill>
+                  <a:schemeClr val="tx1"/>
+                </a:solidFill>
+              </a:rPr>
+              <a:t>한칸씩</a:t>
+            </a:r>
+            <a:r>
+              <a:rPr lang="ko-KR" altLang="en-US" sz="1200" dirty="0" smtClean="0">
+                <a:solidFill>
+                  <a:schemeClr val="tx1"/>
+                </a:solidFill>
+              </a:rPr>
+              <a:t> 내려옴</a:t>
+            </a:r>
+            <a:endParaRPr lang="en-US" altLang="ko-KR" sz="1200" dirty="0" smtClean="0">
+              <a:solidFill>
+                <a:schemeClr val="tx1"/>
+              </a:solidFill>
+            </a:endParaRPr>
+          </a:p>
+          <a:p>
+            <a:pPr marL="171450" indent="-171450" algn="ctr">
+              <a:buFont typeface="Wingdings" panose="05000000000000000000" pitchFamily="2" charset="2"/>
+              <a:buChar char="Ø"/>
+            </a:pPr>
+            <a:r>
+              <a:rPr lang="ko-KR" altLang="en-US" sz="1200" dirty="0" smtClean="0">
+                <a:solidFill>
+                  <a:schemeClr val="tx1"/>
+                </a:solidFill>
+              </a:rPr>
+              <a:t>내려온 나무와 플레이어가 겹치면 게임 오버</a:t>
+            </a:r>
+            <a:endParaRPr lang="en-US" altLang="ko-KR" sz="1200" dirty="0" smtClean="0">
+              <a:solidFill>
+                <a:schemeClr val="tx1"/>
+              </a:solidFill>
+            </a:endParaRPr>
+          </a:p>
+        </p:txBody>
+      </p:sp>
+      <p:sp>
+        <p:nvSpPr>
+          <p:cNvPr id="22" name="직사각형 21"/>
+          <p:cNvSpPr/>
+          <p:nvPr/>
+        </p:nvSpPr>
+        <p:spPr>
+          <a:xfrm>
+            <a:off x="1158240" y="3241926"/>
+            <a:ext cx="1978429" cy="792518"/>
+          </a:xfrm>
+          <a:prstGeom prst="rect">
+            <a:avLst/>
+          </a:prstGeom>
+          <a:noFill/>
+          <a:ln w="38100">
+            <a:solidFill>
+              <a:srgbClr val="FF0000"/>
+            </a:solidFill>
+          </a:ln>
+        </p:spPr>
+        <p:style>
+          <a:lnRef idx="2">
+            <a:schemeClr val="accent1">
+              <a:shade val="50000"/>
+            </a:schemeClr>
+          </a:lnRef>
+          <a:fillRef idx="1">
+            <a:schemeClr val="accent1"/>
+          </a:fillRef>
+          <a:effectRef idx="0">
+            <a:schemeClr val="accent1"/>
+          </a:effectRef>
+          <a:fontRef idx="minor">
+            <a:schemeClr val="lt1"/>
+          </a:fontRef>
+        </p:style>
+        <p:txBody>
+          <a:bodyPr rtlCol="0" anchor="ctr"/>
+          <a:lstStyle/>
+          <a:p>
+            <a:pPr algn="ctr"/>
+            <a:endParaRPr lang="ko-KR" altLang="en-US"/>
+          </a:p>
+        </p:txBody>
+      </p:sp>
+      <p:cxnSp>
+        <p:nvCxnSpPr>
+          <p:cNvPr id="23" name="직선 화살표 연결선 22"/>
+          <p:cNvCxnSpPr>
+            <a:stCxn id="22" idx="3"/>
+            <a:endCxn id="24" idx="1"/>
+          </p:cNvCxnSpPr>
+          <p:nvPr/>
+        </p:nvCxnSpPr>
+        <p:spPr>
+          <a:xfrm>
+            <a:off x="3136669" y="3638185"/>
+            <a:ext cx="2061555" cy="366145"/>
+          </a:xfrm>
+          <a:prstGeom prst="straightConnector1">
+            <a:avLst/>
+          </a:prstGeom>
+          <a:ln>
+            <a:solidFill>
+              <a:srgbClr val="FF0000"/>
+            </a:solidFill>
+            <a:tailEnd type="triangle"/>
+          </a:ln>
+        </p:spPr>
+        <p:style>
+          <a:lnRef idx="1">
+            <a:schemeClr val="accent1"/>
+          </a:lnRef>
+          <a:fillRef idx="0">
+            <a:schemeClr val="accent1"/>
+          </a:fillRef>
+          <a:effectRef idx="0">
+            <a:schemeClr val="accent1"/>
+          </a:effectRef>
+          <a:fontRef idx="minor">
+            <a:schemeClr val="tx1"/>
+          </a:fontRef>
+        </p:style>
+      </p:cxnSp>
+      <p:sp>
+        <p:nvSpPr>
+          <p:cNvPr id="24" name="직사각형 23"/>
+          <p:cNvSpPr/>
+          <p:nvPr/>
+        </p:nvSpPr>
+        <p:spPr>
+          <a:xfrm>
+            <a:off x="5198224" y="3315393"/>
+            <a:ext cx="2793077" cy="1377873"/>
+          </a:xfrm>
+          <a:prstGeom prst="rect">
+            <a:avLst/>
+          </a:prstGeom>
+          <a:noFill/>
+          <a:ln>
+            <a:solidFill>
+              <a:srgbClr val="FF0000"/>
+            </a:solidFill>
+          </a:ln>
+        </p:spPr>
+        <p:style>
+          <a:lnRef idx="2">
+            <a:schemeClr val="accent1">
+              <a:shade val="50000"/>
+            </a:schemeClr>
+          </a:lnRef>
+          <a:fillRef idx="1">
+            <a:schemeClr val="accent1"/>
+          </a:fillRef>
+          <a:effectRef idx="0">
+            <a:schemeClr val="accent1"/>
+          </a:effectRef>
+          <a:fontRef idx="minor">
+            <a:schemeClr val="lt1"/>
+          </a:fontRef>
+        </p:style>
+        <p:txBody>
+          <a:bodyPr rtlCol="0" anchor="ctr"/>
+          <a:lstStyle/>
+          <a:p>
+            <a:pPr algn="ctr"/>
+            <a:r>
+              <a:rPr lang="ko-KR" altLang="en-US" sz="1300" b="1" dirty="0" smtClean="0">
+                <a:solidFill>
+                  <a:schemeClr val="tx1"/>
+                </a:solidFill>
+              </a:rPr>
+              <a:t>나무</a:t>
+            </a:r>
+            <a:r>
+              <a:rPr lang="en-US" altLang="ko-KR" sz="1300" b="1" dirty="0" smtClean="0">
+                <a:solidFill>
+                  <a:schemeClr val="tx1"/>
+                </a:solidFill>
+              </a:rPr>
+              <a:t>(</a:t>
+            </a:r>
+            <a:r>
+              <a:rPr lang="ko-KR" altLang="en-US" sz="1300" b="1" dirty="0" smtClean="0">
+                <a:solidFill>
+                  <a:schemeClr val="tx1"/>
+                </a:solidFill>
+              </a:rPr>
+              <a:t>장애물</a:t>
+            </a:r>
+            <a:r>
+              <a:rPr lang="en-US" altLang="ko-KR" sz="1300" b="1" dirty="0" smtClean="0">
+                <a:solidFill>
+                  <a:schemeClr val="tx1"/>
+                </a:solidFill>
+              </a:rPr>
+              <a:t>)</a:t>
+            </a:r>
+            <a:r>
+              <a:rPr lang="ko-KR" altLang="en-US" sz="1300" b="1" dirty="0" smtClean="0">
+                <a:solidFill>
+                  <a:schemeClr val="tx1"/>
+                </a:solidFill>
+              </a:rPr>
+              <a:t>모듈</a:t>
+            </a:r>
+          </a:p>
+          <a:p>
+            <a:pPr marL="171450" indent="-171450" algn="ctr">
+              <a:buFont typeface="Wingdings" panose="05000000000000000000" pitchFamily="2" charset="2"/>
+              <a:buChar char="Ø"/>
+            </a:pPr>
+            <a:r>
+              <a:rPr lang="ko-KR" altLang="en-US" sz="1200" dirty="0" smtClean="0">
+                <a:solidFill>
+                  <a:schemeClr val="tx1"/>
+                </a:solidFill>
+              </a:rPr>
+              <a:t>게임 </a:t>
+            </a:r>
+            <a:r>
+              <a:rPr lang="ko-KR" altLang="en-US" sz="1200" dirty="0" err="1" smtClean="0">
+                <a:solidFill>
+                  <a:schemeClr val="tx1"/>
+                </a:solidFill>
+              </a:rPr>
+              <a:t>시작시</a:t>
+            </a:r>
+            <a:r>
+              <a:rPr lang="ko-KR" altLang="en-US" sz="1200" dirty="0">
+                <a:solidFill>
+                  <a:schemeClr val="tx1"/>
+                </a:solidFill>
+              </a:rPr>
+              <a:t> </a:t>
+            </a:r>
+            <a:r>
+              <a:rPr lang="ko-KR" altLang="en-US" sz="1200" dirty="0" smtClean="0">
+                <a:solidFill>
+                  <a:schemeClr val="tx1"/>
+                </a:solidFill>
+              </a:rPr>
+              <a:t>나무를 생성</a:t>
+            </a:r>
+            <a:endParaRPr lang="en-US" altLang="ko-KR" sz="1200" dirty="0" smtClean="0">
+              <a:solidFill>
+                <a:schemeClr val="tx1"/>
+              </a:solidFill>
+            </a:endParaRPr>
+          </a:p>
+          <a:p>
+            <a:pPr marL="171450" indent="-171450" algn="ctr">
+              <a:buFont typeface="Wingdings" panose="05000000000000000000" pitchFamily="2" charset="2"/>
+              <a:buChar char="Ø"/>
+            </a:pPr>
+            <a:r>
+              <a:rPr lang="ko-KR" altLang="en-US" sz="1200" dirty="0" smtClean="0">
+                <a:solidFill>
+                  <a:schemeClr val="tx1"/>
+                </a:solidFill>
+              </a:rPr>
+              <a:t>초기에는 우측</a:t>
+            </a:r>
+            <a:r>
+              <a:rPr lang="en-US" altLang="ko-KR" sz="1200" dirty="0" smtClean="0">
+                <a:solidFill>
+                  <a:schemeClr val="tx1"/>
+                </a:solidFill>
+              </a:rPr>
+              <a:t>, </a:t>
+            </a:r>
+            <a:r>
+              <a:rPr lang="ko-KR" altLang="en-US" sz="1200" dirty="0" smtClean="0">
+                <a:solidFill>
+                  <a:schemeClr val="tx1"/>
+                </a:solidFill>
+              </a:rPr>
+              <a:t>좌측</a:t>
+            </a:r>
+            <a:r>
+              <a:rPr lang="en-US" altLang="ko-KR" sz="1200" dirty="0" smtClean="0">
+                <a:solidFill>
+                  <a:schemeClr val="tx1"/>
+                </a:solidFill>
+              </a:rPr>
+              <a:t>, </a:t>
+            </a:r>
+            <a:r>
+              <a:rPr lang="ko-KR" altLang="en-US" sz="1200" dirty="0" smtClean="0">
+                <a:solidFill>
+                  <a:schemeClr val="tx1"/>
+                </a:solidFill>
+              </a:rPr>
+              <a:t>우측이지만 이후에 생성되는 나무의 방향은 랜덤</a:t>
+            </a:r>
+            <a:endParaRPr lang="en-US" altLang="ko-KR" sz="1200" dirty="0" smtClean="0">
+              <a:solidFill>
+                <a:schemeClr val="tx1"/>
+              </a:solidFill>
+            </a:endParaRPr>
+          </a:p>
+          <a:p>
+            <a:pPr marL="171450" indent="-171450" algn="ctr">
+              <a:buFont typeface="Wingdings" panose="05000000000000000000" pitchFamily="2" charset="2"/>
+              <a:buChar char="Ø"/>
+            </a:pPr>
+            <a:r>
+              <a:rPr lang="ko-KR" altLang="en-US" sz="1200" dirty="0" smtClean="0">
+                <a:solidFill>
+                  <a:schemeClr val="tx1"/>
+                </a:solidFill>
+              </a:rPr>
+              <a:t>나무는 방향키를 눌러 팰 수 있으며</a:t>
+            </a:r>
+            <a:r>
+              <a:rPr lang="en-US" altLang="ko-KR" sz="1200" dirty="0" smtClean="0">
+                <a:solidFill>
+                  <a:schemeClr val="tx1"/>
+                </a:solidFill>
+              </a:rPr>
+              <a:t>, </a:t>
+            </a:r>
+            <a:r>
+              <a:rPr lang="ko-KR" altLang="en-US" sz="1200" dirty="0" smtClean="0">
+                <a:solidFill>
+                  <a:schemeClr val="tx1"/>
+                </a:solidFill>
+              </a:rPr>
+              <a:t>나뭇가지와 플레이어가 겹쳐지면 게임 오버</a:t>
+            </a:r>
+            <a:endParaRPr lang="en-US" altLang="ko-KR" sz="1200" dirty="0" smtClean="0">
+              <a:solidFill>
+                <a:schemeClr val="tx1"/>
+              </a:solidFill>
+            </a:endParaRPr>
+          </a:p>
+        </p:txBody>
+      </p:sp>
     </p:spTree>
+    <p:extLst>
+      <p:ext uri="{BB962C8B-B14F-4D97-AF65-F5344CB8AC3E}">
+        <p14:creationId xmlns:p14="http://schemas.microsoft.com/office/powerpoint/2010/main" val="1652535235"/>
+      </p:ext>
+    </p:extLst>
   </p:cSld>
   <p:clrMapOvr>
     <a:masterClrMapping/>
   </p:clrMapOvr>
-  <mc:AlternateContent xmlns:mc="http://schemas.openxmlformats.org/markup-compatibility/2006">
-    <mc:Choice xmlns:p14="http://schemas.microsoft.com/office/powerpoint/2010/main" Requires="p14">
-      <p:transition xmlns:mc="http://schemas.openxmlformats.org/markup-compatibility/2006" xmlns:p14="http://schemas.microsoft.com/office/powerpoint/2010/main" mc:Ignorable="p14" p14:dur="500"/>
+  <mc:AlternateContent xmlns:mc="http://schemas.openxmlformats.org/markup-compatibility/2006" xmlns:p14="http://schemas.microsoft.com/office/powerpoint/2010/main">
+    <mc:Choice Requires="p14">
+      <p:transition/>
     </mc:Choice>
-    <mc:Fallback>
+    <mc:Fallback xmlns:dsp="http://schemas.microsoft.com/office/drawing/2008/diagram" xmlns:dgm="http://schemas.openxmlformats.org/drawingml/2006/diagram" xmlns:c="http://schemas.openxmlformats.org/drawingml/2006/chart" xmlns="">
       <p:transition/>
     </mc:Fallback>
   </mc:AlternateContent>
@@ -12382,13 +15031,7 @@
       </p:grpSpPr>
       <p:sp>
         <p:nvSpPr>
-          <p:cNvPr id="11266" name="Rectangle 2">
-            <a:extLst>
-              <a:ext uri="{FF2B5EF4-FFF2-40B4-BE49-F238E27FC236}">
-                <a16:creationId xmlns:a16="http://schemas.microsoft.com/office/drawing/2014/main" id="{FD8712B6-5BFA-462B-996D-0B983C90DC84}"/>
-              </a:ext>
-            </a:extLst>
-          </p:cNvPr>
+          <p:cNvPr id="10242" name="Rectangle 2"/>
           <p:cNvSpPr>
             <a:spLocks noGrp="1" noChangeArrowheads="1"/>
           </p:cNvSpPr>
@@ -12401,9 +15044,11 @@
           <a:bodyPr/>
           <a:lstStyle/>
           <a:p>
-            <a:pPr eaLnBrk="1" hangingPunct="1"/>
-            <a:r>
-              <a:rPr lang="en-US" altLang="ko-KR" b="1" dirty="0">
+            <a:pPr eaLnBrk="1" hangingPunct="1">
+              <a:defRPr/>
+            </a:pPr>
+            <a:r>
+              <a:rPr lang="en-US" altLang="ko-KR" b="1">
                 <a:solidFill>
                   <a:schemeClr val="accent2"/>
                 </a:solidFill>
@@ -12411,7 +15056,7 @@
               <a:t>4. </a:t>
             </a:r>
             <a:r>
-              <a:rPr lang="ko-KR" altLang="en-US" b="1" dirty="0">
+              <a:rPr lang="ko-KR" altLang="en-US" b="1">
                 <a:solidFill>
                   <a:schemeClr val="accent2"/>
                 </a:solidFill>
@@ -12423,13 +15068,7 @@
       </p:sp>
       <p:sp>
         <p:nvSpPr>
-          <p:cNvPr id="11267" name="Rectangle 3">
-            <a:extLst>
-              <a:ext uri="{FF2B5EF4-FFF2-40B4-BE49-F238E27FC236}">
-                <a16:creationId xmlns:a16="http://schemas.microsoft.com/office/drawing/2014/main" id="{AE112B06-2B86-4692-B9E6-28A5BFDCA2BB}"/>
-              </a:ext>
-            </a:extLst>
-          </p:cNvPr>
+          <p:cNvPr id="10243" name="Rectangle 3"/>
           <p:cNvSpPr>
             <a:spLocks noGrp="1" noChangeArrowheads="1"/>
           </p:cNvSpPr>
@@ -12440,7 +15079,7 @@
         <p:spPr>
           <a:xfrm>
             <a:off x="904874" y="1181100"/>
-            <a:ext cx="9280489" cy="374651"/>
+            <a:ext cx="10650730" cy="5029200"/>
           </a:xfrm>
         </p:spPr>
         <p:txBody>
@@ -12448,1357 +15087,594 @@
           <a:lstStyle/>
           <a:p>
             <a:pPr marL="381000" indent="-381000" eaLnBrk="1" hangingPunct="1">
+              <a:spcAft>
+                <a:spcPts val="1000"/>
+              </a:spcAft>
               <a:buNone/>
+              <a:defRPr/>
             </a:pPr>
             <a:r>
+              <a:rPr lang="en-US" altLang="ko-KR" dirty="0"/>
+              <a:t> </a:t>
+            </a:r>
+            <a:r>
               <a:rPr lang="en-US" altLang="ko-KR" b="1" dirty="0"/>
-              <a:t> 4. </a:t>
+              <a:t>2. </a:t>
             </a:r>
             <a:r>
               <a:rPr lang="ko-KR" altLang="en-US" b="1" dirty="0"/>
-              <a:t>프로젝트 산출물   </a:t>
-            </a:r>
-          </a:p>
-          <a:p>
-            <a:pPr marL="1219200" lvl="2" indent="-304800" eaLnBrk="1" hangingPunct="1"/>
-            <a:endParaRPr lang="ko-KR" altLang="en-US" sz="1800" dirty="0"/>
-          </a:p>
-          <a:p>
-            <a:pPr marL="1219200" lvl="2" indent="-304800" eaLnBrk="1" hangingPunct="1"/>
+              <a:t>구성 모듈 및 프로세스 </a:t>
+            </a:r>
+            <a:r>
+              <a:rPr lang="ko-KR" altLang="en-US" dirty="0"/>
+              <a:t> </a:t>
+            </a:r>
+          </a:p>
+          <a:p>
+            <a:pPr marL="1219200" lvl="2" indent="-304800" eaLnBrk="1" hangingPunct="1">
+              <a:defRPr/>
+            </a:pPr>
+            <a:endParaRPr lang="en-US" altLang="ko-KR" sz="1800" dirty="0"/>
+          </a:p>
+          <a:p>
+            <a:pPr marL="1219200" lvl="2" indent="-304800" eaLnBrk="1" hangingPunct="1">
+              <a:defRPr/>
+            </a:pPr>
             <a:endParaRPr lang="en-US" altLang="ko-KR" sz="1800" dirty="0"/>
           </a:p>
         </p:txBody>
       </p:sp>
-      <p:graphicFrame>
-        <p:nvGraphicFramePr>
-          <p:cNvPr id="2" name="표 1">
-            <a:extLst>
-              <a:ext uri="{FF2B5EF4-FFF2-40B4-BE49-F238E27FC236}">
-                <a16:creationId xmlns:a16="http://schemas.microsoft.com/office/drawing/2014/main" id="{9DF78867-F421-43A4-B96B-BDD5D5FDA526}"/>
-              </a:ext>
-            </a:extLst>
-          </p:cNvPr>
-          <p:cNvGraphicFramePr>
-            <a:graphicFrameLocks noGrp="1"/>
-          </p:cNvGraphicFramePr>
-          <p:nvPr>
-            <p:extLst>
-              <p:ext uri="{D42A27DB-BD31-4B8C-83A1-F6EECF244321}">
-                <p14:modId xmlns:p14="http://schemas.microsoft.com/office/powerpoint/2010/main" val="910092727"/>
-              </p:ext>
-            </p:extLst>
-          </p:nvPr>
-        </p:nvGraphicFramePr>
-        <p:xfrm>
-          <a:off x="1085850" y="1767416"/>
-          <a:ext cx="9648824" cy="2560320"/>
-        </p:xfrm>
-        <a:graphic>
-          <a:graphicData uri="http://schemas.openxmlformats.org/drawingml/2006/table">
-            <a:tbl>
-              <a:tblPr firstRow="1" bandRow="1">
-                <a:tableStyleId>{5940675A-B579-460E-94D1-54222C63F5DA}</a:tableStyleId>
-              </a:tblPr>
-              <a:tblGrid>
-                <a:gridCol w="1819275">
-                  <a:extLst>
-                    <a:ext uri="{9D8B030D-6E8A-4147-A177-3AD203B41FA5}">
-                      <a16:colId xmlns:a16="http://schemas.microsoft.com/office/drawing/2014/main" val="3834586937"/>
-                    </a:ext>
-                  </a:extLst>
-                </a:gridCol>
-                <a:gridCol w="2286000">
-                  <a:extLst>
-                    <a:ext uri="{9D8B030D-6E8A-4147-A177-3AD203B41FA5}">
-                      <a16:colId xmlns:a16="http://schemas.microsoft.com/office/drawing/2014/main" val="306707297"/>
-                    </a:ext>
-                  </a:extLst>
-                </a:gridCol>
-                <a:gridCol w="2943225">
-                  <a:extLst>
-                    <a:ext uri="{9D8B030D-6E8A-4147-A177-3AD203B41FA5}">
-                      <a16:colId xmlns:a16="http://schemas.microsoft.com/office/drawing/2014/main" val="1751416419"/>
-                    </a:ext>
-                  </a:extLst>
-                </a:gridCol>
-                <a:gridCol w="1276350">
-                  <a:extLst>
-                    <a:ext uri="{9D8B030D-6E8A-4147-A177-3AD203B41FA5}">
-                      <a16:colId xmlns:a16="http://schemas.microsoft.com/office/drawing/2014/main" val="3676813065"/>
-                    </a:ext>
-                  </a:extLst>
-                </a:gridCol>
-                <a:gridCol w="1323974">
-                  <a:extLst>
-                    <a:ext uri="{9D8B030D-6E8A-4147-A177-3AD203B41FA5}">
-                      <a16:colId xmlns:a16="http://schemas.microsoft.com/office/drawing/2014/main" val="2168060699"/>
-                    </a:ext>
-                  </a:extLst>
-                </a:gridCol>
-              </a:tblGrid>
-              <a:tr h="640080">
-                <a:tc>
-                  <a:txBody>
-                    <a:bodyPr/>
-                    <a:lstStyle/>
-                    <a:p>
-                      <a:pPr algn="ctr" latinLnBrk="1"/>
-                      <a:r>
-                        <a:rPr lang="ko-KR" altLang="en-US" sz="1600" b="1" dirty="0">
-                          <a:latin typeface="맑은 고딕" panose="020B0503020000020004" pitchFamily="50" charset="-127"/>
-                          <a:ea typeface="맑은 고딕" panose="020B0503020000020004" pitchFamily="50" charset="-127"/>
-                        </a:rPr>
-                        <a:t>구분</a:t>
-                      </a:r>
-                    </a:p>
-                  </a:txBody>
-                  <a:tcPr anchor="ctr">
-                    <a:lnL w="12700" cap="flat" cmpd="sng" algn="ctr">
-                      <a:solidFill>
-                        <a:schemeClr val="tx1"/>
-                      </a:solidFill>
-                      <a:prstDash val="solid"/>
-                      <a:round/>
-                      <a:headEnd type="none" w="med" len="med"/>
-                      <a:tailEnd type="none" w="med" len="med"/>
-                    </a:lnL>
-                    <a:lnR w="12700" cap="flat" cmpd="sng" algn="ctr">
-                      <a:solidFill>
-                        <a:schemeClr val="tx1"/>
-                      </a:solidFill>
-                      <a:prstDash val="solid"/>
-                      <a:round/>
-                      <a:headEnd type="none" w="med" len="med"/>
-                      <a:tailEnd type="none" w="med" len="med"/>
-                    </a:lnR>
-                    <a:lnT w="12700" cap="flat" cmpd="sng" algn="ctr">
-                      <a:solidFill>
-                        <a:schemeClr val="tx1"/>
-                      </a:solidFill>
-                      <a:prstDash val="solid"/>
-                      <a:round/>
-                      <a:headEnd type="none" w="med" len="med"/>
-                      <a:tailEnd type="none" w="med" len="med"/>
-                    </a:lnT>
-                    <a:lnB w="12700" cap="flat" cmpd="sng" algn="ctr">
-                      <a:solidFill>
-                        <a:schemeClr val="tx1"/>
-                      </a:solidFill>
-                      <a:prstDash val="solid"/>
-                      <a:round/>
-                      <a:headEnd type="none" w="med" len="med"/>
-                      <a:tailEnd type="none" w="med" len="med"/>
-                    </a:lnB>
-                    <a:solidFill>
-                      <a:schemeClr val="bg1">
-                        <a:lumMod val="95000"/>
-                      </a:schemeClr>
-                    </a:solidFill>
-                  </a:tcPr>
-                </a:tc>
-                <a:tc>
-                  <a:txBody>
-                    <a:bodyPr/>
-                    <a:lstStyle/>
-                    <a:p>
-                      <a:pPr algn="ctr" latinLnBrk="1"/>
-                      <a:r>
-                        <a:rPr lang="ko-KR" altLang="en-US" sz="1600" b="1" dirty="0">
-                          <a:latin typeface="맑은 고딕" panose="020B0503020000020004" pitchFamily="50" charset="-127"/>
-                          <a:ea typeface="맑은 고딕" panose="020B0503020000020004" pitchFamily="50" charset="-127"/>
-                        </a:rPr>
-                        <a:t>산출물명</a:t>
-                      </a:r>
-                    </a:p>
-                  </a:txBody>
-                  <a:tcPr anchor="ctr">
-                    <a:lnL w="12700" cap="flat" cmpd="sng" algn="ctr">
-                      <a:solidFill>
-                        <a:schemeClr val="tx1"/>
-                      </a:solidFill>
-                      <a:prstDash val="solid"/>
-                      <a:round/>
-                      <a:headEnd type="none" w="med" len="med"/>
-                      <a:tailEnd type="none" w="med" len="med"/>
-                    </a:lnL>
-                    <a:lnR w="12700" cap="flat" cmpd="sng" algn="ctr">
-                      <a:solidFill>
-                        <a:schemeClr val="tx1"/>
-                      </a:solidFill>
-                      <a:prstDash val="solid"/>
-                      <a:round/>
-                      <a:headEnd type="none" w="med" len="med"/>
-                      <a:tailEnd type="none" w="med" len="med"/>
-                    </a:lnR>
-                    <a:lnT w="12700" cap="flat" cmpd="sng" algn="ctr">
-                      <a:solidFill>
-                        <a:schemeClr val="tx1"/>
-                      </a:solidFill>
-                      <a:prstDash val="solid"/>
-                      <a:round/>
-                      <a:headEnd type="none" w="med" len="med"/>
-                      <a:tailEnd type="none" w="med" len="med"/>
-                    </a:lnT>
-                    <a:lnB w="12700" cap="flat" cmpd="sng" algn="ctr">
-                      <a:solidFill>
-                        <a:schemeClr val="tx1"/>
-                      </a:solidFill>
-                      <a:prstDash val="solid"/>
-                      <a:round/>
-                      <a:headEnd type="none" w="med" len="med"/>
-                      <a:tailEnd type="none" w="med" len="med"/>
-                    </a:lnB>
-                    <a:solidFill>
-                      <a:schemeClr val="bg1">
-                        <a:lumMod val="95000"/>
-                      </a:schemeClr>
-                    </a:solidFill>
-                  </a:tcPr>
-                </a:tc>
-                <a:tc>
-                  <a:txBody>
-                    <a:bodyPr/>
-                    <a:lstStyle/>
-                    <a:p>
-                      <a:pPr algn="ctr" latinLnBrk="1"/>
-                      <a:r>
-                        <a:rPr lang="ko-KR" altLang="en-US" sz="1600" b="1" dirty="0">
-                          <a:latin typeface="맑은 고딕" panose="020B0503020000020004" pitchFamily="50" charset="-127"/>
-                          <a:ea typeface="맑은 고딕" panose="020B0503020000020004" pitchFamily="50" charset="-127"/>
-                        </a:rPr>
-                        <a:t>주요 내용</a:t>
-                      </a:r>
-                    </a:p>
-                  </a:txBody>
-                  <a:tcPr anchor="ctr">
-                    <a:lnL w="12700" cap="flat" cmpd="sng" algn="ctr">
-                      <a:solidFill>
-                        <a:schemeClr val="tx1"/>
-                      </a:solidFill>
-                      <a:prstDash val="solid"/>
-                      <a:round/>
-                      <a:headEnd type="none" w="med" len="med"/>
-                      <a:tailEnd type="none" w="med" len="med"/>
-                    </a:lnL>
-                    <a:lnR w="12700" cap="flat" cmpd="sng" algn="ctr">
-                      <a:solidFill>
-                        <a:schemeClr val="tx1"/>
-                      </a:solidFill>
-                      <a:prstDash val="solid"/>
-                      <a:round/>
-                      <a:headEnd type="none" w="med" len="med"/>
-                      <a:tailEnd type="none" w="med" len="med"/>
-                    </a:lnR>
-                    <a:lnT w="12700" cap="flat" cmpd="sng" algn="ctr">
-                      <a:solidFill>
-                        <a:schemeClr val="tx1"/>
-                      </a:solidFill>
-                      <a:prstDash val="solid"/>
-                      <a:round/>
-                      <a:headEnd type="none" w="med" len="med"/>
-                      <a:tailEnd type="none" w="med" len="med"/>
-                    </a:lnT>
-                    <a:lnB w="12700" cap="flat" cmpd="sng" algn="ctr">
-                      <a:solidFill>
-                        <a:schemeClr val="tx1"/>
-                      </a:solidFill>
-                      <a:prstDash val="solid"/>
-                      <a:round/>
-                      <a:headEnd type="none" w="med" len="med"/>
-                      <a:tailEnd type="none" w="med" len="med"/>
-                    </a:lnB>
-                    <a:solidFill>
-                      <a:schemeClr val="bg1">
-                        <a:lumMod val="95000"/>
-                      </a:schemeClr>
-                    </a:solidFill>
-                  </a:tcPr>
-                </a:tc>
-                <a:tc>
-                  <a:txBody>
-                    <a:bodyPr/>
-                    <a:lstStyle/>
-                    <a:p>
-                      <a:pPr algn="ctr" latinLnBrk="1"/>
-                      <a:r>
-                        <a:rPr lang="ko-KR" altLang="en-US" sz="1600" b="1" dirty="0">
-                          <a:latin typeface="맑은 고딕" panose="020B0503020000020004" pitchFamily="50" charset="-127"/>
-                          <a:ea typeface="맑은 고딕" panose="020B0503020000020004" pitchFamily="50" charset="-127"/>
-                        </a:rPr>
-                        <a:t>제출시기</a:t>
-                      </a:r>
-                    </a:p>
-                  </a:txBody>
-                  <a:tcPr anchor="ctr">
-                    <a:lnL w="12700" cap="flat" cmpd="sng" algn="ctr">
-                      <a:solidFill>
-                        <a:schemeClr val="tx1"/>
-                      </a:solidFill>
-                      <a:prstDash val="solid"/>
-                      <a:round/>
-                      <a:headEnd type="none" w="med" len="med"/>
-                      <a:tailEnd type="none" w="med" len="med"/>
-                    </a:lnL>
-                    <a:lnR w="12700" cap="flat" cmpd="sng" algn="ctr">
-                      <a:solidFill>
-                        <a:schemeClr val="tx1"/>
-                      </a:solidFill>
-                      <a:prstDash val="solid"/>
-                      <a:round/>
-                      <a:headEnd type="none" w="med" len="med"/>
-                      <a:tailEnd type="none" w="med" len="med"/>
-                    </a:lnR>
-                    <a:lnT w="12700" cap="flat" cmpd="sng" algn="ctr">
-                      <a:solidFill>
-                        <a:schemeClr val="tx1"/>
-                      </a:solidFill>
-                      <a:prstDash val="solid"/>
-                      <a:round/>
-                      <a:headEnd type="none" w="med" len="med"/>
-                      <a:tailEnd type="none" w="med" len="med"/>
-                    </a:lnT>
-                    <a:lnB w="12700" cap="flat" cmpd="sng" algn="ctr">
-                      <a:solidFill>
-                        <a:schemeClr val="tx1"/>
-                      </a:solidFill>
-                      <a:prstDash val="solid"/>
-                      <a:round/>
-                      <a:headEnd type="none" w="med" len="med"/>
-                      <a:tailEnd type="none" w="med" len="med"/>
-                    </a:lnB>
-                    <a:solidFill>
-                      <a:schemeClr val="bg1">
-                        <a:lumMod val="95000"/>
-                      </a:schemeClr>
-                    </a:solidFill>
-                  </a:tcPr>
-                </a:tc>
-                <a:tc>
-                  <a:txBody>
-                    <a:bodyPr/>
-                    <a:lstStyle/>
-                    <a:p>
-                      <a:pPr algn="ctr" latinLnBrk="1"/>
-                      <a:r>
-                        <a:rPr lang="ko-KR" altLang="en-US" sz="1600" b="1" dirty="0">
-                          <a:latin typeface="맑은 고딕" panose="020B0503020000020004" pitchFamily="50" charset="-127"/>
-                          <a:ea typeface="맑은 고딕" panose="020B0503020000020004" pitchFamily="50" charset="-127"/>
-                        </a:rPr>
-                        <a:t>제물문서</a:t>
-                      </a:r>
-                    </a:p>
-                  </a:txBody>
-                  <a:tcPr anchor="ctr">
-                    <a:lnL w="12700" cap="flat" cmpd="sng" algn="ctr">
-                      <a:solidFill>
-                        <a:schemeClr val="tx1"/>
-                      </a:solidFill>
-                      <a:prstDash val="solid"/>
-                      <a:round/>
-                      <a:headEnd type="none" w="med" len="med"/>
-                      <a:tailEnd type="none" w="med" len="med"/>
-                    </a:lnL>
-                    <a:lnR w="12700" cap="flat" cmpd="sng" algn="ctr">
-                      <a:solidFill>
-                        <a:schemeClr val="tx1"/>
-                      </a:solidFill>
-                      <a:prstDash val="solid"/>
-                      <a:round/>
-                      <a:headEnd type="none" w="med" len="med"/>
-                      <a:tailEnd type="none" w="med" len="med"/>
-                    </a:lnR>
-                    <a:lnT w="12700" cap="flat" cmpd="sng" algn="ctr">
-                      <a:solidFill>
-                        <a:schemeClr val="tx1"/>
-                      </a:solidFill>
-                      <a:prstDash val="solid"/>
-                      <a:round/>
-                      <a:headEnd type="none" w="med" len="med"/>
-                      <a:tailEnd type="none" w="med" len="med"/>
-                    </a:lnT>
-                    <a:lnB w="12700" cap="flat" cmpd="sng" algn="ctr">
-                      <a:solidFill>
-                        <a:schemeClr val="tx1"/>
-                      </a:solidFill>
-                      <a:prstDash val="solid"/>
-                      <a:round/>
-                      <a:headEnd type="none" w="med" len="med"/>
-                      <a:tailEnd type="none" w="med" len="med"/>
-                    </a:lnB>
-                    <a:solidFill>
-                      <a:schemeClr val="bg1">
-                        <a:lumMod val="95000"/>
-                      </a:schemeClr>
-                    </a:solidFill>
-                  </a:tcPr>
-                </a:tc>
-                <a:extLst>
-                  <a:ext uri="{0D108BD9-81ED-4DB2-BD59-A6C34878D82A}">
-                    <a16:rowId xmlns:a16="http://schemas.microsoft.com/office/drawing/2014/main" val="641415161"/>
-                  </a:ext>
-                </a:extLst>
-              </a:tr>
-              <a:tr h="640080">
-                <a:tc>
-                  <a:txBody>
-                    <a:bodyPr/>
-                    <a:lstStyle/>
-                    <a:p>
-                      <a:pPr algn="ctr" latinLnBrk="1"/>
-                      <a:r>
-                        <a:rPr lang="ko-KR" altLang="en-US" sz="1600" dirty="0">
-                          <a:latin typeface="맑은 고딕" panose="020B0503020000020004" pitchFamily="50" charset="-127"/>
-                          <a:ea typeface="맑은 고딕" panose="020B0503020000020004" pitchFamily="50" charset="-127"/>
-                        </a:rPr>
-                        <a:t>분석</a:t>
-                      </a:r>
-                    </a:p>
-                  </a:txBody>
-                  <a:tcPr anchor="ctr">
-                    <a:lnL w="12700" cap="flat" cmpd="sng" algn="ctr">
-                      <a:solidFill>
-                        <a:schemeClr val="tx1"/>
-                      </a:solidFill>
-                      <a:prstDash val="solid"/>
-                      <a:round/>
-                      <a:headEnd type="none" w="med" len="med"/>
-                      <a:tailEnd type="none" w="med" len="med"/>
-                    </a:lnL>
-                    <a:lnR w="12700" cap="flat" cmpd="sng" algn="ctr">
-                      <a:solidFill>
-                        <a:schemeClr val="tx1"/>
-                      </a:solidFill>
-                      <a:prstDash val="solid"/>
-                      <a:round/>
-                      <a:headEnd type="none" w="med" len="med"/>
-                      <a:tailEnd type="none" w="med" len="med"/>
-                    </a:lnR>
-                    <a:lnT w="12700" cap="flat" cmpd="sng" algn="ctr">
-                      <a:solidFill>
-                        <a:schemeClr val="tx1"/>
-                      </a:solidFill>
-                      <a:prstDash val="solid"/>
-                      <a:round/>
-                      <a:headEnd type="none" w="med" len="med"/>
-                      <a:tailEnd type="none" w="med" len="med"/>
-                    </a:lnT>
-                    <a:lnB w="12700" cap="flat" cmpd="sng" algn="ctr">
-                      <a:solidFill>
-                        <a:schemeClr val="tx1"/>
-                      </a:solidFill>
-                      <a:prstDash val="solid"/>
-                      <a:round/>
-                      <a:headEnd type="none" w="med" len="med"/>
-                      <a:tailEnd type="none" w="med" len="med"/>
-                    </a:lnB>
-                  </a:tcPr>
-                </a:tc>
-                <a:tc>
-                  <a:txBody>
-                    <a:bodyPr/>
-                    <a:lstStyle/>
-                    <a:p>
-                      <a:pPr algn="ctr" latinLnBrk="1"/>
-                      <a:r>
-                        <a:rPr lang="ko-KR" altLang="en-US" sz="1600" dirty="0">
-                          <a:latin typeface="맑은 고딕" panose="020B0503020000020004" pitchFamily="50" charset="-127"/>
-                          <a:ea typeface="맑은 고딕" panose="020B0503020000020004" pitchFamily="50" charset="-127"/>
-                        </a:rPr>
-                        <a:t>시스템 기능 분석서</a:t>
-                      </a:r>
-                    </a:p>
-                  </a:txBody>
-                  <a:tcPr anchor="ctr">
-                    <a:lnL w="12700" cap="flat" cmpd="sng" algn="ctr">
-                      <a:solidFill>
-                        <a:schemeClr val="tx1"/>
-                      </a:solidFill>
-                      <a:prstDash val="solid"/>
-                      <a:round/>
-                      <a:headEnd type="none" w="med" len="med"/>
-                      <a:tailEnd type="none" w="med" len="med"/>
-                    </a:lnL>
-                    <a:lnR w="12700" cap="flat" cmpd="sng" algn="ctr">
-                      <a:solidFill>
-                        <a:schemeClr val="tx1"/>
-                      </a:solidFill>
-                      <a:prstDash val="solid"/>
-                      <a:round/>
-                      <a:headEnd type="none" w="med" len="med"/>
-                      <a:tailEnd type="none" w="med" len="med"/>
-                    </a:lnR>
-                    <a:lnT w="12700" cap="flat" cmpd="sng" algn="ctr">
-                      <a:solidFill>
-                        <a:schemeClr val="tx1"/>
-                      </a:solidFill>
-                      <a:prstDash val="solid"/>
-                      <a:round/>
-                      <a:headEnd type="none" w="med" len="med"/>
-                      <a:tailEnd type="none" w="med" len="med"/>
-                    </a:lnT>
-                    <a:lnB w="12700" cap="flat" cmpd="sng" algn="ctr">
-                      <a:solidFill>
-                        <a:schemeClr val="tx1"/>
-                      </a:solidFill>
-                      <a:prstDash val="solid"/>
-                      <a:round/>
-                      <a:headEnd type="none" w="med" len="med"/>
-                      <a:tailEnd type="none" w="med" len="med"/>
-                    </a:lnB>
-                  </a:tcPr>
-                </a:tc>
-                <a:tc>
-                  <a:txBody>
-                    <a:bodyPr/>
-                    <a:lstStyle/>
-                    <a:p>
-                      <a:pPr algn="ctr" latinLnBrk="1"/>
-                      <a:r>
-                        <a:rPr lang="ko-KR" altLang="en-US" sz="1600" dirty="0">
-                          <a:latin typeface="맑은 고딕" panose="020B0503020000020004" pitchFamily="50" charset="-127"/>
-                          <a:ea typeface="맑은 고딕" panose="020B0503020000020004" pitchFamily="50" charset="-127"/>
-                        </a:rPr>
-                        <a:t>각각의 상세한 </a:t>
-                      </a:r>
-                      <a:endParaRPr lang="en-US" altLang="ko-KR" sz="1600" dirty="0">
-                        <a:latin typeface="맑은 고딕" panose="020B0503020000020004" pitchFamily="50" charset="-127"/>
-                        <a:ea typeface="맑은 고딕" panose="020B0503020000020004" pitchFamily="50" charset="-127"/>
-                      </a:endParaRPr>
-                    </a:p>
-                    <a:p>
-                      <a:pPr algn="ctr" latinLnBrk="1"/>
-                      <a:r>
-                        <a:rPr lang="ko-KR" altLang="en-US" sz="1600" dirty="0">
-                          <a:latin typeface="맑은 고딕" panose="020B0503020000020004" pitchFamily="50" charset="-127"/>
-                          <a:ea typeface="맑은 고딕" panose="020B0503020000020004" pitchFamily="50" charset="-127"/>
-                        </a:rPr>
-                        <a:t>기능 설명</a:t>
-                      </a:r>
-                    </a:p>
-                  </a:txBody>
-                  <a:tcPr anchor="ctr">
-                    <a:lnL w="12700" cap="flat" cmpd="sng" algn="ctr">
-                      <a:solidFill>
-                        <a:schemeClr val="tx1"/>
-                      </a:solidFill>
-                      <a:prstDash val="solid"/>
-                      <a:round/>
-                      <a:headEnd type="none" w="med" len="med"/>
-                      <a:tailEnd type="none" w="med" len="med"/>
-                    </a:lnL>
-                    <a:lnR w="12700" cap="flat" cmpd="sng" algn="ctr">
-                      <a:solidFill>
-                        <a:schemeClr val="tx1"/>
-                      </a:solidFill>
-                      <a:prstDash val="solid"/>
-                      <a:round/>
-                      <a:headEnd type="none" w="med" len="med"/>
-                      <a:tailEnd type="none" w="med" len="med"/>
-                    </a:lnR>
-                    <a:lnT w="12700" cap="flat" cmpd="sng" algn="ctr">
-                      <a:solidFill>
-                        <a:schemeClr val="tx1"/>
-                      </a:solidFill>
-                      <a:prstDash val="solid"/>
-                      <a:round/>
-                      <a:headEnd type="none" w="med" len="med"/>
-                      <a:tailEnd type="none" w="med" len="med"/>
-                    </a:lnT>
-                    <a:lnB w="12700" cap="flat" cmpd="sng" algn="ctr">
-                      <a:solidFill>
-                        <a:schemeClr val="tx1"/>
-                      </a:solidFill>
-                      <a:prstDash val="solid"/>
-                      <a:round/>
-                      <a:headEnd type="none" w="med" len="med"/>
-                      <a:tailEnd type="none" w="med" len="med"/>
-                    </a:lnB>
-                  </a:tcPr>
-                </a:tc>
-                <a:tc>
-                  <a:txBody>
-                    <a:bodyPr/>
-                    <a:lstStyle/>
-                    <a:p>
-                      <a:pPr marL="0" marR="0" lvl="0" indent="0" algn="ctr" defTabSz="914400" rtl="0" eaLnBrk="1" fontAlgn="auto" latinLnBrk="1" hangingPunct="1">
-                        <a:lnSpc>
-                          <a:spcPct val="100000"/>
-                        </a:lnSpc>
-                        <a:spcBef>
-                          <a:spcPts val="0"/>
-                        </a:spcBef>
-                        <a:spcAft>
-                          <a:spcPts val="0"/>
-                        </a:spcAft>
-                        <a:buClrTx/>
-                        <a:buSzTx/>
-                        <a:buFontTx/>
-                        <a:buNone/>
-                        <a:tabLst/>
-                        <a:defRPr/>
-                      </a:pPr>
-                      <a:r>
-                        <a:rPr lang="ko-KR" altLang="en-US" sz="1600" dirty="0">
-                          <a:latin typeface="맑은 고딕" panose="020B0503020000020004" pitchFamily="50" charset="-127"/>
-                          <a:ea typeface="맑은 고딕" panose="020B0503020000020004" pitchFamily="50" charset="-127"/>
-                        </a:rPr>
-                        <a:t>월 일</a:t>
-                      </a:r>
-                    </a:p>
-                  </a:txBody>
-                  <a:tcPr anchor="ctr">
-                    <a:lnL w="12700" cap="flat" cmpd="sng" algn="ctr">
-                      <a:solidFill>
-                        <a:schemeClr val="tx1"/>
-                      </a:solidFill>
-                      <a:prstDash val="solid"/>
-                      <a:round/>
-                      <a:headEnd type="none" w="med" len="med"/>
-                      <a:tailEnd type="none" w="med" len="med"/>
-                    </a:lnL>
-                    <a:lnR w="12700" cap="flat" cmpd="sng" algn="ctr">
-                      <a:solidFill>
-                        <a:schemeClr val="tx1"/>
-                      </a:solidFill>
-                      <a:prstDash val="solid"/>
-                      <a:round/>
-                      <a:headEnd type="none" w="med" len="med"/>
-                      <a:tailEnd type="none" w="med" len="med"/>
-                    </a:lnR>
-                    <a:lnT w="12700" cap="flat" cmpd="sng" algn="ctr">
-                      <a:solidFill>
-                        <a:schemeClr val="tx1"/>
-                      </a:solidFill>
-                      <a:prstDash val="solid"/>
-                      <a:round/>
-                      <a:headEnd type="none" w="med" len="med"/>
-                      <a:tailEnd type="none" w="med" len="med"/>
-                    </a:lnT>
-                    <a:lnB w="12700" cap="flat" cmpd="sng" algn="ctr">
-                      <a:solidFill>
-                        <a:schemeClr val="tx1"/>
-                      </a:solidFill>
-                      <a:prstDash val="solid"/>
-                      <a:round/>
-                      <a:headEnd type="none" w="med" len="med"/>
-                      <a:tailEnd type="none" w="med" len="med"/>
-                    </a:lnB>
-                  </a:tcPr>
-                </a:tc>
-                <a:tc>
-                  <a:txBody>
-                    <a:bodyPr/>
-                    <a:lstStyle/>
-                    <a:p>
-                      <a:pPr algn="ctr" latinLnBrk="1"/>
-                      <a:r>
-                        <a:rPr lang="ko-KR" altLang="en-US" sz="1600" dirty="0">
-                          <a:latin typeface="맑은 고딕" panose="020B0503020000020004" pitchFamily="50" charset="-127"/>
-                          <a:ea typeface="맑은 고딕" panose="020B0503020000020004" pitchFamily="50" charset="-127"/>
-                        </a:rPr>
-                        <a:t>보고서</a:t>
-                      </a:r>
-                    </a:p>
-                  </a:txBody>
-                  <a:tcPr anchor="ctr">
-                    <a:lnL w="12700" cap="flat" cmpd="sng" algn="ctr">
-                      <a:solidFill>
-                        <a:schemeClr val="tx1"/>
-                      </a:solidFill>
-                      <a:prstDash val="solid"/>
-                      <a:round/>
-                      <a:headEnd type="none" w="med" len="med"/>
-                      <a:tailEnd type="none" w="med" len="med"/>
-                    </a:lnL>
-                    <a:lnR w="12700" cap="flat" cmpd="sng" algn="ctr">
-                      <a:solidFill>
-                        <a:schemeClr val="tx1"/>
-                      </a:solidFill>
-                      <a:prstDash val="solid"/>
-                      <a:round/>
-                      <a:headEnd type="none" w="med" len="med"/>
-                      <a:tailEnd type="none" w="med" len="med"/>
-                    </a:lnR>
-                    <a:lnT w="12700" cap="flat" cmpd="sng" algn="ctr">
-                      <a:solidFill>
-                        <a:schemeClr val="tx1"/>
-                      </a:solidFill>
-                      <a:prstDash val="solid"/>
-                      <a:round/>
-                      <a:headEnd type="none" w="med" len="med"/>
-                      <a:tailEnd type="none" w="med" len="med"/>
-                    </a:lnT>
-                    <a:lnB w="12700" cap="flat" cmpd="sng" algn="ctr">
-                      <a:solidFill>
-                        <a:schemeClr val="tx1"/>
-                      </a:solidFill>
-                      <a:prstDash val="solid"/>
-                      <a:round/>
-                      <a:headEnd type="none" w="med" len="med"/>
-                      <a:tailEnd type="none" w="med" len="med"/>
-                    </a:lnB>
-                  </a:tcPr>
-                </a:tc>
-                <a:extLst>
-                  <a:ext uri="{0D108BD9-81ED-4DB2-BD59-A6C34878D82A}">
-                    <a16:rowId xmlns:a16="http://schemas.microsoft.com/office/drawing/2014/main" val="3117095734"/>
-                  </a:ext>
-                </a:extLst>
-              </a:tr>
-              <a:tr h="640080">
-                <a:tc>
-                  <a:txBody>
-                    <a:bodyPr/>
-                    <a:lstStyle/>
-                    <a:p>
-                      <a:pPr algn="ctr" latinLnBrk="1"/>
-                      <a:r>
-                        <a:rPr lang="ko-KR" altLang="en-US" sz="1600" dirty="0">
-                          <a:latin typeface="맑은 고딕" panose="020B0503020000020004" pitchFamily="50" charset="-127"/>
-                          <a:ea typeface="맑은 고딕" panose="020B0503020000020004" pitchFamily="50" charset="-127"/>
-                        </a:rPr>
-                        <a:t>최종보고 및 </a:t>
-                      </a:r>
-                      <a:endParaRPr lang="en-US" altLang="ko-KR" sz="1600" dirty="0">
-                        <a:latin typeface="맑은 고딕" panose="020B0503020000020004" pitchFamily="50" charset="-127"/>
-                        <a:ea typeface="맑은 고딕" panose="020B0503020000020004" pitchFamily="50" charset="-127"/>
-                      </a:endParaRPr>
-                    </a:p>
-                    <a:p>
-                      <a:pPr algn="ctr" latinLnBrk="1"/>
-                      <a:r>
-                        <a:rPr lang="ko-KR" altLang="en-US" sz="1600" dirty="0">
-                          <a:latin typeface="맑은 고딕" panose="020B0503020000020004" pitchFamily="50" charset="-127"/>
-                          <a:ea typeface="맑은 고딕" panose="020B0503020000020004" pitchFamily="50" charset="-127"/>
-                        </a:rPr>
-                        <a:t>발표회</a:t>
-                      </a:r>
-                    </a:p>
-                  </a:txBody>
-                  <a:tcPr anchor="ctr">
-                    <a:lnL w="12700" cap="flat" cmpd="sng" algn="ctr">
-                      <a:solidFill>
-                        <a:schemeClr val="tx1"/>
-                      </a:solidFill>
-                      <a:prstDash val="solid"/>
-                      <a:round/>
-                      <a:headEnd type="none" w="med" len="med"/>
-                      <a:tailEnd type="none" w="med" len="med"/>
-                    </a:lnL>
-                    <a:lnR w="12700" cap="flat" cmpd="sng" algn="ctr">
-                      <a:solidFill>
-                        <a:schemeClr val="tx1"/>
-                      </a:solidFill>
-                      <a:prstDash val="solid"/>
-                      <a:round/>
-                      <a:headEnd type="none" w="med" len="med"/>
-                      <a:tailEnd type="none" w="med" len="med"/>
-                    </a:lnR>
-                    <a:lnT w="12700" cap="flat" cmpd="sng" algn="ctr">
-                      <a:solidFill>
-                        <a:schemeClr val="tx1"/>
-                      </a:solidFill>
-                      <a:prstDash val="solid"/>
-                      <a:round/>
-                      <a:headEnd type="none" w="med" len="med"/>
-                      <a:tailEnd type="none" w="med" len="med"/>
-                    </a:lnT>
-                    <a:lnB w="12700" cap="flat" cmpd="sng" algn="ctr">
-                      <a:solidFill>
-                        <a:schemeClr val="tx1"/>
-                      </a:solidFill>
-                      <a:prstDash val="solid"/>
-                      <a:round/>
-                      <a:headEnd type="none" w="med" len="med"/>
-                      <a:tailEnd type="none" w="med" len="med"/>
-                    </a:lnB>
-                  </a:tcPr>
-                </a:tc>
-                <a:tc>
-                  <a:txBody>
-                    <a:bodyPr/>
-                    <a:lstStyle/>
-                    <a:p>
-                      <a:pPr algn="ctr" latinLnBrk="1"/>
-                      <a:r>
-                        <a:rPr lang="ko-KR" altLang="en-US" sz="1600" dirty="0">
-                          <a:latin typeface="맑은 고딕" panose="020B0503020000020004" pitchFamily="50" charset="-127"/>
-                          <a:ea typeface="맑은 고딕" panose="020B0503020000020004" pitchFamily="50" charset="-127"/>
-                        </a:rPr>
-                        <a:t>최종보고서</a:t>
-                      </a:r>
-                    </a:p>
-                  </a:txBody>
-                  <a:tcPr anchor="ctr">
-                    <a:lnL w="12700" cap="flat" cmpd="sng" algn="ctr">
-                      <a:solidFill>
-                        <a:schemeClr val="tx1"/>
-                      </a:solidFill>
-                      <a:prstDash val="solid"/>
-                      <a:round/>
-                      <a:headEnd type="none" w="med" len="med"/>
-                      <a:tailEnd type="none" w="med" len="med"/>
-                    </a:lnL>
-                    <a:lnR w="12700" cap="flat" cmpd="sng" algn="ctr">
-                      <a:solidFill>
-                        <a:schemeClr val="tx1"/>
-                      </a:solidFill>
-                      <a:prstDash val="solid"/>
-                      <a:round/>
-                      <a:headEnd type="none" w="med" len="med"/>
-                      <a:tailEnd type="none" w="med" len="med"/>
-                    </a:lnR>
-                    <a:lnT w="12700" cap="flat" cmpd="sng" algn="ctr">
-                      <a:solidFill>
-                        <a:schemeClr val="tx1"/>
-                      </a:solidFill>
-                      <a:prstDash val="solid"/>
-                      <a:round/>
-                      <a:headEnd type="none" w="med" len="med"/>
-                      <a:tailEnd type="none" w="med" len="med"/>
-                    </a:lnT>
-                    <a:lnB w="12700" cap="flat" cmpd="sng" algn="ctr">
-                      <a:solidFill>
-                        <a:schemeClr val="tx1"/>
-                      </a:solidFill>
-                      <a:prstDash val="solid"/>
-                      <a:round/>
-                      <a:headEnd type="none" w="med" len="med"/>
-                      <a:tailEnd type="none" w="med" len="med"/>
-                    </a:lnB>
-                  </a:tcPr>
-                </a:tc>
-                <a:tc>
-                  <a:txBody>
-                    <a:bodyPr/>
-                    <a:lstStyle/>
-                    <a:p>
-                      <a:pPr algn="ctr" latinLnBrk="1"/>
-                      <a:r>
-                        <a:rPr lang="ko-KR" altLang="en-US" sz="1600" dirty="0">
-                          <a:latin typeface="맑은 고딕" panose="020B0503020000020004" pitchFamily="50" charset="-127"/>
-                          <a:ea typeface="맑은 고딕" panose="020B0503020000020004" pitchFamily="50" charset="-127"/>
-                        </a:rPr>
-                        <a:t>최종발표</a:t>
-                      </a:r>
-                    </a:p>
-                  </a:txBody>
-                  <a:tcPr anchor="ctr">
-                    <a:lnL w="12700" cap="flat" cmpd="sng" algn="ctr">
-                      <a:solidFill>
-                        <a:schemeClr val="tx1"/>
-                      </a:solidFill>
-                      <a:prstDash val="solid"/>
-                      <a:round/>
-                      <a:headEnd type="none" w="med" len="med"/>
-                      <a:tailEnd type="none" w="med" len="med"/>
-                    </a:lnL>
-                    <a:lnR w="12700" cap="flat" cmpd="sng" algn="ctr">
-                      <a:solidFill>
-                        <a:schemeClr val="tx1"/>
-                      </a:solidFill>
-                      <a:prstDash val="solid"/>
-                      <a:round/>
-                      <a:headEnd type="none" w="med" len="med"/>
-                      <a:tailEnd type="none" w="med" len="med"/>
-                    </a:lnR>
-                    <a:lnT w="12700" cap="flat" cmpd="sng" algn="ctr">
-                      <a:solidFill>
-                        <a:schemeClr val="tx1"/>
-                      </a:solidFill>
-                      <a:prstDash val="solid"/>
-                      <a:round/>
-                      <a:headEnd type="none" w="med" len="med"/>
-                      <a:tailEnd type="none" w="med" len="med"/>
-                    </a:lnT>
-                    <a:lnB w="12700" cap="flat" cmpd="sng" algn="ctr">
-                      <a:solidFill>
-                        <a:schemeClr val="tx1"/>
-                      </a:solidFill>
-                      <a:prstDash val="solid"/>
-                      <a:round/>
-                      <a:headEnd type="none" w="med" len="med"/>
-                      <a:tailEnd type="none" w="med" len="med"/>
-                    </a:lnB>
-                  </a:tcPr>
-                </a:tc>
-                <a:tc>
-                  <a:txBody>
-                    <a:bodyPr/>
-                    <a:lstStyle/>
-                    <a:p>
-                      <a:pPr marL="0" marR="0" lvl="0" indent="0" algn="ctr" defTabSz="914400" rtl="0" eaLnBrk="1" fontAlgn="auto" latinLnBrk="1" hangingPunct="1">
-                        <a:lnSpc>
-                          <a:spcPct val="100000"/>
-                        </a:lnSpc>
-                        <a:spcBef>
-                          <a:spcPts val="0"/>
-                        </a:spcBef>
-                        <a:spcAft>
-                          <a:spcPts val="0"/>
-                        </a:spcAft>
-                        <a:buClrTx/>
-                        <a:buSzTx/>
-                        <a:buFontTx/>
-                        <a:buNone/>
-                        <a:tabLst/>
-                        <a:defRPr/>
-                      </a:pPr>
-                      <a:r>
-                        <a:rPr lang="ko-KR" altLang="en-US" sz="1600" dirty="0">
-                          <a:latin typeface="맑은 고딕" panose="020B0503020000020004" pitchFamily="50" charset="-127"/>
-                          <a:ea typeface="맑은 고딕" panose="020B0503020000020004" pitchFamily="50" charset="-127"/>
-                        </a:rPr>
-                        <a:t>월 일</a:t>
-                      </a:r>
-                    </a:p>
-                  </a:txBody>
-                  <a:tcPr anchor="ctr">
-                    <a:lnL w="12700" cap="flat" cmpd="sng" algn="ctr">
-                      <a:solidFill>
-                        <a:schemeClr val="tx1"/>
-                      </a:solidFill>
-                      <a:prstDash val="solid"/>
-                      <a:round/>
-                      <a:headEnd type="none" w="med" len="med"/>
-                      <a:tailEnd type="none" w="med" len="med"/>
-                    </a:lnL>
-                    <a:lnR w="12700" cap="flat" cmpd="sng" algn="ctr">
-                      <a:solidFill>
-                        <a:schemeClr val="tx1"/>
-                      </a:solidFill>
-                      <a:prstDash val="solid"/>
-                      <a:round/>
-                      <a:headEnd type="none" w="med" len="med"/>
-                      <a:tailEnd type="none" w="med" len="med"/>
-                    </a:lnR>
-                    <a:lnT w="12700" cap="flat" cmpd="sng" algn="ctr">
-                      <a:solidFill>
-                        <a:schemeClr val="tx1"/>
-                      </a:solidFill>
-                      <a:prstDash val="solid"/>
-                      <a:round/>
-                      <a:headEnd type="none" w="med" len="med"/>
-                      <a:tailEnd type="none" w="med" len="med"/>
-                    </a:lnT>
-                    <a:lnB w="12700" cap="flat" cmpd="sng" algn="ctr">
-                      <a:solidFill>
-                        <a:schemeClr val="tx1"/>
-                      </a:solidFill>
-                      <a:prstDash val="solid"/>
-                      <a:round/>
-                      <a:headEnd type="none" w="med" len="med"/>
-                      <a:tailEnd type="none" w="med" len="med"/>
-                    </a:lnB>
-                  </a:tcPr>
-                </a:tc>
-                <a:tc>
-                  <a:txBody>
-                    <a:bodyPr/>
-                    <a:lstStyle/>
-                    <a:p>
-                      <a:pPr algn="ctr" latinLnBrk="1"/>
-                      <a:r>
-                        <a:rPr lang="ko-KR" altLang="en-US" sz="1600" dirty="0">
-                          <a:latin typeface="맑은 고딕" panose="020B0503020000020004" pitchFamily="50" charset="-127"/>
-                          <a:ea typeface="맑은 고딕" panose="020B0503020000020004" pitchFamily="50" charset="-127"/>
-                        </a:rPr>
-                        <a:t>발표 및 </a:t>
-                      </a:r>
-                      <a:endParaRPr lang="en-US" altLang="ko-KR" sz="1600" dirty="0">
-                        <a:latin typeface="맑은 고딕" panose="020B0503020000020004" pitchFamily="50" charset="-127"/>
-                        <a:ea typeface="맑은 고딕" panose="020B0503020000020004" pitchFamily="50" charset="-127"/>
-                      </a:endParaRPr>
-                    </a:p>
-                    <a:p>
-                      <a:pPr algn="ctr" latinLnBrk="1"/>
-                      <a:r>
-                        <a:rPr lang="ko-KR" altLang="en-US" sz="1600" dirty="0">
-                          <a:latin typeface="맑은 고딕" panose="020B0503020000020004" pitchFamily="50" charset="-127"/>
-                          <a:ea typeface="맑은 고딕" panose="020B0503020000020004" pitchFamily="50" charset="-127"/>
-                        </a:rPr>
-                        <a:t>보고서</a:t>
-                      </a:r>
-                    </a:p>
-                  </a:txBody>
-                  <a:tcPr anchor="ctr">
-                    <a:lnL w="12700" cap="flat" cmpd="sng" algn="ctr">
-                      <a:solidFill>
-                        <a:schemeClr val="tx1"/>
-                      </a:solidFill>
-                      <a:prstDash val="solid"/>
-                      <a:round/>
-                      <a:headEnd type="none" w="med" len="med"/>
-                      <a:tailEnd type="none" w="med" len="med"/>
-                    </a:lnL>
-                    <a:lnR w="12700" cap="flat" cmpd="sng" algn="ctr">
-                      <a:solidFill>
-                        <a:schemeClr val="tx1"/>
-                      </a:solidFill>
-                      <a:prstDash val="solid"/>
-                      <a:round/>
-                      <a:headEnd type="none" w="med" len="med"/>
-                      <a:tailEnd type="none" w="med" len="med"/>
-                    </a:lnR>
-                    <a:lnT w="12700" cap="flat" cmpd="sng" algn="ctr">
-                      <a:solidFill>
-                        <a:schemeClr val="tx1"/>
-                      </a:solidFill>
-                      <a:prstDash val="solid"/>
-                      <a:round/>
-                      <a:headEnd type="none" w="med" len="med"/>
-                      <a:tailEnd type="none" w="med" len="med"/>
-                    </a:lnT>
-                    <a:lnB w="12700" cap="flat" cmpd="sng" algn="ctr">
-                      <a:solidFill>
-                        <a:schemeClr val="tx1"/>
-                      </a:solidFill>
-                      <a:prstDash val="solid"/>
-                      <a:round/>
-                      <a:headEnd type="none" w="med" len="med"/>
-                      <a:tailEnd type="none" w="med" len="med"/>
-                    </a:lnB>
-                  </a:tcPr>
-                </a:tc>
-                <a:extLst>
-                  <a:ext uri="{0D108BD9-81ED-4DB2-BD59-A6C34878D82A}">
-                    <a16:rowId xmlns:a16="http://schemas.microsoft.com/office/drawing/2014/main" val="646058002"/>
-                  </a:ext>
-                </a:extLst>
-              </a:tr>
-              <a:tr h="640080">
-                <a:tc>
-                  <a:txBody>
-                    <a:bodyPr/>
-                    <a:lstStyle/>
-                    <a:p>
-                      <a:pPr algn="ctr" latinLnBrk="1"/>
-                      <a:r>
-                        <a:rPr lang="ko-KR" altLang="en-US" sz="1600" dirty="0">
-                          <a:latin typeface="맑은 고딕" panose="020B0503020000020004" pitchFamily="50" charset="-127"/>
-                          <a:ea typeface="맑은 고딕" panose="020B0503020000020004" pitchFamily="50" charset="-127"/>
-                        </a:rPr>
-                        <a:t>매뉴얼 및 작품</a:t>
-                      </a:r>
-                    </a:p>
-                  </a:txBody>
-                  <a:tcPr anchor="ctr">
-                    <a:lnL w="12700" cap="flat" cmpd="sng" algn="ctr">
-                      <a:solidFill>
-                        <a:schemeClr val="tx1"/>
-                      </a:solidFill>
-                      <a:prstDash val="solid"/>
-                      <a:round/>
-                      <a:headEnd type="none" w="med" len="med"/>
-                      <a:tailEnd type="none" w="med" len="med"/>
-                    </a:lnL>
-                    <a:lnR w="12700" cap="flat" cmpd="sng" algn="ctr">
-                      <a:solidFill>
-                        <a:schemeClr val="tx1"/>
-                      </a:solidFill>
-                      <a:prstDash val="solid"/>
-                      <a:round/>
-                      <a:headEnd type="none" w="med" len="med"/>
-                      <a:tailEnd type="none" w="med" len="med"/>
-                    </a:lnR>
-                    <a:lnT w="12700" cap="flat" cmpd="sng" algn="ctr">
-                      <a:solidFill>
-                        <a:schemeClr val="tx1"/>
-                      </a:solidFill>
-                      <a:prstDash val="solid"/>
-                      <a:round/>
-                      <a:headEnd type="none" w="med" len="med"/>
-                      <a:tailEnd type="none" w="med" len="med"/>
-                    </a:lnT>
-                    <a:lnB w="12700" cap="flat" cmpd="sng" algn="ctr">
-                      <a:solidFill>
-                        <a:schemeClr val="tx1"/>
-                      </a:solidFill>
-                      <a:prstDash val="solid"/>
-                      <a:round/>
-                      <a:headEnd type="none" w="med" len="med"/>
-                      <a:tailEnd type="none" w="med" len="med"/>
-                    </a:lnB>
-                  </a:tcPr>
-                </a:tc>
-                <a:tc>
-                  <a:txBody>
-                    <a:bodyPr/>
-                    <a:lstStyle/>
-                    <a:p>
-                      <a:pPr algn="ctr" latinLnBrk="1"/>
-                      <a:r>
-                        <a:rPr lang="ko-KR" altLang="en-US" sz="1600" dirty="0">
-                          <a:latin typeface="맑은 고딕" panose="020B0503020000020004" pitchFamily="50" charset="-127"/>
-                          <a:ea typeface="맑은 고딕" panose="020B0503020000020004" pitchFamily="50" charset="-127"/>
-                        </a:rPr>
-                        <a:t>사용자 매뉴얼 및</a:t>
-                      </a:r>
-                      <a:endParaRPr lang="en-US" altLang="ko-KR" sz="1600" dirty="0">
-                        <a:latin typeface="맑은 고딕" panose="020B0503020000020004" pitchFamily="50" charset="-127"/>
-                        <a:ea typeface="맑은 고딕" panose="020B0503020000020004" pitchFamily="50" charset="-127"/>
-                      </a:endParaRPr>
-                    </a:p>
-                    <a:p>
-                      <a:pPr algn="ctr" latinLnBrk="1"/>
-                      <a:r>
-                        <a:rPr lang="ko-KR" altLang="en-US" sz="1600" dirty="0">
-                          <a:latin typeface="맑은 고딕" panose="020B0503020000020004" pitchFamily="50" charset="-127"/>
-                          <a:ea typeface="맑은 고딕" panose="020B0503020000020004" pitchFamily="50" charset="-127"/>
-                        </a:rPr>
-                        <a:t>문서자료</a:t>
-                      </a:r>
-                    </a:p>
-                  </a:txBody>
-                  <a:tcPr anchor="ctr">
-                    <a:lnL w="12700" cap="flat" cmpd="sng" algn="ctr">
-                      <a:solidFill>
-                        <a:schemeClr val="tx1"/>
-                      </a:solidFill>
-                      <a:prstDash val="solid"/>
-                      <a:round/>
-                      <a:headEnd type="none" w="med" len="med"/>
-                      <a:tailEnd type="none" w="med" len="med"/>
-                    </a:lnL>
-                    <a:lnR w="12700" cap="flat" cmpd="sng" algn="ctr">
-                      <a:solidFill>
-                        <a:schemeClr val="tx1"/>
-                      </a:solidFill>
-                      <a:prstDash val="solid"/>
-                      <a:round/>
-                      <a:headEnd type="none" w="med" len="med"/>
-                      <a:tailEnd type="none" w="med" len="med"/>
-                    </a:lnR>
-                    <a:lnT w="12700" cap="flat" cmpd="sng" algn="ctr">
-                      <a:solidFill>
-                        <a:schemeClr val="tx1"/>
-                      </a:solidFill>
-                      <a:prstDash val="solid"/>
-                      <a:round/>
-                      <a:headEnd type="none" w="med" len="med"/>
-                      <a:tailEnd type="none" w="med" len="med"/>
-                    </a:lnT>
-                    <a:lnB w="12700" cap="flat" cmpd="sng" algn="ctr">
-                      <a:solidFill>
-                        <a:schemeClr val="tx1"/>
-                      </a:solidFill>
-                      <a:prstDash val="solid"/>
-                      <a:round/>
-                      <a:headEnd type="none" w="med" len="med"/>
-                      <a:tailEnd type="none" w="med" len="med"/>
-                    </a:lnB>
-                  </a:tcPr>
-                </a:tc>
-                <a:tc>
-                  <a:txBody>
-                    <a:bodyPr/>
-                    <a:lstStyle/>
-                    <a:p>
-                      <a:pPr algn="ctr" latinLnBrk="1"/>
-                      <a:r>
-                        <a:rPr lang="ko-KR" altLang="en-US" sz="1600" dirty="0">
-                          <a:latin typeface="맑은 고딕" panose="020B0503020000020004" pitchFamily="50" charset="-127"/>
-                          <a:ea typeface="맑은 고딕" panose="020B0503020000020004" pitchFamily="50" charset="-127"/>
-                        </a:rPr>
-                        <a:t>프로젝트 문서</a:t>
-                      </a:r>
-                      <a:r>
-                        <a:rPr lang="en-US" altLang="ko-KR" sz="1600" dirty="0">
-                          <a:latin typeface="맑은 고딕" panose="020B0503020000020004" pitchFamily="50" charset="-127"/>
-                          <a:ea typeface="맑은 고딕" panose="020B0503020000020004" pitchFamily="50" charset="-127"/>
-                        </a:rPr>
-                        <a:t>, </a:t>
-                      </a:r>
-                    </a:p>
-                    <a:p>
-                      <a:pPr algn="ctr" latinLnBrk="1"/>
-                      <a:r>
-                        <a:rPr lang="ko-KR" altLang="en-US" sz="1600" dirty="0">
-                          <a:latin typeface="맑은 고딕" panose="020B0503020000020004" pitchFamily="50" charset="-127"/>
-                          <a:ea typeface="맑은 고딕" panose="020B0503020000020004" pitchFamily="50" charset="-127"/>
-                        </a:rPr>
-                        <a:t>사용자 숙지 기능 설명서</a:t>
-                      </a:r>
-                    </a:p>
-                  </a:txBody>
-                  <a:tcPr anchor="ctr">
-                    <a:lnL w="12700" cap="flat" cmpd="sng" algn="ctr">
-                      <a:solidFill>
-                        <a:schemeClr val="tx1"/>
-                      </a:solidFill>
-                      <a:prstDash val="solid"/>
-                      <a:round/>
-                      <a:headEnd type="none" w="med" len="med"/>
-                      <a:tailEnd type="none" w="med" len="med"/>
-                    </a:lnL>
-                    <a:lnR w="12700" cap="flat" cmpd="sng" algn="ctr">
-                      <a:solidFill>
-                        <a:schemeClr val="tx1"/>
-                      </a:solidFill>
-                      <a:prstDash val="solid"/>
-                      <a:round/>
-                      <a:headEnd type="none" w="med" len="med"/>
-                      <a:tailEnd type="none" w="med" len="med"/>
-                    </a:lnR>
-                    <a:lnT w="12700" cap="flat" cmpd="sng" algn="ctr">
-                      <a:solidFill>
-                        <a:schemeClr val="tx1"/>
-                      </a:solidFill>
-                      <a:prstDash val="solid"/>
-                      <a:round/>
-                      <a:headEnd type="none" w="med" len="med"/>
-                      <a:tailEnd type="none" w="med" len="med"/>
-                    </a:lnT>
-                    <a:lnB w="12700" cap="flat" cmpd="sng" algn="ctr">
-                      <a:solidFill>
-                        <a:schemeClr val="tx1"/>
-                      </a:solidFill>
-                      <a:prstDash val="solid"/>
-                      <a:round/>
-                      <a:headEnd type="none" w="med" len="med"/>
-                      <a:tailEnd type="none" w="med" len="med"/>
-                    </a:lnB>
-                  </a:tcPr>
-                </a:tc>
-                <a:tc>
-                  <a:txBody>
-                    <a:bodyPr/>
-                    <a:lstStyle/>
-                    <a:p>
-                      <a:pPr marL="0" marR="0" lvl="0" indent="0" algn="ctr" defTabSz="914400" rtl="0" eaLnBrk="1" fontAlgn="auto" latinLnBrk="1" hangingPunct="1">
-                        <a:lnSpc>
-                          <a:spcPct val="100000"/>
-                        </a:lnSpc>
-                        <a:spcBef>
-                          <a:spcPts val="0"/>
-                        </a:spcBef>
-                        <a:spcAft>
-                          <a:spcPts val="0"/>
-                        </a:spcAft>
-                        <a:buClrTx/>
-                        <a:buSzTx/>
-                        <a:buFontTx/>
-                        <a:buNone/>
-                        <a:tabLst/>
-                        <a:defRPr/>
-                      </a:pPr>
-                      <a:r>
-                        <a:rPr lang="ko-KR" altLang="en-US" sz="1600" dirty="0">
-                          <a:latin typeface="맑은 고딕" panose="020B0503020000020004" pitchFamily="50" charset="-127"/>
-                          <a:ea typeface="맑은 고딕" panose="020B0503020000020004" pitchFamily="50" charset="-127"/>
-                        </a:rPr>
-                        <a:t>월 일</a:t>
-                      </a:r>
-                    </a:p>
-                  </a:txBody>
-                  <a:tcPr anchor="ctr">
-                    <a:lnL w="12700" cap="flat" cmpd="sng" algn="ctr">
-                      <a:solidFill>
-                        <a:schemeClr val="tx1"/>
-                      </a:solidFill>
-                      <a:prstDash val="solid"/>
-                      <a:round/>
-                      <a:headEnd type="none" w="med" len="med"/>
-                      <a:tailEnd type="none" w="med" len="med"/>
-                    </a:lnL>
-                    <a:lnR w="12700" cap="flat" cmpd="sng" algn="ctr">
-                      <a:solidFill>
-                        <a:schemeClr val="tx1"/>
-                      </a:solidFill>
-                      <a:prstDash val="solid"/>
-                      <a:round/>
-                      <a:headEnd type="none" w="med" len="med"/>
-                      <a:tailEnd type="none" w="med" len="med"/>
-                    </a:lnR>
-                    <a:lnT w="12700" cap="flat" cmpd="sng" algn="ctr">
-                      <a:solidFill>
-                        <a:schemeClr val="tx1"/>
-                      </a:solidFill>
-                      <a:prstDash val="solid"/>
-                      <a:round/>
-                      <a:headEnd type="none" w="med" len="med"/>
-                      <a:tailEnd type="none" w="med" len="med"/>
-                    </a:lnT>
-                    <a:lnB w="12700" cap="flat" cmpd="sng" algn="ctr">
-                      <a:solidFill>
-                        <a:schemeClr val="tx1"/>
-                      </a:solidFill>
-                      <a:prstDash val="solid"/>
-                      <a:round/>
-                      <a:headEnd type="none" w="med" len="med"/>
-                      <a:tailEnd type="none" w="med" len="med"/>
-                    </a:lnB>
-                  </a:tcPr>
-                </a:tc>
-                <a:tc>
-                  <a:txBody>
-                    <a:bodyPr/>
-                    <a:lstStyle/>
-                    <a:p>
-                      <a:pPr algn="ctr" latinLnBrk="1"/>
-                      <a:r>
-                        <a:rPr lang="ko-KR" altLang="en-US" sz="1600" dirty="0">
-                          <a:latin typeface="맑은 고딕" panose="020B0503020000020004" pitchFamily="50" charset="-127"/>
-                          <a:ea typeface="맑은 고딕" panose="020B0503020000020004" pitchFamily="50" charset="-127"/>
-                        </a:rPr>
-                        <a:t>파일</a:t>
-                      </a:r>
-                    </a:p>
-                  </a:txBody>
-                  <a:tcPr anchor="ctr">
-                    <a:lnL w="12700" cap="flat" cmpd="sng" algn="ctr">
-                      <a:solidFill>
-                        <a:schemeClr val="tx1"/>
-                      </a:solidFill>
-                      <a:prstDash val="solid"/>
-                      <a:round/>
-                      <a:headEnd type="none" w="med" len="med"/>
-                      <a:tailEnd type="none" w="med" len="med"/>
-                    </a:lnL>
-                    <a:lnR w="12700" cap="flat" cmpd="sng" algn="ctr">
-                      <a:solidFill>
-                        <a:schemeClr val="tx1"/>
-                      </a:solidFill>
-                      <a:prstDash val="solid"/>
-                      <a:round/>
-                      <a:headEnd type="none" w="med" len="med"/>
-                      <a:tailEnd type="none" w="med" len="med"/>
-                    </a:lnR>
-                    <a:lnT w="12700" cap="flat" cmpd="sng" algn="ctr">
-                      <a:solidFill>
-                        <a:schemeClr val="tx1"/>
-                      </a:solidFill>
-                      <a:prstDash val="solid"/>
-                      <a:round/>
-                      <a:headEnd type="none" w="med" len="med"/>
-                      <a:tailEnd type="none" w="med" len="med"/>
-                    </a:lnT>
-                    <a:lnB w="12700" cap="flat" cmpd="sng" algn="ctr">
-                      <a:solidFill>
-                        <a:schemeClr val="tx1"/>
-                      </a:solidFill>
-                      <a:prstDash val="solid"/>
-                      <a:round/>
-                      <a:headEnd type="none" w="med" len="med"/>
-                      <a:tailEnd type="none" w="med" len="med"/>
-                    </a:lnB>
-                  </a:tcPr>
-                </a:tc>
-                <a:extLst>
-                  <a:ext uri="{0D108BD9-81ED-4DB2-BD59-A6C34878D82A}">
-                    <a16:rowId xmlns:a16="http://schemas.microsoft.com/office/drawing/2014/main" val="2773443944"/>
-                  </a:ext>
-                </a:extLst>
-              </a:tr>
-            </a:tbl>
-          </a:graphicData>
-        </a:graphic>
-      </p:graphicFrame>
+      <p:pic>
+        <p:nvPicPr>
+          <p:cNvPr id="10244" name="그림 10243"/>
+          <p:cNvPicPr>
+            <a:picLocks noChangeAspect="1"/>
+          </p:cNvPicPr>
+          <p:nvPr/>
+        </p:nvPicPr>
+        <p:blipFill rotWithShape="1">
+          <a:blip r:embed="rId2"/>
+          <a:stretch>
+            <a:fillRect/>
+          </a:stretch>
+        </p:blipFill>
+        <p:spPr>
+          <a:xfrm>
+            <a:off x="639150" y="1905047"/>
+            <a:ext cx="2965956" cy="3581306"/>
+          </a:xfrm>
+          <a:prstGeom prst="rect">
+            <a:avLst/>
+          </a:prstGeom>
+        </p:spPr>
+      </p:pic>
+      <p:sp>
+        <p:nvSpPr>
+          <p:cNvPr id="7" name="직사각형 6"/>
+          <p:cNvSpPr/>
+          <p:nvPr/>
+        </p:nvSpPr>
+        <p:spPr>
+          <a:xfrm>
+            <a:off x="3158836" y="2048115"/>
+            <a:ext cx="340822" cy="212948"/>
+          </a:xfrm>
+          <a:prstGeom prst="rect">
+            <a:avLst/>
+          </a:prstGeom>
+          <a:noFill/>
+          <a:ln w="38100">
+            <a:solidFill>
+              <a:srgbClr val="FF0000"/>
+            </a:solidFill>
+          </a:ln>
+        </p:spPr>
+        <p:style>
+          <a:lnRef idx="2">
+            <a:schemeClr val="accent1">
+              <a:shade val="50000"/>
+            </a:schemeClr>
+          </a:lnRef>
+          <a:fillRef idx="1">
+            <a:schemeClr val="accent1"/>
+          </a:fillRef>
+          <a:effectRef idx="0">
+            <a:schemeClr val="accent1"/>
+          </a:effectRef>
+          <a:fontRef idx="minor">
+            <a:schemeClr val="lt1"/>
+          </a:fontRef>
+        </p:style>
+        <p:txBody>
+          <a:bodyPr rtlCol="0" anchor="ctr"/>
+          <a:lstStyle/>
+          <a:p>
+            <a:pPr algn="ctr"/>
+            <a:endParaRPr lang="ko-KR" altLang="en-US"/>
+          </a:p>
+        </p:txBody>
+      </p:sp>
+      <p:cxnSp>
+        <p:nvCxnSpPr>
+          <p:cNvPr id="8" name="직선 화살표 연결선 7"/>
+          <p:cNvCxnSpPr>
+            <a:stCxn id="7" idx="3"/>
+            <a:endCxn id="9" idx="1"/>
+          </p:cNvCxnSpPr>
+          <p:nvPr/>
+        </p:nvCxnSpPr>
+        <p:spPr>
+          <a:xfrm>
+            <a:off x="3499658" y="2154589"/>
+            <a:ext cx="371172" cy="439395"/>
+          </a:xfrm>
+          <a:prstGeom prst="straightConnector1">
+            <a:avLst/>
+          </a:prstGeom>
+          <a:ln>
+            <a:solidFill>
+              <a:srgbClr val="FF0000"/>
+            </a:solidFill>
+            <a:tailEnd type="triangle"/>
+          </a:ln>
+        </p:spPr>
+        <p:style>
+          <a:lnRef idx="1">
+            <a:schemeClr val="accent1"/>
+          </a:lnRef>
+          <a:fillRef idx="0">
+            <a:schemeClr val="accent1"/>
+          </a:fillRef>
+          <a:effectRef idx="0">
+            <a:schemeClr val="accent1"/>
+          </a:effectRef>
+          <a:fontRef idx="minor">
+            <a:schemeClr val="tx1"/>
+          </a:fontRef>
+        </p:style>
+      </p:cxnSp>
+      <p:sp>
+        <p:nvSpPr>
+          <p:cNvPr id="9" name="직사각형 8"/>
+          <p:cNvSpPr/>
+          <p:nvPr/>
+        </p:nvSpPr>
+        <p:spPr>
+          <a:xfrm>
+            <a:off x="3870830" y="1905047"/>
+            <a:ext cx="2003368" cy="1377873"/>
+          </a:xfrm>
+          <a:prstGeom prst="rect">
+            <a:avLst/>
+          </a:prstGeom>
+          <a:noFill/>
+          <a:ln>
+            <a:solidFill>
+              <a:srgbClr val="FF0000"/>
+            </a:solidFill>
+          </a:ln>
+        </p:spPr>
+        <p:style>
+          <a:lnRef idx="2">
+            <a:schemeClr val="accent1">
+              <a:shade val="50000"/>
+            </a:schemeClr>
+          </a:lnRef>
+          <a:fillRef idx="1">
+            <a:schemeClr val="accent1"/>
+          </a:fillRef>
+          <a:effectRef idx="0">
+            <a:schemeClr val="accent1"/>
+          </a:effectRef>
+          <a:fontRef idx="minor">
+            <a:schemeClr val="lt1"/>
+          </a:fontRef>
+        </p:style>
+        <p:txBody>
+          <a:bodyPr rtlCol="0" anchor="ctr"/>
+          <a:lstStyle/>
+          <a:p>
+            <a:pPr algn="ctr"/>
+            <a:r>
+              <a:rPr lang="ko-KR" altLang="en-US" sz="1300" b="1" dirty="0" smtClean="0">
+                <a:solidFill>
+                  <a:schemeClr val="tx1"/>
+                </a:solidFill>
+              </a:rPr>
+              <a:t>스코어 모듈</a:t>
+            </a:r>
+            <a:endParaRPr lang="en-US" altLang="ko-KR" sz="1300" b="1" dirty="0" smtClean="0">
+              <a:solidFill>
+                <a:schemeClr val="tx1"/>
+              </a:solidFill>
+            </a:endParaRPr>
+          </a:p>
+          <a:p>
+            <a:pPr marL="171450" indent="-171450" algn="ctr">
+              <a:buFont typeface="Wingdings" panose="05000000000000000000" pitchFamily="2" charset="2"/>
+              <a:buChar char="Ø"/>
+            </a:pPr>
+            <a:r>
+              <a:rPr lang="ko-KR" altLang="en-US" sz="1200" dirty="0" smtClean="0">
+                <a:solidFill>
+                  <a:schemeClr val="tx1"/>
+                </a:solidFill>
+              </a:rPr>
+              <a:t>방향키를 눌러 플레이어가 이동</a:t>
+            </a:r>
+            <a:r>
+              <a:rPr lang="en-US" altLang="ko-KR" sz="1200" dirty="0" smtClean="0">
+                <a:solidFill>
+                  <a:schemeClr val="tx1"/>
+                </a:solidFill>
+              </a:rPr>
+              <a:t>(</a:t>
+            </a:r>
+            <a:r>
+              <a:rPr lang="ko-KR" altLang="en-US" sz="1200" dirty="0" smtClean="0">
+                <a:solidFill>
+                  <a:schemeClr val="tx1"/>
+                </a:solidFill>
+              </a:rPr>
+              <a:t>나무를 팸</a:t>
+            </a:r>
+            <a:r>
+              <a:rPr lang="en-US" altLang="ko-KR" sz="1200" dirty="0" smtClean="0">
+                <a:solidFill>
+                  <a:schemeClr val="tx1"/>
+                </a:solidFill>
+              </a:rPr>
+              <a:t>)</a:t>
+            </a:r>
+            <a:r>
+              <a:rPr lang="ko-KR" altLang="en-US" sz="1200" dirty="0" smtClean="0">
+                <a:solidFill>
+                  <a:schemeClr val="tx1"/>
+                </a:solidFill>
+              </a:rPr>
+              <a:t>한 이후 플레이어와 나무가 겹치지 않았다면</a:t>
+            </a:r>
+            <a:r>
+              <a:rPr lang="en-US" altLang="ko-KR" sz="1200" dirty="0">
+                <a:solidFill>
+                  <a:schemeClr val="tx1"/>
+                </a:solidFill>
+              </a:rPr>
+              <a:t> </a:t>
+            </a:r>
+            <a:r>
+              <a:rPr lang="en-US" altLang="ko-KR" sz="1200" dirty="0" smtClean="0">
+                <a:solidFill>
+                  <a:schemeClr val="tx1"/>
+                </a:solidFill>
+              </a:rPr>
+              <a:t>1</a:t>
+            </a:r>
+            <a:r>
+              <a:rPr lang="ko-KR" altLang="en-US" sz="1200" dirty="0" smtClean="0">
+                <a:solidFill>
+                  <a:schemeClr val="tx1"/>
+                </a:solidFill>
+              </a:rPr>
+              <a:t>씩 증가</a:t>
+            </a:r>
+            <a:endParaRPr lang="en-US" altLang="ko-KR" sz="1200" dirty="0" smtClean="0">
+              <a:solidFill>
+                <a:schemeClr val="tx1"/>
+              </a:solidFill>
+            </a:endParaRPr>
+          </a:p>
+          <a:p>
+            <a:pPr marL="171450" indent="-171450" algn="ctr">
+              <a:buFont typeface="Wingdings" panose="05000000000000000000" pitchFamily="2" charset="2"/>
+              <a:buChar char="Ø"/>
+            </a:pPr>
+            <a:r>
+              <a:rPr lang="ko-KR" altLang="en-US" sz="1200" dirty="0" smtClean="0">
+                <a:solidFill>
+                  <a:schemeClr val="tx1"/>
+                </a:solidFill>
+              </a:rPr>
+              <a:t>게임 </a:t>
+            </a:r>
+            <a:r>
+              <a:rPr lang="ko-KR" altLang="en-US" sz="1200" dirty="0" err="1" smtClean="0">
+                <a:solidFill>
+                  <a:schemeClr val="tx1"/>
+                </a:solidFill>
+              </a:rPr>
+              <a:t>오버시</a:t>
+            </a:r>
+            <a:r>
+              <a:rPr lang="ko-KR" altLang="en-US" sz="1200" dirty="0" smtClean="0">
+                <a:solidFill>
+                  <a:schemeClr val="tx1"/>
+                </a:solidFill>
+              </a:rPr>
+              <a:t> 초기화</a:t>
+            </a:r>
+            <a:endParaRPr lang="en-US" altLang="ko-KR" sz="1200" dirty="0" smtClean="0">
+              <a:solidFill>
+                <a:schemeClr val="tx1"/>
+              </a:solidFill>
+            </a:endParaRPr>
+          </a:p>
+        </p:txBody>
+      </p:sp>
+      <p:pic>
+        <p:nvPicPr>
+          <p:cNvPr id="13" name="그림 12"/>
+          <p:cNvPicPr>
+            <a:picLocks noChangeAspect="1"/>
+          </p:cNvPicPr>
+          <p:nvPr/>
+        </p:nvPicPr>
+        <p:blipFill rotWithShape="1">
+          <a:blip r:embed="rId3"/>
+          <a:stretch>
+            <a:fillRect/>
+          </a:stretch>
+        </p:blipFill>
+        <p:spPr>
+          <a:xfrm>
+            <a:off x="6139922" y="1905047"/>
+            <a:ext cx="2543984" cy="3428999"/>
+          </a:xfrm>
+          <a:prstGeom prst="rect">
+            <a:avLst/>
+          </a:prstGeom>
+        </p:spPr>
+      </p:pic>
+      <p:sp>
+        <p:nvSpPr>
+          <p:cNvPr id="23" name="직사각형 22"/>
+          <p:cNvSpPr/>
+          <p:nvPr/>
+        </p:nvSpPr>
+        <p:spPr>
+          <a:xfrm>
+            <a:off x="6982691" y="3282920"/>
+            <a:ext cx="986321" cy="890069"/>
+          </a:xfrm>
+          <a:prstGeom prst="rect">
+            <a:avLst/>
+          </a:prstGeom>
+          <a:noFill/>
+          <a:ln w="38100">
+            <a:solidFill>
+              <a:srgbClr val="FF0000"/>
+            </a:solidFill>
+          </a:ln>
+        </p:spPr>
+        <p:style>
+          <a:lnRef idx="2">
+            <a:schemeClr val="accent1">
+              <a:shade val="50000"/>
+            </a:schemeClr>
+          </a:lnRef>
+          <a:fillRef idx="1">
+            <a:schemeClr val="accent1"/>
+          </a:fillRef>
+          <a:effectRef idx="0">
+            <a:schemeClr val="accent1"/>
+          </a:effectRef>
+          <a:fontRef idx="minor">
+            <a:schemeClr val="lt1"/>
+          </a:fontRef>
+        </p:style>
+        <p:txBody>
+          <a:bodyPr rtlCol="0" anchor="ctr"/>
+          <a:lstStyle/>
+          <a:p>
+            <a:pPr algn="ctr"/>
+            <a:endParaRPr lang="ko-KR" altLang="en-US"/>
+          </a:p>
+        </p:txBody>
+      </p:sp>
+      <p:cxnSp>
+        <p:nvCxnSpPr>
+          <p:cNvPr id="24" name="직선 화살표 연결선 23"/>
+          <p:cNvCxnSpPr>
+            <a:stCxn id="23" idx="3"/>
+            <a:endCxn id="25" idx="1"/>
+          </p:cNvCxnSpPr>
+          <p:nvPr/>
+        </p:nvCxnSpPr>
+        <p:spPr>
+          <a:xfrm>
+            <a:off x="7969012" y="3727955"/>
+            <a:ext cx="980618" cy="666346"/>
+          </a:xfrm>
+          <a:prstGeom prst="straightConnector1">
+            <a:avLst/>
+          </a:prstGeom>
+          <a:ln>
+            <a:solidFill>
+              <a:srgbClr val="FF0000"/>
+            </a:solidFill>
+            <a:tailEnd type="triangle"/>
+          </a:ln>
+        </p:spPr>
+        <p:style>
+          <a:lnRef idx="1">
+            <a:schemeClr val="accent1"/>
+          </a:lnRef>
+          <a:fillRef idx="0">
+            <a:schemeClr val="accent1"/>
+          </a:fillRef>
+          <a:effectRef idx="0">
+            <a:schemeClr val="accent1"/>
+          </a:effectRef>
+          <a:fontRef idx="minor">
+            <a:schemeClr val="tx1"/>
+          </a:fontRef>
+        </p:style>
+      </p:cxnSp>
+      <p:sp>
+        <p:nvSpPr>
+          <p:cNvPr id="25" name="직사각형 24"/>
+          <p:cNvSpPr/>
+          <p:nvPr/>
+        </p:nvSpPr>
+        <p:spPr>
+          <a:xfrm>
+            <a:off x="8949630" y="3705364"/>
+            <a:ext cx="3178639" cy="1377873"/>
+          </a:xfrm>
+          <a:prstGeom prst="rect">
+            <a:avLst/>
+          </a:prstGeom>
+          <a:noFill/>
+          <a:ln>
+            <a:solidFill>
+              <a:srgbClr val="FF0000"/>
+            </a:solidFill>
+          </a:ln>
+        </p:spPr>
+        <p:style>
+          <a:lnRef idx="2">
+            <a:schemeClr val="accent1">
+              <a:shade val="50000"/>
+            </a:schemeClr>
+          </a:lnRef>
+          <a:fillRef idx="1">
+            <a:schemeClr val="accent1"/>
+          </a:fillRef>
+          <a:effectRef idx="0">
+            <a:schemeClr val="accent1"/>
+          </a:effectRef>
+          <a:fontRef idx="minor">
+            <a:schemeClr val="lt1"/>
+          </a:fontRef>
+        </p:style>
+        <p:txBody>
+          <a:bodyPr rtlCol="0" anchor="ctr"/>
+          <a:lstStyle/>
+          <a:p>
+            <a:pPr algn="ctr"/>
+            <a:r>
+              <a:rPr lang="ko-KR" altLang="en-US" sz="1300" b="1" dirty="0" smtClean="0">
+                <a:solidFill>
+                  <a:schemeClr val="tx1"/>
+                </a:solidFill>
+              </a:rPr>
+              <a:t>게임 오버 모듈</a:t>
+            </a:r>
+            <a:endParaRPr lang="en-US" altLang="ko-KR" sz="1300" b="1" dirty="0" smtClean="0">
+              <a:solidFill>
+                <a:schemeClr val="tx1"/>
+              </a:solidFill>
+            </a:endParaRPr>
+          </a:p>
+          <a:p>
+            <a:pPr marL="171450" indent="-171450" algn="ctr">
+              <a:buFont typeface="Wingdings" panose="05000000000000000000" pitchFamily="2" charset="2"/>
+              <a:buChar char="Ø"/>
+            </a:pPr>
+            <a:r>
+              <a:rPr lang="ko-KR" altLang="en-US" sz="1200" dirty="0" smtClean="0">
+                <a:solidFill>
+                  <a:schemeClr val="tx1"/>
+                </a:solidFill>
+              </a:rPr>
+              <a:t>플레이어가 나무와 겹치거나</a:t>
+            </a:r>
+            <a:r>
+              <a:rPr lang="en-US" altLang="ko-KR" sz="1200" dirty="0" smtClean="0">
+                <a:solidFill>
+                  <a:schemeClr val="tx1"/>
+                </a:solidFill>
+              </a:rPr>
+              <a:t>, </a:t>
+            </a:r>
+            <a:r>
+              <a:rPr lang="ko-KR" altLang="en-US" sz="1200" dirty="0" smtClean="0">
+                <a:solidFill>
+                  <a:schemeClr val="tx1"/>
+                </a:solidFill>
+              </a:rPr>
+              <a:t>제한 시간 안에 나무를 패지 못하면 실행</a:t>
+            </a:r>
+            <a:endParaRPr lang="en-US" altLang="ko-KR" sz="1200" dirty="0" smtClean="0">
+              <a:solidFill>
+                <a:schemeClr val="tx1"/>
+              </a:solidFill>
+            </a:endParaRPr>
+          </a:p>
+          <a:p>
+            <a:pPr marL="171450" indent="-171450" algn="ctr">
+              <a:buFont typeface="Wingdings" panose="05000000000000000000" pitchFamily="2" charset="2"/>
+              <a:buChar char="Ø"/>
+            </a:pPr>
+            <a:r>
+              <a:rPr lang="ko-KR" altLang="en-US" sz="1200" dirty="0" smtClean="0">
+                <a:solidFill>
+                  <a:schemeClr val="tx1"/>
+                </a:solidFill>
+              </a:rPr>
+              <a:t>플레이어가 획득한 점수를 보여주고</a:t>
+            </a:r>
+            <a:r>
+              <a:rPr lang="en-US" altLang="ko-KR" sz="1200" dirty="0" smtClean="0">
+                <a:solidFill>
+                  <a:schemeClr val="tx1"/>
+                </a:solidFill>
+              </a:rPr>
+              <a:t>, </a:t>
+            </a:r>
+            <a:r>
+              <a:rPr lang="ko-KR" altLang="en-US" sz="1200" dirty="0" smtClean="0">
+                <a:solidFill>
+                  <a:schemeClr val="tx1"/>
+                </a:solidFill>
+              </a:rPr>
+              <a:t>타이머를 비롯한 모든 전역 변수를 초기 상태로 되돌림</a:t>
+            </a:r>
+            <a:endParaRPr lang="en-US" altLang="ko-KR" sz="1200" dirty="0" smtClean="0">
+              <a:solidFill>
+                <a:schemeClr val="tx1"/>
+              </a:solidFill>
+            </a:endParaRPr>
+          </a:p>
+          <a:p>
+            <a:pPr marL="171450" indent="-171450" algn="ctr">
+              <a:buFont typeface="Wingdings" panose="05000000000000000000" pitchFamily="2" charset="2"/>
+              <a:buChar char="Ø"/>
+            </a:pPr>
+            <a:r>
+              <a:rPr lang="ko-KR" altLang="en-US" sz="1200" dirty="0" smtClean="0">
+                <a:solidFill>
+                  <a:schemeClr val="tx1"/>
+                </a:solidFill>
+              </a:rPr>
+              <a:t>확인 버튼을 누르면 초기 화면으로 돌아감</a:t>
+            </a:r>
+            <a:endParaRPr lang="en-US" altLang="ko-KR" sz="1200" dirty="0" smtClean="0">
+              <a:solidFill>
+                <a:schemeClr val="tx1"/>
+              </a:solidFill>
+            </a:endParaRPr>
+          </a:p>
+        </p:txBody>
+      </p:sp>
     </p:spTree>
+    <p:extLst>
+      <p:ext uri="{BB962C8B-B14F-4D97-AF65-F5344CB8AC3E}">
+        <p14:creationId xmlns:p14="http://schemas.microsoft.com/office/powerpoint/2010/main" val="459943769"/>
+      </p:ext>
+    </p:extLst>
   </p:cSld>
   <p:clrMapOvr>
     <a:masterClrMapping/>
   </p:clrMapOvr>
+  <mc:AlternateContent xmlns:mc="http://schemas.openxmlformats.org/markup-compatibility/2006" xmlns:p14="http://schemas.microsoft.com/office/powerpoint/2010/main">
+    <mc:Choice Requires="p14">
+      <p:transition/>
+    </mc:Choice>
+    <mc:Fallback xmlns:dsp="http://schemas.microsoft.com/office/drawing/2008/diagram" xmlns:dgm="http://schemas.openxmlformats.org/drawingml/2006/diagram" xmlns:c="http://schemas.openxmlformats.org/drawingml/2006/chart" xmlns="">
+      <p:transition/>
+    </mc:Fallback>
+  </mc:AlternateContent>
   <p:timing>
     <p:tnLst>
       <p:par>
@@ -13810,14 +15686,14 @@
 </file>
 
 <file path=ppt/theme/theme1.xml><?xml version="1.0" encoding="utf-8"?>
-<a:theme xmlns:r="http://schemas.openxmlformats.org/officeDocument/2006/relationships" xmlns:c="http://schemas.openxmlformats.org/drawingml/2006/chart" xmlns:dgm="http://schemas.openxmlformats.org/drawingml/2006/diagram" xmlns:dsp="http://schemas.microsoft.com/office/drawing/2008/diagram" xmlns:a="http://schemas.openxmlformats.org/drawingml/2006/main" xmlns:pic="http://schemas.openxmlformats.org/drawingml/2006/picture" xmlns:wp="http://schemas.openxmlformats.org/drawingml/2006/wordprocessingDrawing" xmlns:xdr="http://schemas.openxmlformats.org/drawingml/2006/spreadsheetDrawing" name="기본 디자인">
+<a:theme xmlns:a="http://schemas.openxmlformats.org/drawingml/2006/main" name="기본 디자인">
   <a:themeElements>
     <a:clrScheme name="기본 디자인 1">
       <a:dk1>
         <a:srgbClr val="000000"/>
       </a:dk1>
       <a:lt1>
-        <a:srgbClr val="ffffff"/>
+        <a:srgbClr val="FFFFFF"/>
       </a:lt1>
       <a:dk2>
         <a:srgbClr val="000000"/>
@@ -13826,28 +15702,28 @@
         <a:srgbClr val="808080"/>
       </a:lt2>
       <a:accent1>
-        <a:srgbClr val="00cc99"/>
+        <a:srgbClr val="00CC99"/>
       </a:accent1>
       <a:accent2>
-        <a:srgbClr val="3333cc"/>
+        <a:srgbClr val="3333CC"/>
       </a:accent2>
       <a:accent3>
-        <a:srgbClr val="ffffff"/>
+        <a:srgbClr val="FFFFFF"/>
       </a:accent3>
       <a:accent4>
         <a:srgbClr val="000000"/>
       </a:accent4>
       <a:accent5>
-        <a:srgbClr val="aae2ca"/>
+        <a:srgbClr val="AAE2CA"/>
       </a:accent5>
       <a:accent6>
-        <a:srgbClr val="2d2db9"/>
+        <a:srgbClr val="2D2DB9"/>
       </a:accent6>
       <a:hlink>
-        <a:srgbClr val="ccccff"/>
+        <a:srgbClr val="CCCCFF"/>
       </a:hlink>
       <a:folHlink>
-        <a:srgbClr val="b2b2b2"/>
+        <a:srgbClr val="B2B2B2"/>
       </a:folHlink>
     </a:clrScheme>
     <a:fontScheme name="기본 디자인">
@@ -14029,18 +15905,20 @@
       </a:bgFillStyleLst>
     </a:fmtScheme>
   </a:themeElements>
+  <a:objectDefaults/>
+  <a:extraClrSchemeLst/>
 </a:theme>
 </file>
 
 <file path=ppt/theme/theme2.xml><?xml version="1.0" encoding="utf-8"?>
-<a:theme xmlns:r="http://schemas.openxmlformats.org/officeDocument/2006/relationships" xmlns:c="http://schemas.openxmlformats.org/drawingml/2006/chart" xmlns:dgm="http://schemas.openxmlformats.org/drawingml/2006/diagram" xmlns:dsp="http://schemas.microsoft.com/office/drawing/2008/diagram" xmlns:a="http://schemas.openxmlformats.org/drawingml/2006/main" xmlns:pic="http://schemas.openxmlformats.org/drawingml/2006/picture" xmlns:wp="http://schemas.openxmlformats.org/drawingml/2006/wordprocessingDrawing" xmlns:xdr="http://schemas.openxmlformats.org/drawingml/2006/spreadsheetDrawing" name="Office 테마">
+<a:theme xmlns:a="http://schemas.openxmlformats.org/drawingml/2006/main" name="Office 테마">
   <a:themeElements>
     <a:clrScheme name="">
       <a:dk1>
         <a:srgbClr val="000000"/>
       </a:dk1>
       <a:lt1>
-        <a:srgbClr val="ffffff"/>
+        <a:srgbClr val="FFFFFF"/>
       </a:lt1>
       <a:dk2>
         <a:srgbClr val="000000"/>
@@ -14049,28 +15927,28 @@
         <a:srgbClr val="808080"/>
       </a:lt2>
       <a:accent1>
-        <a:srgbClr val="00cc99"/>
+        <a:srgbClr val="00CC99"/>
       </a:accent1>
       <a:accent2>
-        <a:srgbClr val="3333cc"/>
+        <a:srgbClr val="3333CC"/>
       </a:accent2>
       <a:accent3>
-        <a:srgbClr val="ffffff"/>
+        <a:srgbClr val="FFFFFF"/>
       </a:accent3>
       <a:accent4>
         <a:srgbClr val="000000"/>
       </a:accent4>
       <a:accent5>
-        <a:srgbClr val="aae2ca"/>
+        <a:srgbClr val="AAE2CA"/>
       </a:accent5>
       <a:accent6>
-        <a:srgbClr val="2d2db9"/>
+        <a:srgbClr val="2D2DB9"/>
       </a:accent6>
       <a:hlink>
-        <a:srgbClr val="ccccff"/>
+        <a:srgbClr val="CCCCFF"/>
       </a:hlink>
       <a:folHlink>
-        <a:srgbClr val="b2b2b2"/>
+        <a:srgbClr val="B2B2B2"/>
       </a:folHlink>
     </a:clrScheme>
     <a:fontScheme name="Office">
@@ -14310,5 +16188,7 @@
       </a:bgFillStyleLst>
     </a:fmtScheme>
   </a:themeElements>
+  <a:objectDefaults/>
+  <a:extraClrSchemeLst/>
 </a:theme>
 </file>